--- a/docs/diagrams/EmailActivityDiagram.pptx
+++ b/docs/diagrams/EmailActivityDiagram.pptx
@@ -7,7 +7,7 @@
   <p:sldIdLst>
     <p:sldId id="256" r:id="rId2"/>
   </p:sldIdLst>
-  <p:sldSz cx="13716000" cy="40233600"/>
+  <p:sldSz cx="25511125" cy="5486400"/>
   <p:notesSz cx="6858000" cy="9144000"/>
   <p:defaultTextStyle>
     <a:defPPr>
@@ -104,11 +104,6 @@
       </a:defRPr>
     </a:lvl9pPr>
   </p:defaultTextStyle>
-  <p:extLst>
-    <p:ext uri="{EFAFB233-063F-42B5-8137-9DF3F51BA10A}">
-      <p15:sldGuideLst xmlns:p15="http://schemas.microsoft.com/office/powerpoint/2012/main"/>
-    </p:ext>
-  </p:extLst>
 </p:presentation>
 </file>
 
@@ -141,15 +136,15 @@
         </p:nvSpPr>
         <p:spPr>
           <a:xfrm>
-            <a:off x="1028700" y="6584530"/>
-            <a:ext cx="11658600" cy="14007253"/>
+            <a:off x="3188891" y="897890"/>
+            <a:ext cx="19133344" cy="1910080"/>
           </a:xfrm>
         </p:spPr>
         <p:txBody>
           <a:bodyPr anchor="b"/>
           <a:lstStyle>
             <a:lvl1pPr algn="ctr">
-              <a:defRPr sz="9000"/>
+              <a:defRPr sz="4800"/>
             </a:lvl1pPr>
           </a:lstStyle>
           <a:p>
@@ -173,8 +168,8 @@
         </p:nvSpPr>
         <p:spPr>
           <a:xfrm>
-            <a:off x="1714500" y="21131956"/>
-            <a:ext cx="10287000" cy="9713804"/>
+            <a:off x="3188891" y="2881630"/>
+            <a:ext cx="19133344" cy="1324610"/>
           </a:xfrm>
         </p:spPr>
         <p:txBody>
@@ -182,39 +177,39 @@
           <a:lstStyle>
             <a:lvl1pPr marL="0" indent="0" algn="ctr">
               <a:buNone/>
-              <a:defRPr sz="3600"/>
+              <a:defRPr sz="1920"/>
             </a:lvl1pPr>
-            <a:lvl2pPr marL="685800" indent="0" algn="ctr">
+            <a:lvl2pPr marL="365760" indent="0" algn="ctr">
               <a:buNone/>
-              <a:defRPr sz="3000"/>
+              <a:defRPr sz="1600"/>
             </a:lvl2pPr>
-            <a:lvl3pPr marL="1371600" indent="0" algn="ctr">
+            <a:lvl3pPr marL="731520" indent="0" algn="ctr">
               <a:buNone/>
-              <a:defRPr sz="2700"/>
+              <a:defRPr sz="1440"/>
             </a:lvl3pPr>
-            <a:lvl4pPr marL="2057400" indent="0" algn="ctr">
+            <a:lvl4pPr marL="1097280" indent="0" algn="ctr">
               <a:buNone/>
-              <a:defRPr sz="2400"/>
+              <a:defRPr sz="1280"/>
             </a:lvl4pPr>
-            <a:lvl5pPr marL="2743200" indent="0" algn="ctr">
+            <a:lvl5pPr marL="1463040" indent="0" algn="ctr">
               <a:buNone/>
-              <a:defRPr sz="2400"/>
+              <a:defRPr sz="1280"/>
             </a:lvl5pPr>
-            <a:lvl6pPr marL="3429000" indent="0" algn="ctr">
+            <a:lvl6pPr marL="1828800" indent="0" algn="ctr">
               <a:buNone/>
-              <a:defRPr sz="2400"/>
+              <a:defRPr sz="1280"/>
             </a:lvl6pPr>
-            <a:lvl7pPr marL="4114800" indent="0" algn="ctr">
+            <a:lvl7pPr marL="2194560" indent="0" algn="ctr">
               <a:buNone/>
-              <a:defRPr sz="2400"/>
+              <a:defRPr sz="1280"/>
             </a:lvl7pPr>
-            <a:lvl8pPr marL="4800600" indent="0" algn="ctr">
+            <a:lvl8pPr marL="2560320" indent="0" algn="ctr">
               <a:buNone/>
-              <a:defRPr sz="2400"/>
+              <a:defRPr sz="1280"/>
             </a:lvl8pPr>
-            <a:lvl9pPr marL="5486400" indent="0" algn="ctr">
+            <a:lvl9pPr marL="2926080" indent="0" algn="ctr">
               <a:buNone/>
-              <a:defRPr sz="2400"/>
+              <a:defRPr sz="1280"/>
             </a:lvl9pPr>
           </a:lstStyle>
           <a:p>
@@ -241,9 +236,9 @@
           <a:bodyPr/>
           <a:lstStyle/>
           <a:p>
-            <a:fld id="{83E8FC5D-2F0A-44E1-8582-7448E17C5B58}" type="datetimeFigureOut">
+            <a:fld id="{86415601-335B-4E7F-9495-AE3473549C1E}" type="datetimeFigureOut">
               <a:rPr lang="en-US" smtClean="0"/>
-              <a:t>8/11/2018</a:t>
+              <a:t>9/11/2018</a:t>
             </a:fld>
             <a:endParaRPr lang="en-US"/>
           </a:p>
@@ -283,7 +278,7 @@
           <a:bodyPr/>
           <a:lstStyle/>
           <a:p>
-            <a:fld id="{A48E9535-D2FA-40AE-A91C-593C21A1F996}" type="slidenum">
+            <a:fld id="{ED114C07-3131-409F-9F22-E3866087ECB6}" type="slidenum">
               <a:rPr lang="en-US" smtClean="0"/>
               <a:t>‹#›</a:t>
             </a:fld>
@@ -294,7 +289,7 @@
     </p:spTree>
     <p:extLst>
       <p:ext uri="{BB962C8B-B14F-4D97-AF65-F5344CB8AC3E}">
-        <p14:creationId xmlns:p14="http://schemas.microsoft.com/office/powerpoint/2010/main" val="2400928481"/>
+        <p14:creationId xmlns:p14="http://schemas.microsoft.com/office/powerpoint/2010/main" val="381320084"/>
       </p:ext>
     </p:extLst>
   </p:cSld>
@@ -411,9 +406,9 @@
           <a:bodyPr/>
           <a:lstStyle/>
           <a:p>
-            <a:fld id="{83E8FC5D-2F0A-44E1-8582-7448E17C5B58}" type="datetimeFigureOut">
+            <a:fld id="{86415601-335B-4E7F-9495-AE3473549C1E}" type="datetimeFigureOut">
               <a:rPr lang="en-US" smtClean="0"/>
-              <a:t>8/11/2018</a:t>
+              <a:t>9/11/2018</a:t>
             </a:fld>
             <a:endParaRPr lang="en-US"/>
           </a:p>
@@ -453,7 +448,7 @@
           <a:bodyPr/>
           <a:lstStyle/>
           <a:p>
-            <a:fld id="{A48E9535-D2FA-40AE-A91C-593C21A1F996}" type="slidenum">
+            <a:fld id="{ED114C07-3131-409F-9F22-E3866087ECB6}" type="slidenum">
               <a:rPr lang="en-US" smtClean="0"/>
               <a:t>‹#›</a:t>
             </a:fld>
@@ -464,7 +459,7 @@
     </p:spTree>
     <p:extLst>
       <p:ext uri="{BB962C8B-B14F-4D97-AF65-F5344CB8AC3E}">
-        <p14:creationId xmlns:p14="http://schemas.microsoft.com/office/powerpoint/2010/main" val="177610531"/>
+        <p14:creationId xmlns:p14="http://schemas.microsoft.com/office/powerpoint/2010/main" val="3436661656"/>
       </p:ext>
     </p:extLst>
   </p:cSld>
@@ -503,8 +498,8 @@
         </p:nvSpPr>
         <p:spPr>
           <a:xfrm>
-            <a:off x="9815513" y="2142067"/>
-            <a:ext cx="2957513" cy="34096116"/>
+            <a:off x="18256399" y="292100"/>
+            <a:ext cx="5500836" cy="4649470"/>
           </a:xfrm>
         </p:spPr>
         <p:txBody>
@@ -531,8 +526,8 @@
         </p:nvSpPr>
         <p:spPr>
           <a:xfrm>
-            <a:off x="942976" y="2142067"/>
-            <a:ext cx="8701088" cy="34096116"/>
+            <a:off x="1753890" y="292100"/>
+            <a:ext cx="16183620" cy="4649470"/>
           </a:xfrm>
         </p:spPr>
         <p:txBody>
@@ -591,9 +586,9 @@
           <a:bodyPr/>
           <a:lstStyle/>
           <a:p>
-            <a:fld id="{83E8FC5D-2F0A-44E1-8582-7448E17C5B58}" type="datetimeFigureOut">
+            <a:fld id="{86415601-335B-4E7F-9495-AE3473549C1E}" type="datetimeFigureOut">
               <a:rPr lang="en-US" smtClean="0"/>
-              <a:t>8/11/2018</a:t>
+              <a:t>9/11/2018</a:t>
             </a:fld>
             <a:endParaRPr lang="en-US"/>
           </a:p>
@@ -633,7 +628,7 @@
           <a:bodyPr/>
           <a:lstStyle/>
           <a:p>
-            <a:fld id="{A48E9535-D2FA-40AE-A91C-593C21A1F996}" type="slidenum">
+            <a:fld id="{ED114C07-3131-409F-9F22-E3866087ECB6}" type="slidenum">
               <a:rPr lang="en-US" smtClean="0"/>
               <a:t>‹#›</a:t>
             </a:fld>
@@ -644,7 +639,7 @@
     </p:spTree>
     <p:extLst>
       <p:ext uri="{BB962C8B-B14F-4D97-AF65-F5344CB8AC3E}">
-        <p14:creationId xmlns:p14="http://schemas.microsoft.com/office/powerpoint/2010/main" val="1206143008"/>
+        <p14:creationId xmlns:p14="http://schemas.microsoft.com/office/powerpoint/2010/main" val="1843068467"/>
       </p:ext>
     </p:extLst>
   </p:cSld>
@@ -761,9 +756,9 @@
           <a:bodyPr/>
           <a:lstStyle/>
           <a:p>
-            <a:fld id="{83E8FC5D-2F0A-44E1-8582-7448E17C5B58}" type="datetimeFigureOut">
+            <a:fld id="{86415601-335B-4E7F-9495-AE3473549C1E}" type="datetimeFigureOut">
               <a:rPr lang="en-US" smtClean="0"/>
-              <a:t>8/11/2018</a:t>
+              <a:t>9/11/2018</a:t>
             </a:fld>
             <a:endParaRPr lang="en-US"/>
           </a:p>
@@ -803,7 +798,7 @@
           <a:bodyPr/>
           <a:lstStyle/>
           <a:p>
-            <a:fld id="{A48E9535-D2FA-40AE-A91C-593C21A1F996}" type="slidenum">
+            <a:fld id="{ED114C07-3131-409F-9F22-E3866087ECB6}" type="slidenum">
               <a:rPr lang="en-US" smtClean="0"/>
               <a:t>‹#›</a:t>
             </a:fld>
@@ -814,7 +809,7 @@
     </p:spTree>
     <p:extLst>
       <p:ext uri="{BB962C8B-B14F-4D97-AF65-F5344CB8AC3E}">
-        <p14:creationId xmlns:p14="http://schemas.microsoft.com/office/powerpoint/2010/main" val="2604918131"/>
+        <p14:creationId xmlns:p14="http://schemas.microsoft.com/office/powerpoint/2010/main" val="3509324104"/>
       </p:ext>
     </p:extLst>
   </p:cSld>
@@ -853,15 +848,15 @@
         </p:nvSpPr>
         <p:spPr>
           <a:xfrm>
-            <a:off x="935832" y="10030472"/>
-            <a:ext cx="11830050" cy="16736057"/>
+            <a:off x="1740603" y="1367791"/>
+            <a:ext cx="22003345" cy="2282190"/>
           </a:xfrm>
         </p:spPr>
         <p:txBody>
           <a:bodyPr anchor="b"/>
           <a:lstStyle>
             <a:lvl1pPr>
-              <a:defRPr sz="9000"/>
+              <a:defRPr sz="4800"/>
             </a:lvl1pPr>
           </a:lstStyle>
           <a:p>
@@ -885,8 +880,8 @@
         </p:nvSpPr>
         <p:spPr>
           <a:xfrm>
-            <a:off x="935832" y="26924858"/>
-            <a:ext cx="11830050" cy="8801097"/>
+            <a:off x="1740603" y="3671571"/>
+            <a:ext cx="22003345" cy="1200150"/>
           </a:xfrm>
         </p:spPr>
         <p:txBody>
@@ -894,15 +889,17 @@
           <a:lstStyle>
             <a:lvl1pPr marL="0" indent="0">
               <a:buNone/>
-              <a:defRPr sz="3600">
+              <a:defRPr sz="1920">
                 <a:solidFill>
-                  <a:schemeClr val="tx1"/>
+                  <a:schemeClr val="tx1">
+                    <a:tint val="75000"/>
+                  </a:schemeClr>
                 </a:solidFill>
               </a:defRPr>
             </a:lvl1pPr>
-            <a:lvl2pPr marL="685800" indent="0">
+            <a:lvl2pPr marL="365760" indent="0">
               <a:buNone/>
-              <a:defRPr sz="3000">
+              <a:defRPr sz="1600">
                 <a:solidFill>
                   <a:schemeClr val="tx1">
                     <a:tint val="75000"/>
@@ -910,9 +907,9 @@
                 </a:solidFill>
               </a:defRPr>
             </a:lvl2pPr>
-            <a:lvl3pPr marL="1371600" indent="0">
+            <a:lvl3pPr marL="731520" indent="0">
               <a:buNone/>
-              <a:defRPr sz="2700">
+              <a:defRPr sz="1440">
                 <a:solidFill>
                   <a:schemeClr val="tx1">
                     <a:tint val="75000"/>
@@ -920,9 +917,9 @@
                 </a:solidFill>
               </a:defRPr>
             </a:lvl3pPr>
-            <a:lvl4pPr marL="2057400" indent="0">
+            <a:lvl4pPr marL="1097280" indent="0">
               <a:buNone/>
-              <a:defRPr sz="2400">
+              <a:defRPr sz="1280">
                 <a:solidFill>
                   <a:schemeClr val="tx1">
                     <a:tint val="75000"/>
@@ -930,9 +927,9 @@
                 </a:solidFill>
               </a:defRPr>
             </a:lvl4pPr>
-            <a:lvl5pPr marL="2743200" indent="0">
+            <a:lvl5pPr marL="1463040" indent="0">
               <a:buNone/>
-              <a:defRPr sz="2400">
+              <a:defRPr sz="1280">
                 <a:solidFill>
                   <a:schemeClr val="tx1">
                     <a:tint val="75000"/>
@@ -940,9 +937,9 @@
                 </a:solidFill>
               </a:defRPr>
             </a:lvl5pPr>
-            <a:lvl6pPr marL="3429000" indent="0">
+            <a:lvl6pPr marL="1828800" indent="0">
               <a:buNone/>
-              <a:defRPr sz="2400">
+              <a:defRPr sz="1280">
                 <a:solidFill>
                   <a:schemeClr val="tx1">
                     <a:tint val="75000"/>
@@ -950,9 +947,9 @@
                 </a:solidFill>
               </a:defRPr>
             </a:lvl6pPr>
-            <a:lvl7pPr marL="4114800" indent="0">
+            <a:lvl7pPr marL="2194560" indent="0">
               <a:buNone/>
-              <a:defRPr sz="2400">
+              <a:defRPr sz="1280">
                 <a:solidFill>
                   <a:schemeClr val="tx1">
                     <a:tint val="75000"/>
@@ -960,9 +957,9 @@
                 </a:solidFill>
               </a:defRPr>
             </a:lvl7pPr>
-            <a:lvl8pPr marL="4800600" indent="0">
+            <a:lvl8pPr marL="2560320" indent="0">
               <a:buNone/>
-              <a:defRPr sz="2400">
+              <a:defRPr sz="1280">
                 <a:solidFill>
                   <a:schemeClr val="tx1">
                     <a:tint val="75000"/>
@@ -970,9 +967,9 @@
                 </a:solidFill>
               </a:defRPr>
             </a:lvl8pPr>
-            <a:lvl9pPr marL="5486400" indent="0">
+            <a:lvl9pPr marL="2926080" indent="0">
               <a:buNone/>
-              <a:defRPr sz="2400">
+              <a:defRPr sz="1280">
                 <a:solidFill>
                   <a:schemeClr val="tx1">
                     <a:tint val="75000"/>
@@ -1005,9 +1002,9 @@
           <a:bodyPr/>
           <a:lstStyle/>
           <a:p>
-            <a:fld id="{83E8FC5D-2F0A-44E1-8582-7448E17C5B58}" type="datetimeFigureOut">
+            <a:fld id="{86415601-335B-4E7F-9495-AE3473549C1E}" type="datetimeFigureOut">
               <a:rPr lang="en-US" smtClean="0"/>
-              <a:t>8/11/2018</a:t>
+              <a:t>9/11/2018</a:t>
             </a:fld>
             <a:endParaRPr lang="en-US"/>
           </a:p>
@@ -1047,7 +1044,7 @@
           <a:bodyPr/>
           <a:lstStyle/>
           <a:p>
-            <a:fld id="{A48E9535-D2FA-40AE-A91C-593C21A1F996}" type="slidenum">
+            <a:fld id="{ED114C07-3131-409F-9F22-E3866087ECB6}" type="slidenum">
               <a:rPr lang="en-US" smtClean="0"/>
               <a:t>‹#›</a:t>
             </a:fld>
@@ -1058,7 +1055,7 @@
     </p:spTree>
     <p:extLst>
       <p:ext uri="{BB962C8B-B14F-4D97-AF65-F5344CB8AC3E}">
-        <p14:creationId xmlns:p14="http://schemas.microsoft.com/office/powerpoint/2010/main" val="3922774236"/>
+        <p14:creationId xmlns:p14="http://schemas.microsoft.com/office/powerpoint/2010/main" val="2061125907"/>
       </p:ext>
     </p:extLst>
   </p:cSld>
@@ -1120,8 +1117,8 @@
         </p:nvSpPr>
         <p:spPr>
           <a:xfrm>
-            <a:off x="942975" y="10710333"/>
-            <a:ext cx="5829300" cy="25527850"/>
+            <a:off x="1753890" y="1460500"/>
+            <a:ext cx="10842228" cy="3481070"/>
           </a:xfrm>
         </p:spPr>
         <p:txBody>
@@ -1177,8 +1174,8 @@
         </p:nvSpPr>
         <p:spPr>
           <a:xfrm>
-            <a:off x="6943725" y="10710333"/>
-            <a:ext cx="5829300" cy="25527850"/>
+            <a:off x="12915007" y="1460500"/>
+            <a:ext cx="10842228" cy="3481070"/>
           </a:xfrm>
         </p:spPr>
         <p:txBody>
@@ -1237,9 +1234,9 @@
           <a:bodyPr/>
           <a:lstStyle/>
           <a:p>
-            <a:fld id="{83E8FC5D-2F0A-44E1-8582-7448E17C5B58}" type="datetimeFigureOut">
+            <a:fld id="{86415601-335B-4E7F-9495-AE3473549C1E}" type="datetimeFigureOut">
               <a:rPr lang="en-US" smtClean="0"/>
-              <a:t>8/11/2018</a:t>
+              <a:t>9/11/2018</a:t>
             </a:fld>
             <a:endParaRPr lang="en-US"/>
           </a:p>
@@ -1279,7 +1276,7 @@
           <a:bodyPr/>
           <a:lstStyle/>
           <a:p>
-            <a:fld id="{A48E9535-D2FA-40AE-A91C-593C21A1F996}" type="slidenum">
+            <a:fld id="{ED114C07-3131-409F-9F22-E3866087ECB6}" type="slidenum">
               <a:rPr lang="en-US" smtClean="0"/>
               <a:t>‹#›</a:t>
             </a:fld>
@@ -1290,7 +1287,7 @@
     </p:spTree>
     <p:extLst>
       <p:ext uri="{BB962C8B-B14F-4D97-AF65-F5344CB8AC3E}">
-        <p14:creationId xmlns:p14="http://schemas.microsoft.com/office/powerpoint/2010/main" val="2765272426"/>
+        <p14:creationId xmlns:p14="http://schemas.microsoft.com/office/powerpoint/2010/main" val="1790187500"/>
       </p:ext>
     </p:extLst>
   </p:cSld>
@@ -1329,8 +1326,8 @@
         </p:nvSpPr>
         <p:spPr>
           <a:xfrm>
-            <a:off x="944762" y="2142076"/>
-            <a:ext cx="11830050" cy="7776636"/>
+            <a:off x="1757213" y="292101"/>
+            <a:ext cx="22003345" cy="1060450"/>
           </a:xfrm>
         </p:spPr>
         <p:txBody>
@@ -1357,8 +1354,8 @@
         </p:nvSpPr>
         <p:spPr>
           <a:xfrm>
-            <a:off x="944763" y="9862823"/>
-            <a:ext cx="5802510" cy="4833617"/>
+            <a:off x="1757214" y="1344930"/>
+            <a:ext cx="10792401" cy="659130"/>
           </a:xfrm>
         </p:spPr>
         <p:txBody>
@@ -1366,39 +1363,39 @@
           <a:lstStyle>
             <a:lvl1pPr marL="0" indent="0">
               <a:buNone/>
-              <a:defRPr sz="3600" b="1"/>
+              <a:defRPr sz="1920" b="1"/>
             </a:lvl1pPr>
-            <a:lvl2pPr marL="685800" indent="0">
+            <a:lvl2pPr marL="365760" indent="0">
               <a:buNone/>
-              <a:defRPr sz="3000" b="1"/>
+              <a:defRPr sz="1600" b="1"/>
             </a:lvl2pPr>
-            <a:lvl3pPr marL="1371600" indent="0">
+            <a:lvl3pPr marL="731520" indent="0">
               <a:buNone/>
-              <a:defRPr sz="2700" b="1"/>
+              <a:defRPr sz="1440" b="1"/>
             </a:lvl3pPr>
-            <a:lvl4pPr marL="2057400" indent="0">
+            <a:lvl4pPr marL="1097280" indent="0">
               <a:buNone/>
-              <a:defRPr sz="2400" b="1"/>
+              <a:defRPr sz="1280" b="1"/>
             </a:lvl4pPr>
-            <a:lvl5pPr marL="2743200" indent="0">
+            <a:lvl5pPr marL="1463040" indent="0">
               <a:buNone/>
-              <a:defRPr sz="2400" b="1"/>
+              <a:defRPr sz="1280" b="1"/>
             </a:lvl5pPr>
-            <a:lvl6pPr marL="3429000" indent="0">
+            <a:lvl6pPr marL="1828800" indent="0">
               <a:buNone/>
-              <a:defRPr sz="2400" b="1"/>
+              <a:defRPr sz="1280" b="1"/>
             </a:lvl6pPr>
-            <a:lvl7pPr marL="4114800" indent="0">
+            <a:lvl7pPr marL="2194560" indent="0">
               <a:buNone/>
-              <a:defRPr sz="2400" b="1"/>
+              <a:defRPr sz="1280" b="1"/>
             </a:lvl7pPr>
-            <a:lvl8pPr marL="4800600" indent="0">
+            <a:lvl8pPr marL="2560320" indent="0">
               <a:buNone/>
-              <a:defRPr sz="2400" b="1"/>
+              <a:defRPr sz="1280" b="1"/>
             </a:lvl8pPr>
-            <a:lvl9pPr marL="5486400" indent="0">
+            <a:lvl9pPr marL="2926080" indent="0">
               <a:buNone/>
-              <a:defRPr sz="2400" b="1"/>
+              <a:defRPr sz="1280" b="1"/>
             </a:lvl9pPr>
           </a:lstStyle>
           <a:p>
@@ -1422,8 +1419,8 @@
         </p:nvSpPr>
         <p:spPr>
           <a:xfrm>
-            <a:off x="944763" y="14696440"/>
-            <a:ext cx="5802510" cy="21616250"/>
+            <a:off x="1757214" y="2004060"/>
+            <a:ext cx="10792401" cy="2947670"/>
           </a:xfrm>
         </p:spPr>
         <p:txBody>
@@ -1479,8 +1476,8 @@
         </p:nvSpPr>
         <p:spPr>
           <a:xfrm>
-            <a:off x="6943726" y="9862823"/>
-            <a:ext cx="5831087" cy="4833617"/>
+            <a:off x="12915007" y="1344930"/>
+            <a:ext cx="10845551" cy="659130"/>
           </a:xfrm>
         </p:spPr>
         <p:txBody>
@@ -1488,39 +1485,39 @@
           <a:lstStyle>
             <a:lvl1pPr marL="0" indent="0">
               <a:buNone/>
-              <a:defRPr sz="3600" b="1"/>
+              <a:defRPr sz="1920" b="1"/>
             </a:lvl1pPr>
-            <a:lvl2pPr marL="685800" indent="0">
+            <a:lvl2pPr marL="365760" indent="0">
               <a:buNone/>
-              <a:defRPr sz="3000" b="1"/>
+              <a:defRPr sz="1600" b="1"/>
             </a:lvl2pPr>
-            <a:lvl3pPr marL="1371600" indent="0">
+            <a:lvl3pPr marL="731520" indent="0">
               <a:buNone/>
-              <a:defRPr sz="2700" b="1"/>
+              <a:defRPr sz="1440" b="1"/>
             </a:lvl3pPr>
-            <a:lvl4pPr marL="2057400" indent="0">
+            <a:lvl4pPr marL="1097280" indent="0">
               <a:buNone/>
-              <a:defRPr sz="2400" b="1"/>
+              <a:defRPr sz="1280" b="1"/>
             </a:lvl4pPr>
-            <a:lvl5pPr marL="2743200" indent="0">
+            <a:lvl5pPr marL="1463040" indent="0">
               <a:buNone/>
-              <a:defRPr sz="2400" b="1"/>
+              <a:defRPr sz="1280" b="1"/>
             </a:lvl5pPr>
-            <a:lvl6pPr marL="3429000" indent="0">
+            <a:lvl6pPr marL="1828800" indent="0">
               <a:buNone/>
-              <a:defRPr sz="2400" b="1"/>
+              <a:defRPr sz="1280" b="1"/>
             </a:lvl6pPr>
-            <a:lvl7pPr marL="4114800" indent="0">
+            <a:lvl7pPr marL="2194560" indent="0">
               <a:buNone/>
-              <a:defRPr sz="2400" b="1"/>
+              <a:defRPr sz="1280" b="1"/>
             </a:lvl7pPr>
-            <a:lvl8pPr marL="4800600" indent="0">
+            <a:lvl8pPr marL="2560320" indent="0">
               <a:buNone/>
-              <a:defRPr sz="2400" b="1"/>
+              <a:defRPr sz="1280" b="1"/>
             </a:lvl8pPr>
-            <a:lvl9pPr marL="5486400" indent="0">
+            <a:lvl9pPr marL="2926080" indent="0">
               <a:buNone/>
-              <a:defRPr sz="2400" b="1"/>
+              <a:defRPr sz="1280" b="1"/>
             </a:lvl9pPr>
           </a:lstStyle>
           <a:p>
@@ -1544,8 +1541,8 @@
         </p:nvSpPr>
         <p:spPr>
           <a:xfrm>
-            <a:off x="6943726" y="14696440"/>
-            <a:ext cx="5831087" cy="21616250"/>
+            <a:off x="12915007" y="2004060"/>
+            <a:ext cx="10845551" cy="2947670"/>
           </a:xfrm>
         </p:spPr>
         <p:txBody>
@@ -1604,9 +1601,9 @@
           <a:bodyPr/>
           <a:lstStyle/>
           <a:p>
-            <a:fld id="{83E8FC5D-2F0A-44E1-8582-7448E17C5B58}" type="datetimeFigureOut">
+            <a:fld id="{86415601-335B-4E7F-9495-AE3473549C1E}" type="datetimeFigureOut">
               <a:rPr lang="en-US" smtClean="0"/>
-              <a:t>8/11/2018</a:t>
+              <a:t>9/11/2018</a:t>
             </a:fld>
             <a:endParaRPr lang="en-US"/>
           </a:p>
@@ -1646,7 +1643,7 @@
           <a:bodyPr/>
           <a:lstStyle/>
           <a:p>
-            <a:fld id="{A48E9535-D2FA-40AE-A91C-593C21A1F996}" type="slidenum">
+            <a:fld id="{ED114C07-3131-409F-9F22-E3866087ECB6}" type="slidenum">
               <a:rPr lang="en-US" smtClean="0"/>
               <a:t>‹#›</a:t>
             </a:fld>
@@ -1657,7 +1654,7 @@
     </p:spTree>
     <p:extLst>
       <p:ext uri="{BB962C8B-B14F-4D97-AF65-F5344CB8AC3E}">
-        <p14:creationId xmlns:p14="http://schemas.microsoft.com/office/powerpoint/2010/main" val="1976941616"/>
+        <p14:creationId xmlns:p14="http://schemas.microsoft.com/office/powerpoint/2010/main" val="800289645"/>
       </p:ext>
     </p:extLst>
   </p:cSld>
@@ -1722,9 +1719,9 @@
           <a:bodyPr/>
           <a:lstStyle/>
           <a:p>
-            <a:fld id="{83E8FC5D-2F0A-44E1-8582-7448E17C5B58}" type="datetimeFigureOut">
+            <a:fld id="{86415601-335B-4E7F-9495-AE3473549C1E}" type="datetimeFigureOut">
               <a:rPr lang="en-US" smtClean="0"/>
-              <a:t>8/11/2018</a:t>
+              <a:t>9/11/2018</a:t>
             </a:fld>
             <a:endParaRPr lang="en-US"/>
           </a:p>
@@ -1764,7 +1761,7 @@
           <a:bodyPr/>
           <a:lstStyle/>
           <a:p>
-            <a:fld id="{A48E9535-D2FA-40AE-A91C-593C21A1F996}" type="slidenum">
+            <a:fld id="{ED114C07-3131-409F-9F22-E3866087ECB6}" type="slidenum">
               <a:rPr lang="en-US" smtClean="0"/>
               <a:t>‹#›</a:t>
             </a:fld>
@@ -1775,7 +1772,7 @@
     </p:spTree>
     <p:extLst>
       <p:ext uri="{BB962C8B-B14F-4D97-AF65-F5344CB8AC3E}">
-        <p14:creationId xmlns:p14="http://schemas.microsoft.com/office/powerpoint/2010/main" val="1076450135"/>
+        <p14:creationId xmlns:p14="http://schemas.microsoft.com/office/powerpoint/2010/main" val="2381568781"/>
       </p:ext>
     </p:extLst>
   </p:cSld>
@@ -1817,9 +1814,9 @@
           <a:bodyPr/>
           <a:lstStyle/>
           <a:p>
-            <a:fld id="{83E8FC5D-2F0A-44E1-8582-7448E17C5B58}" type="datetimeFigureOut">
+            <a:fld id="{86415601-335B-4E7F-9495-AE3473549C1E}" type="datetimeFigureOut">
               <a:rPr lang="en-US" smtClean="0"/>
-              <a:t>8/11/2018</a:t>
+              <a:t>9/11/2018</a:t>
             </a:fld>
             <a:endParaRPr lang="en-US"/>
           </a:p>
@@ -1859,7 +1856,7 @@
           <a:bodyPr/>
           <a:lstStyle/>
           <a:p>
-            <a:fld id="{A48E9535-D2FA-40AE-A91C-593C21A1F996}" type="slidenum">
+            <a:fld id="{ED114C07-3131-409F-9F22-E3866087ECB6}" type="slidenum">
               <a:rPr lang="en-US" smtClean="0"/>
               <a:t>‹#›</a:t>
             </a:fld>
@@ -1870,7 +1867,7 @@
     </p:spTree>
     <p:extLst>
       <p:ext uri="{BB962C8B-B14F-4D97-AF65-F5344CB8AC3E}">
-        <p14:creationId xmlns:p14="http://schemas.microsoft.com/office/powerpoint/2010/main" val="3649427978"/>
+        <p14:creationId xmlns:p14="http://schemas.microsoft.com/office/powerpoint/2010/main" val="2233287656"/>
       </p:ext>
     </p:extLst>
   </p:cSld>
@@ -1909,15 +1906,15 @@
         </p:nvSpPr>
         <p:spPr>
           <a:xfrm>
-            <a:off x="944762" y="2682240"/>
-            <a:ext cx="4423767" cy="9387840"/>
+            <a:off x="1757214" y="365760"/>
+            <a:ext cx="8228001" cy="1280160"/>
           </a:xfrm>
         </p:spPr>
         <p:txBody>
           <a:bodyPr anchor="b"/>
           <a:lstStyle>
             <a:lvl1pPr>
-              <a:defRPr sz="4800"/>
+              <a:defRPr sz="2560"/>
             </a:lvl1pPr>
           </a:lstStyle>
           <a:p>
@@ -1941,39 +1938,39 @@
         </p:nvSpPr>
         <p:spPr>
           <a:xfrm>
-            <a:off x="5831087" y="5792902"/>
-            <a:ext cx="6943725" cy="28591933"/>
+            <a:off x="10845551" y="789940"/>
+            <a:ext cx="12915007" cy="3898900"/>
           </a:xfrm>
         </p:spPr>
         <p:txBody>
           <a:bodyPr/>
           <a:lstStyle>
             <a:lvl1pPr>
-              <a:defRPr sz="4800"/>
+              <a:defRPr sz="2560"/>
             </a:lvl1pPr>
             <a:lvl2pPr>
-              <a:defRPr sz="4200"/>
+              <a:defRPr sz="2240"/>
             </a:lvl2pPr>
             <a:lvl3pPr>
-              <a:defRPr sz="3600"/>
+              <a:defRPr sz="1920"/>
             </a:lvl3pPr>
             <a:lvl4pPr>
-              <a:defRPr sz="3000"/>
+              <a:defRPr sz="1600"/>
             </a:lvl4pPr>
             <a:lvl5pPr>
-              <a:defRPr sz="3000"/>
+              <a:defRPr sz="1600"/>
             </a:lvl5pPr>
             <a:lvl6pPr>
-              <a:defRPr sz="3000"/>
+              <a:defRPr sz="1600"/>
             </a:lvl6pPr>
             <a:lvl7pPr>
-              <a:defRPr sz="3000"/>
+              <a:defRPr sz="1600"/>
             </a:lvl7pPr>
             <a:lvl8pPr>
-              <a:defRPr sz="3000"/>
+              <a:defRPr sz="1600"/>
             </a:lvl8pPr>
             <a:lvl9pPr>
-              <a:defRPr sz="3000"/>
+              <a:defRPr sz="1600"/>
             </a:lvl9pPr>
           </a:lstStyle>
           <a:p>
@@ -2026,8 +2023,8 @@
         </p:nvSpPr>
         <p:spPr>
           <a:xfrm>
-            <a:off x="944762" y="12070080"/>
-            <a:ext cx="4423767" cy="22361316"/>
+            <a:off x="1757214" y="1645920"/>
+            <a:ext cx="8228001" cy="3049270"/>
           </a:xfrm>
         </p:spPr>
         <p:txBody>
@@ -2035,39 +2032,39 @@
           <a:lstStyle>
             <a:lvl1pPr marL="0" indent="0">
               <a:buNone/>
-              <a:defRPr sz="2400"/>
+              <a:defRPr sz="1280"/>
             </a:lvl1pPr>
-            <a:lvl2pPr marL="685800" indent="0">
+            <a:lvl2pPr marL="365760" indent="0">
               <a:buNone/>
-              <a:defRPr sz="2100"/>
+              <a:defRPr sz="1120"/>
             </a:lvl2pPr>
-            <a:lvl3pPr marL="1371600" indent="0">
+            <a:lvl3pPr marL="731520" indent="0">
               <a:buNone/>
-              <a:defRPr sz="1800"/>
+              <a:defRPr sz="960"/>
             </a:lvl3pPr>
-            <a:lvl4pPr marL="2057400" indent="0">
+            <a:lvl4pPr marL="1097280" indent="0">
               <a:buNone/>
-              <a:defRPr sz="1500"/>
+              <a:defRPr sz="800"/>
             </a:lvl4pPr>
-            <a:lvl5pPr marL="2743200" indent="0">
+            <a:lvl5pPr marL="1463040" indent="0">
               <a:buNone/>
-              <a:defRPr sz="1500"/>
+              <a:defRPr sz="800"/>
             </a:lvl5pPr>
-            <a:lvl6pPr marL="3429000" indent="0">
+            <a:lvl6pPr marL="1828800" indent="0">
               <a:buNone/>
-              <a:defRPr sz="1500"/>
+              <a:defRPr sz="800"/>
             </a:lvl6pPr>
-            <a:lvl7pPr marL="4114800" indent="0">
+            <a:lvl7pPr marL="2194560" indent="0">
               <a:buNone/>
-              <a:defRPr sz="1500"/>
+              <a:defRPr sz="800"/>
             </a:lvl7pPr>
-            <a:lvl8pPr marL="4800600" indent="0">
+            <a:lvl8pPr marL="2560320" indent="0">
               <a:buNone/>
-              <a:defRPr sz="1500"/>
+              <a:defRPr sz="800"/>
             </a:lvl8pPr>
-            <a:lvl9pPr marL="5486400" indent="0">
+            <a:lvl9pPr marL="2926080" indent="0">
               <a:buNone/>
-              <a:defRPr sz="1500"/>
+              <a:defRPr sz="800"/>
             </a:lvl9pPr>
           </a:lstStyle>
           <a:p>
@@ -2094,9 +2091,9 @@
           <a:bodyPr/>
           <a:lstStyle/>
           <a:p>
-            <a:fld id="{83E8FC5D-2F0A-44E1-8582-7448E17C5B58}" type="datetimeFigureOut">
+            <a:fld id="{86415601-335B-4E7F-9495-AE3473549C1E}" type="datetimeFigureOut">
               <a:rPr lang="en-US" smtClean="0"/>
-              <a:t>8/11/2018</a:t>
+              <a:t>9/11/2018</a:t>
             </a:fld>
             <a:endParaRPr lang="en-US"/>
           </a:p>
@@ -2136,7 +2133,7 @@
           <a:bodyPr/>
           <a:lstStyle/>
           <a:p>
-            <a:fld id="{A48E9535-D2FA-40AE-A91C-593C21A1F996}" type="slidenum">
+            <a:fld id="{ED114C07-3131-409F-9F22-E3866087ECB6}" type="slidenum">
               <a:rPr lang="en-US" smtClean="0"/>
               <a:t>‹#›</a:t>
             </a:fld>
@@ -2147,7 +2144,7 @@
     </p:spTree>
     <p:extLst>
       <p:ext uri="{BB962C8B-B14F-4D97-AF65-F5344CB8AC3E}">
-        <p14:creationId xmlns:p14="http://schemas.microsoft.com/office/powerpoint/2010/main" val="4022389006"/>
+        <p14:creationId xmlns:p14="http://schemas.microsoft.com/office/powerpoint/2010/main" val="2941654036"/>
       </p:ext>
     </p:extLst>
   </p:cSld>
@@ -2186,15 +2183,15 @@
         </p:nvSpPr>
         <p:spPr>
           <a:xfrm>
-            <a:off x="944762" y="2682240"/>
-            <a:ext cx="4423767" cy="9387840"/>
+            <a:off x="1757214" y="365760"/>
+            <a:ext cx="8228001" cy="1280160"/>
           </a:xfrm>
         </p:spPr>
         <p:txBody>
           <a:bodyPr anchor="b"/>
           <a:lstStyle>
             <a:lvl1pPr>
-              <a:defRPr sz="4800"/>
+              <a:defRPr sz="2560"/>
             </a:lvl1pPr>
           </a:lstStyle>
           <a:p>
@@ -2218,8 +2215,8 @@
         </p:nvSpPr>
         <p:spPr>
           <a:xfrm>
-            <a:off x="5831087" y="5792902"/>
-            <a:ext cx="6943725" cy="28591933"/>
+            <a:off x="10845551" y="789940"/>
+            <a:ext cx="12915007" cy="3898900"/>
           </a:xfrm>
         </p:spPr>
         <p:txBody>
@@ -2227,39 +2224,39 @@
           <a:lstStyle>
             <a:lvl1pPr marL="0" indent="0">
               <a:buNone/>
-              <a:defRPr sz="4800"/>
+              <a:defRPr sz="2560"/>
             </a:lvl1pPr>
-            <a:lvl2pPr marL="685800" indent="0">
+            <a:lvl2pPr marL="365760" indent="0">
               <a:buNone/>
-              <a:defRPr sz="4200"/>
+              <a:defRPr sz="2240"/>
             </a:lvl2pPr>
-            <a:lvl3pPr marL="1371600" indent="0">
+            <a:lvl3pPr marL="731520" indent="0">
               <a:buNone/>
-              <a:defRPr sz="3600"/>
+              <a:defRPr sz="1920"/>
             </a:lvl3pPr>
-            <a:lvl4pPr marL="2057400" indent="0">
+            <a:lvl4pPr marL="1097280" indent="0">
               <a:buNone/>
-              <a:defRPr sz="3000"/>
+              <a:defRPr sz="1600"/>
             </a:lvl4pPr>
-            <a:lvl5pPr marL="2743200" indent="0">
+            <a:lvl5pPr marL="1463040" indent="0">
               <a:buNone/>
-              <a:defRPr sz="3000"/>
+              <a:defRPr sz="1600"/>
             </a:lvl5pPr>
-            <a:lvl6pPr marL="3429000" indent="0">
+            <a:lvl6pPr marL="1828800" indent="0">
               <a:buNone/>
-              <a:defRPr sz="3000"/>
+              <a:defRPr sz="1600"/>
             </a:lvl6pPr>
-            <a:lvl7pPr marL="4114800" indent="0">
+            <a:lvl7pPr marL="2194560" indent="0">
               <a:buNone/>
-              <a:defRPr sz="3000"/>
+              <a:defRPr sz="1600"/>
             </a:lvl7pPr>
-            <a:lvl8pPr marL="4800600" indent="0">
+            <a:lvl8pPr marL="2560320" indent="0">
               <a:buNone/>
-              <a:defRPr sz="3000"/>
+              <a:defRPr sz="1600"/>
             </a:lvl8pPr>
-            <a:lvl9pPr marL="5486400" indent="0">
+            <a:lvl9pPr marL="2926080" indent="0">
               <a:buNone/>
-              <a:defRPr sz="3000"/>
+              <a:defRPr sz="1600"/>
             </a:lvl9pPr>
           </a:lstStyle>
           <a:p>
@@ -2283,8 +2280,8 @@
         </p:nvSpPr>
         <p:spPr>
           <a:xfrm>
-            <a:off x="944762" y="12070080"/>
-            <a:ext cx="4423767" cy="22361316"/>
+            <a:off x="1757214" y="1645920"/>
+            <a:ext cx="8228001" cy="3049270"/>
           </a:xfrm>
         </p:spPr>
         <p:txBody>
@@ -2292,39 +2289,39 @@
           <a:lstStyle>
             <a:lvl1pPr marL="0" indent="0">
               <a:buNone/>
-              <a:defRPr sz="2400"/>
+              <a:defRPr sz="1280"/>
             </a:lvl1pPr>
-            <a:lvl2pPr marL="685800" indent="0">
+            <a:lvl2pPr marL="365760" indent="0">
               <a:buNone/>
-              <a:defRPr sz="2100"/>
+              <a:defRPr sz="1120"/>
             </a:lvl2pPr>
-            <a:lvl3pPr marL="1371600" indent="0">
+            <a:lvl3pPr marL="731520" indent="0">
               <a:buNone/>
-              <a:defRPr sz="1800"/>
+              <a:defRPr sz="960"/>
             </a:lvl3pPr>
-            <a:lvl4pPr marL="2057400" indent="0">
+            <a:lvl4pPr marL="1097280" indent="0">
               <a:buNone/>
-              <a:defRPr sz="1500"/>
+              <a:defRPr sz="800"/>
             </a:lvl4pPr>
-            <a:lvl5pPr marL="2743200" indent="0">
+            <a:lvl5pPr marL="1463040" indent="0">
               <a:buNone/>
-              <a:defRPr sz="1500"/>
+              <a:defRPr sz="800"/>
             </a:lvl5pPr>
-            <a:lvl6pPr marL="3429000" indent="0">
+            <a:lvl6pPr marL="1828800" indent="0">
               <a:buNone/>
-              <a:defRPr sz="1500"/>
+              <a:defRPr sz="800"/>
             </a:lvl6pPr>
-            <a:lvl7pPr marL="4114800" indent="0">
+            <a:lvl7pPr marL="2194560" indent="0">
               <a:buNone/>
-              <a:defRPr sz="1500"/>
+              <a:defRPr sz="800"/>
             </a:lvl7pPr>
-            <a:lvl8pPr marL="4800600" indent="0">
+            <a:lvl8pPr marL="2560320" indent="0">
               <a:buNone/>
-              <a:defRPr sz="1500"/>
+              <a:defRPr sz="800"/>
             </a:lvl8pPr>
-            <a:lvl9pPr marL="5486400" indent="0">
+            <a:lvl9pPr marL="2926080" indent="0">
               <a:buNone/>
-              <a:defRPr sz="1500"/>
+              <a:defRPr sz="800"/>
             </a:lvl9pPr>
           </a:lstStyle>
           <a:p>
@@ -2351,9 +2348,9 @@
           <a:bodyPr/>
           <a:lstStyle/>
           <a:p>
-            <a:fld id="{83E8FC5D-2F0A-44E1-8582-7448E17C5B58}" type="datetimeFigureOut">
+            <a:fld id="{86415601-335B-4E7F-9495-AE3473549C1E}" type="datetimeFigureOut">
               <a:rPr lang="en-US" smtClean="0"/>
-              <a:t>8/11/2018</a:t>
+              <a:t>9/11/2018</a:t>
             </a:fld>
             <a:endParaRPr lang="en-US"/>
           </a:p>
@@ -2393,7 +2390,7 @@
           <a:bodyPr/>
           <a:lstStyle/>
           <a:p>
-            <a:fld id="{A48E9535-D2FA-40AE-A91C-593C21A1F996}" type="slidenum">
+            <a:fld id="{ED114C07-3131-409F-9F22-E3866087ECB6}" type="slidenum">
               <a:rPr lang="en-US" smtClean="0"/>
               <a:t>‹#›</a:t>
             </a:fld>
@@ -2404,7 +2401,7 @@
     </p:spTree>
     <p:extLst>
       <p:ext uri="{BB962C8B-B14F-4D97-AF65-F5344CB8AC3E}">
-        <p14:creationId xmlns:p14="http://schemas.microsoft.com/office/powerpoint/2010/main" val="627516730"/>
+        <p14:creationId xmlns:p14="http://schemas.microsoft.com/office/powerpoint/2010/main" val="2550557505"/>
       </p:ext>
     </p:extLst>
   </p:cSld>
@@ -2448,8 +2445,8 @@
         </p:nvSpPr>
         <p:spPr>
           <a:xfrm>
-            <a:off x="942975" y="2142076"/>
-            <a:ext cx="11830050" cy="7776636"/>
+            <a:off x="1753890" y="292101"/>
+            <a:ext cx="22003345" cy="1060450"/>
           </a:xfrm>
           <a:prstGeom prst="rect">
             <a:avLst/>
@@ -2481,8 +2478,8 @@
         </p:nvSpPr>
         <p:spPr>
           <a:xfrm>
-            <a:off x="942975" y="10710333"/>
-            <a:ext cx="11830050" cy="25527850"/>
+            <a:off x="1753890" y="1460500"/>
+            <a:ext cx="22003345" cy="3481070"/>
           </a:xfrm>
           <a:prstGeom prst="rect">
             <a:avLst/>
@@ -2543,8 +2540,8 @@
         </p:nvSpPr>
         <p:spPr>
           <a:xfrm>
-            <a:off x="942975" y="37290595"/>
-            <a:ext cx="3086100" cy="2142067"/>
+            <a:off x="1753890" y="5085080"/>
+            <a:ext cx="5740003" cy="292100"/>
           </a:xfrm>
           <a:prstGeom prst="rect">
             <a:avLst/>
@@ -2554,7 +2551,7 @@
           <a:bodyPr vert="horz" lIns="91440" tIns="45720" rIns="91440" bIns="45720" rtlCol="0" anchor="ctr"/>
           <a:lstStyle>
             <a:lvl1pPr algn="l">
-              <a:defRPr sz="1800">
+              <a:defRPr sz="960">
                 <a:solidFill>
                   <a:schemeClr val="tx1">
                     <a:tint val="75000"/>
@@ -2564,9 +2561,9 @@
             </a:lvl1pPr>
           </a:lstStyle>
           <a:p>
-            <a:fld id="{83E8FC5D-2F0A-44E1-8582-7448E17C5B58}" type="datetimeFigureOut">
+            <a:fld id="{86415601-335B-4E7F-9495-AE3473549C1E}" type="datetimeFigureOut">
               <a:rPr lang="en-US" smtClean="0"/>
-              <a:t>8/11/2018</a:t>
+              <a:t>9/11/2018</a:t>
             </a:fld>
             <a:endParaRPr lang="en-US"/>
           </a:p>
@@ -2584,8 +2581,8 @@
         </p:nvSpPr>
         <p:spPr>
           <a:xfrm>
-            <a:off x="4543425" y="37290595"/>
-            <a:ext cx="4629150" cy="2142067"/>
+            <a:off x="8450560" y="5085080"/>
+            <a:ext cx="8610005" cy="292100"/>
           </a:xfrm>
           <a:prstGeom prst="rect">
             <a:avLst/>
@@ -2595,7 +2592,7 @@
           <a:bodyPr vert="horz" lIns="91440" tIns="45720" rIns="91440" bIns="45720" rtlCol="0" anchor="ctr"/>
           <a:lstStyle>
             <a:lvl1pPr algn="ctr">
-              <a:defRPr sz="1800">
+              <a:defRPr sz="960">
                 <a:solidFill>
                   <a:schemeClr val="tx1">
                     <a:tint val="75000"/>
@@ -2621,8 +2618,8 @@
         </p:nvSpPr>
         <p:spPr>
           <a:xfrm>
-            <a:off x="9686925" y="37290595"/>
-            <a:ext cx="3086100" cy="2142067"/>
+            <a:off x="18017232" y="5085080"/>
+            <a:ext cx="5740003" cy="292100"/>
           </a:xfrm>
           <a:prstGeom prst="rect">
             <a:avLst/>
@@ -2632,7 +2629,7 @@
           <a:bodyPr vert="horz" lIns="91440" tIns="45720" rIns="91440" bIns="45720" rtlCol="0" anchor="ctr"/>
           <a:lstStyle>
             <a:lvl1pPr algn="r">
-              <a:defRPr sz="1800">
+              <a:defRPr sz="960">
                 <a:solidFill>
                   <a:schemeClr val="tx1">
                     <a:tint val="75000"/>
@@ -2642,7 +2639,7 @@
             </a:lvl1pPr>
           </a:lstStyle>
           <a:p>
-            <a:fld id="{A48E9535-D2FA-40AE-A91C-593C21A1F996}" type="slidenum">
+            <a:fld id="{ED114C07-3131-409F-9F22-E3866087ECB6}" type="slidenum">
               <a:rPr lang="en-US" smtClean="0"/>
               <a:t>‹#›</a:t>
             </a:fld>
@@ -2653,7 +2650,7 @@
     </p:spTree>
     <p:extLst>
       <p:ext uri="{BB962C8B-B14F-4D97-AF65-F5344CB8AC3E}">
-        <p14:creationId xmlns:p14="http://schemas.microsoft.com/office/powerpoint/2010/main" val="3636204964"/>
+        <p14:creationId xmlns:p14="http://schemas.microsoft.com/office/powerpoint/2010/main" val="257962508"/>
       </p:ext>
     </p:extLst>
   </p:cSld>
@@ -2673,7 +2670,7 @@
   </p:sldLayoutIdLst>
   <p:txStyles>
     <p:titleStyle>
-      <a:lvl1pPr algn="l" defTabSz="1371600" rtl="0" eaLnBrk="1" latinLnBrk="0" hangingPunct="1">
+      <a:lvl1pPr algn="l" defTabSz="731520" rtl="0" eaLnBrk="1" latinLnBrk="0" hangingPunct="1">
         <a:lnSpc>
           <a:spcPct val="90000"/>
         </a:lnSpc>
@@ -2681,7 +2678,7 @@
           <a:spcPct val="0"/>
         </a:spcBef>
         <a:buNone/>
-        <a:defRPr sz="6600" kern="1200">
+        <a:defRPr sz="3520" kern="1200">
           <a:solidFill>
             <a:schemeClr val="tx1"/>
           </a:solidFill>
@@ -2692,16 +2689,16 @@
       </a:lvl1pPr>
     </p:titleStyle>
     <p:bodyStyle>
-      <a:lvl1pPr marL="342900" indent="-342900" algn="l" defTabSz="1371600" rtl="0" eaLnBrk="1" latinLnBrk="0" hangingPunct="1">
+      <a:lvl1pPr marL="182880" indent="-182880" algn="l" defTabSz="731520" rtl="0" eaLnBrk="1" latinLnBrk="0" hangingPunct="1">
         <a:lnSpc>
           <a:spcPct val="90000"/>
         </a:lnSpc>
         <a:spcBef>
-          <a:spcPts val="1500"/>
+          <a:spcPts val="800"/>
         </a:spcBef>
         <a:buFont typeface="Arial" panose="020B0604020202020204" pitchFamily="34" charset="0"/>
         <a:buChar char="•"/>
-        <a:defRPr sz="4200" kern="1200">
+        <a:defRPr sz="2240" kern="1200">
           <a:solidFill>
             <a:schemeClr val="tx1"/>
           </a:solidFill>
@@ -2710,16 +2707,16 @@
           <a:cs typeface="+mn-cs"/>
         </a:defRPr>
       </a:lvl1pPr>
-      <a:lvl2pPr marL="1028700" indent="-342900" algn="l" defTabSz="1371600" rtl="0" eaLnBrk="1" latinLnBrk="0" hangingPunct="1">
+      <a:lvl2pPr marL="548640" indent="-182880" algn="l" defTabSz="731520" rtl="0" eaLnBrk="1" latinLnBrk="0" hangingPunct="1">
         <a:lnSpc>
           <a:spcPct val="90000"/>
         </a:lnSpc>
         <a:spcBef>
-          <a:spcPts val="750"/>
+          <a:spcPts val="400"/>
         </a:spcBef>
         <a:buFont typeface="Arial" panose="020B0604020202020204" pitchFamily="34" charset="0"/>
         <a:buChar char="•"/>
-        <a:defRPr sz="3600" kern="1200">
+        <a:defRPr sz="1920" kern="1200">
           <a:solidFill>
             <a:schemeClr val="tx1"/>
           </a:solidFill>
@@ -2728,16 +2725,16 @@
           <a:cs typeface="+mn-cs"/>
         </a:defRPr>
       </a:lvl2pPr>
-      <a:lvl3pPr marL="1714500" indent="-342900" algn="l" defTabSz="1371600" rtl="0" eaLnBrk="1" latinLnBrk="0" hangingPunct="1">
+      <a:lvl3pPr marL="914400" indent="-182880" algn="l" defTabSz="731520" rtl="0" eaLnBrk="1" latinLnBrk="0" hangingPunct="1">
         <a:lnSpc>
           <a:spcPct val="90000"/>
         </a:lnSpc>
         <a:spcBef>
-          <a:spcPts val="750"/>
+          <a:spcPts val="400"/>
         </a:spcBef>
         <a:buFont typeface="Arial" panose="020B0604020202020204" pitchFamily="34" charset="0"/>
         <a:buChar char="•"/>
-        <a:defRPr sz="3000" kern="1200">
+        <a:defRPr sz="1600" kern="1200">
           <a:solidFill>
             <a:schemeClr val="tx1"/>
           </a:solidFill>
@@ -2746,16 +2743,16 @@
           <a:cs typeface="+mn-cs"/>
         </a:defRPr>
       </a:lvl3pPr>
-      <a:lvl4pPr marL="2400300" indent="-342900" algn="l" defTabSz="1371600" rtl="0" eaLnBrk="1" latinLnBrk="0" hangingPunct="1">
+      <a:lvl4pPr marL="1280160" indent="-182880" algn="l" defTabSz="731520" rtl="0" eaLnBrk="1" latinLnBrk="0" hangingPunct="1">
         <a:lnSpc>
           <a:spcPct val="90000"/>
         </a:lnSpc>
         <a:spcBef>
-          <a:spcPts val="750"/>
+          <a:spcPts val="400"/>
         </a:spcBef>
         <a:buFont typeface="Arial" panose="020B0604020202020204" pitchFamily="34" charset="0"/>
         <a:buChar char="•"/>
-        <a:defRPr sz="2700" kern="1200">
+        <a:defRPr sz="1440" kern="1200">
           <a:solidFill>
             <a:schemeClr val="tx1"/>
           </a:solidFill>
@@ -2764,16 +2761,16 @@
           <a:cs typeface="+mn-cs"/>
         </a:defRPr>
       </a:lvl4pPr>
-      <a:lvl5pPr marL="3086100" indent="-342900" algn="l" defTabSz="1371600" rtl="0" eaLnBrk="1" latinLnBrk="0" hangingPunct="1">
+      <a:lvl5pPr marL="1645920" indent="-182880" algn="l" defTabSz="731520" rtl="0" eaLnBrk="1" latinLnBrk="0" hangingPunct="1">
         <a:lnSpc>
           <a:spcPct val="90000"/>
         </a:lnSpc>
         <a:spcBef>
-          <a:spcPts val="750"/>
+          <a:spcPts val="400"/>
         </a:spcBef>
         <a:buFont typeface="Arial" panose="020B0604020202020204" pitchFamily="34" charset="0"/>
         <a:buChar char="•"/>
-        <a:defRPr sz="2700" kern="1200">
+        <a:defRPr sz="1440" kern="1200">
           <a:solidFill>
             <a:schemeClr val="tx1"/>
           </a:solidFill>
@@ -2782,16 +2779,16 @@
           <a:cs typeface="+mn-cs"/>
         </a:defRPr>
       </a:lvl5pPr>
-      <a:lvl6pPr marL="3771900" indent="-342900" algn="l" defTabSz="1371600" rtl="0" eaLnBrk="1" latinLnBrk="0" hangingPunct="1">
+      <a:lvl6pPr marL="2011680" indent="-182880" algn="l" defTabSz="731520" rtl="0" eaLnBrk="1" latinLnBrk="0" hangingPunct="1">
         <a:lnSpc>
           <a:spcPct val="90000"/>
         </a:lnSpc>
         <a:spcBef>
-          <a:spcPts val="750"/>
+          <a:spcPts val="400"/>
         </a:spcBef>
         <a:buFont typeface="Arial" panose="020B0604020202020204" pitchFamily="34" charset="0"/>
         <a:buChar char="•"/>
-        <a:defRPr sz="2700" kern="1200">
+        <a:defRPr sz="1440" kern="1200">
           <a:solidFill>
             <a:schemeClr val="tx1"/>
           </a:solidFill>
@@ -2800,16 +2797,16 @@
           <a:cs typeface="+mn-cs"/>
         </a:defRPr>
       </a:lvl6pPr>
-      <a:lvl7pPr marL="4457700" indent="-342900" algn="l" defTabSz="1371600" rtl="0" eaLnBrk="1" latinLnBrk="0" hangingPunct="1">
+      <a:lvl7pPr marL="2377440" indent="-182880" algn="l" defTabSz="731520" rtl="0" eaLnBrk="1" latinLnBrk="0" hangingPunct="1">
         <a:lnSpc>
           <a:spcPct val="90000"/>
         </a:lnSpc>
         <a:spcBef>
-          <a:spcPts val="750"/>
+          <a:spcPts val="400"/>
         </a:spcBef>
         <a:buFont typeface="Arial" panose="020B0604020202020204" pitchFamily="34" charset="0"/>
         <a:buChar char="•"/>
-        <a:defRPr sz="2700" kern="1200">
+        <a:defRPr sz="1440" kern="1200">
           <a:solidFill>
             <a:schemeClr val="tx1"/>
           </a:solidFill>
@@ -2818,16 +2815,16 @@
           <a:cs typeface="+mn-cs"/>
         </a:defRPr>
       </a:lvl7pPr>
-      <a:lvl8pPr marL="5143500" indent="-342900" algn="l" defTabSz="1371600" rtl="0" eaLnBrk="1" latinLnBrk="0" hangingPunct="1">
+      <a:lvl8pPr marL="2743200" indent="-182880" algn="l" defTabSz="731520" rtl="0" eaLnBrk="1" latinLnBrk="0" hangingPunct="1">
         <a:lnSpc>
           <a:spcPct val="90000"/>
         </a:lnSpc>
         <a:spcBef>
-          <a:spcPts val="750"/>
+          <a:spcPts val="400"/>
         </a:spcBef>
         <a:buFont typeface="Arial" panose="020B0604020202020204" pitchFamily="34" charset="0"/>
         <a:buChar char="•"/>
-        <a:defRPr sz="2700" kern="1200">
+        <a:defRPr sz="1440" kern="1200">
           <a:solidFill>
             <a:schemeClr val="tx1"/>
           </a:solidFill>
@@ -2836,16 +2833,16 @@
           <a:cs typeface="+mn-cs"/>
         </a:defRPr>
       </a:lvl8pPr>
-      <a:lvl9pPr marL="5829300" indent="-342900" algn="l" defTabSz="1371600" rtl="0" eaLnBrk="1" latinLnBrk="0" hangingPunct="1">
+      <a:lvl9pPr marL="3108960" indent="-182880" algn="l" defTabSz="731520" rtl="0" eaLnBrk="1" latinLnBrk="0" hangingPunct="1">
         <a:lnSpc>
           <a:spcPct val="90000"/>
         </a:lnSpc>
         <a:spcBef>
-          <a:spcPts val="750"/>
+          <a:spcPts val="400"/>
         </a:spcBef>
         <a:buFont typeface="Arial" panose="020B0604020202020204" pitchFamily="34" charset="0"/>
         <a:buChar char="•"/>
-        <a:defRPr sz="2700" kern="1200">
+        <a:defRPr sz="1440" kern="1200">
           <a:solidFill>
             <a:schemeClr val="tx1"/>
           </a:solidFill>
@@ -2859,8 +2856,8 @@
       <a:defPPr>
         <a:defRPr lang="en-US"/>
       </a:defPPr>
-      <a:lvl1pPr marL="0" algn="l" defTabSz="1371600" rtl="0" eaLnBrk="1" latinLnBrk="0" hangingPunct="1">
-        <a:defRPr sz="2700" kern="1200">
+      <a:lvl1pPr marL="0" algn="l" defTabSz="731520" rtl="0" eaLnBrk="1" latinLnBrk="0" hangingPunct="1">
+        <a:defRPr sz="1440" kern="1200">
           <a:solidFill>
             <a:schemeClr val="tx1"/>
           </a:solidFill>
@@ -2869,8 +2866,8 @@
           <a:cs typeface="+mn-cs"/>
         </a:defRPr>
       </a:lvl1pPr>
-      <a:lvl2pPr marL="685800" algn="l" defTabSz="1371600" rtl="0" eaLnBrk="1" latinLnBrk="0" hangingPunct="1">
-        <a:defRPr sz="2700" kern="1200">
+      <a:lvl2pPr marL="365760" algn="l" defTabSz="731520" rtl="0" eaLnBrk="1" latinLnBrk="0" hangingPunct="1">
+        <a:defRPr sz="1440" kern="1200">
           <a:solidFill>
             <a:schemeClr val="tx1"/>
           </a:solidFill>
@@ -2879,8 +2876,8 @@
           <a:cs typeface="+mn-cs"/>
         </a:defRPr>
       </a:lvl2pPr>
-      <a:lvl3pPr marL="1371600" algn="l" defTabSz="1371600" rtl="0" eaLnBrk="1" latinLnBrk="0" hangingPunct="1">
-        <a:defRPr sz="2700" kern="1200">
+      <a:lvl3pPr marL="731520" algn="l" defTabSz="731520" rtl="0" eaLnBrk="1" latinLnBrk="0" hangingPunct="1">
+        <a:defRPr sz="1440" kern="1200">
           <a:solidFill>
             <a:schemeClr val="tx1"/>
           </a:solidFill>
@@ -2889,8 +2886,8 @@
           <a:cs typeface="+mn-cs"/>
         </a:defRPr>
       </a:lvl3pPr>
-      <a:lvl4pPr marL="2057400" algn="l" defTabSz="1371600" rtl="0" eaLnBrk="1" latinLnBrk="0" hangingPunct="1">
-        <a:defRPr sz="2700" kern="1200">
+      <a:lvl4pPr marL="1097280" algn="l" defTabSz="731520" rtl="0" eaLnBrk="1" latinLnBrk="0" hangingPunct="1">
+        <a:defRPr sz="1440" kern="1200">
           <a:solidFill>
             <a:schemeClr val="tx1"/>
           </a:solidFill>
@@ -2899,8 +2896,8 @@
           <a:cs typeface="+mn-cs"/>
         </a:defRPr>
       </a:lvl4pPr>
-      <a:lvl5pPr marL="2743200" algn="l" defTabSz="1371600" rtl="0" eaLnBrk="1" latinLnBrk="0" hangingPunct="1">
-        <a:defRPr sz="2700" kern="1200">
+      <a:lvl5pPr marL="1463040" algn="l" defTabSz="731520" rtl="0" eaLnBrk="1" latinLnBrk="0" hangingPunct="1">
+        <a:defRPr sz="1440" kern="1200">
           <a:solidFill>
             <a:schemeClr val="tx1"/>
           </a:solidFill>
@@ -2909,8 +2906,8 @@
           <a:cs typeface="+mn-cs"/>
         </a:defRPr>
       </a:lvl5pPr>
-      <a:lvl6pPr marL="3429000" algn="l" defTabSz="1371600" rtl="0" eaLnBrk="1" latinLnBrk="0" hangingPunct="1">
-        <a:defRPr sz="2700" kern="1200">
+      <a:lvl6pPr marL="1828800" algn="l" defTabSz="731520" rtl="0" eaLnBrk="1" latinLnBrk="0" hangingPunct="1">
+        <a:defRPr sz="1440" kern="1200">
           <a:solidFill>
             <a:schemeClr val="tx1"/>
           </a:solidFill>
@@ -2919,8 +2916,8 @@
           <a:cs typeface="+mn-cs"/>
         </a:defRPr>
       </a:lvl6pPr>
-      <a:lvl7pPr marL="4114800" algn="l" defTabSz="1371600" rtl="0" eaLnBrk="1" latinLnBrk="0" hangingPunct="1">
-        <a:defRPr sz="2700" kern="1200">
+      <a:lvl7pPr marL="2194560" algn="l" defTabSz="731520" rtl="0" eaLnBrk="1" latinLnBrk="0" hangingPunct="1">
+        <a:defRPr sz="1440" kern="1200">
           <a:solidFill>
             <a:schemeClr val="tx1"/>
           </a:solidFill>
@@ -2929,8 +2926,8 @@
           <a:cs typeface="+mn-cs"/>
         </a:defRPr>
       </a:lvl7pPr>
-      <a:lvl8pPr marL="4800600" algn="l" defTabSz="1371600" rtl="0" eaLnBrk="1" latinLnBrk="0" hangingPunct="1">
-        <a:defRPr sz="2700" kern="1200">
+      <a:lvl8pPr marL="2560320" algn="l" defTabSz="731520" rtl="0" eaLnBrk="1" latinLnBrk="0" hangingPunct="1">
+        <a:defRPr sz="1440" kern="1200">
           <a:solidFill>
             <a:schemeClr val="tx1"/>
           </a:solidFill>
@@ -2939,8 +2936,8 @@
           <a:cs typeface="+mn-cs"/>
         </a:defRPr>
       </a:lvl8pPr>
-      <a:lvl9pPr marL="5486400" algn="l" defTabSz="1371600" rtl="0" eaLnBrk="1" latinLnBrk="0" hangingPunct="1">
-        <a:defRPr sz="2700" kern="1200">
+      <a:lvl9pPr marL="2926080" algn="l" defTabSz="731520" rtl="0" eaLnBrk="1" latinLnBrk="0" hangingPunct="1">
+        <a:defRPr sz="1440" kern="1200">
           <a:solidFill>
             <a:schemeClr val="tx1"/>
           </a:solidFill>
@@ -2976,7 +2973,7 @@
           <p:cNvPr id="4" name="Oval 3">
             <a:extLst>
               <a:ext uri="{FF2B5EF4-FFF2-40B4-BE49-F238E27FC236}">
-                <a16:creationId xmlns:a16="http://schemas.microsoft.com/office/drawing/2014/main" id="{84C212B4-A284-436B-BED9-D732F211C430}"/>
+                <a16:creationId xmlns:a16="http://schemas.microsoft.com/office/drawing/2014/main" id="{C396434E-5123-4BF8-9158-555BD10622A1}"/>
               </a:ext>
             </a:extLst>
           </p:cNvPr>
@@ -2985,8 +2982,8 @@
         </p:nvSpPr>
         <p:spPr>
           <a:xfrm>
-            <a:off x="6592872" y="822730"/>
-            <a:ext cx="530256" cy="530256"/>
+            <a:off x="435385" y="2766379"/>
+            <a:ext cx="264175" cy="264175"/>
           </a:xfrm>
           <a:prstGeom prst="ellipse">
             <a:avLst/>
@@ -3007,7 +3004,7 @@
           </a:fontRef>
         </p:style>
         <p:txBody>
-          <a:bodyPr rot="0" spcFirstLastPara="0" vertOverflow="overflow" horzOverflow="overflow" vert="horz" wrap="square" lIns="205740" tIns="102872" rIns="205740" bIns="102872" numCol="1" spcCol="0" rtlCol="0" fromWordArt="0" anchor="ctr" anchorCtr="0" forceAA="0" compatLnSpc="1">
+          <a:bodyPr rot="0" spcFirstLastPara="0" vertOverflow="overflow" horzOverflow="overflow" vert="horz" wrap="square" lIns="102500" tIns="51252" rIns="102500" bIns="51252" numCol="1" spcCol="0" rtlCol="0" fromWordArt="0" anchor="ctr" anchorCtr="0" forceAA="0" compatLnSpc="1">
             <a:prstTxWarp prst="textNoShape">
               <a:avLst/>
             </a:prstTxWarp>
@@ -3016,7 +3013,7 @@
           <a:lstStyle/>
           <a:p>
             <a:pPr algn="ctr"/>
-            <a:endParaRPr lang="en-SG" sz="4052"/>
+            <a:endParaRPr lang="en-SG" sz="2018"/>
           </a:p>
         </p:txBody>
       </p:sp>
@@ -3025,20 +3022,19 @@
           <p:cNvPr id="5" name="Straight Arrow Connector 4">
             <a:extLst>
               <a:ext uri="{FF2B5EF4-FFF2-40B4-BE49-F238E27FC236}">
-                <a16:creationId xmlns:a16="http://schemas.microsoft.com/office/drawing/2014/main" id="{9563E746-DA61-48E8-9D69-C80C5E09CA60}"/>
+                <a16:creationId xmlns:a16="http://schemas.microsoft.com/office/drawing/2014/main" id="{06E2BD14-D322-4489-8C18-D747F8A2308F}"/>
               </a:ext>
             </a:extLst>
           </p:cNvPr>
           <p:cNvCxnSpPr>
             <a:cxnSpLocks/>
-            <a:stCxn id="4" idx="4"/>
           </p:cNvCxnSpPr>
           <p:nvPr/>
         </p:nvCxnSpPr>
         <p:spPr>
           <a:xfrm>
-            <a:off x="6858000" y="1352986"/>
-            <a:ext cx="0" cy="612863"/>
+            <a:off x="709889" y="2898462"/>
+            <a:ext cx="377198" cy="0"/>
           </a:xfrm>
           <a:prstGeom prst="straightConnector1">
             <a:avLst/>
@@ -3070,7 +3066,7 @@
           <p:cNvPr id="6" name="Rectangle: Rounded Corners 5">
             <a:extLst>
               <a:ext uri="{FF2B5EF4-FFF2-40B4-BE49-F238E27FC236}">
-                <a16:creationId xmlns:a16="http://schemas.microsoft.com/office/drawing/2014/main" id="{BA20473F-5A4F-4D2D-B157-64C5235F1379}"/>
+                <a16:creationId xmlns:a16="http://schemas.microsoft.com/office/drawing/2014/main" id="{EE647F04-0369-46B5-8221-D73EDB9F48AE}"/>
               </a:ext>
             </a:extLst>
           </p:cNvPr>
@@ -3079,8 +3075,8 @@
         </p:nvSpPr>
         <p:spPr>
           <a:xfrm>
-            <a:off x="5091353" y="1981202"/>
-            <a:ext cx="3533299" cy="1611982"/>
+            <a:off x="1087085" y="2496916"/>
+            <a:ext cx="1760297" cy="803092"/>
           </a:xfrm>
           <a:prstGeom prst="roundRect">
             <a:avLst/>
@@ -3101,7 +3097,7 @@
           </a:fontRef>
         </p:style>
         <p:txBody>
-          <a:bodyPr rot="0" spcFirstLastPara="0" vertOverflow="overflow" horzOverflow="overflow" vert="horz" wrap="square" lIns="205740" tIns="102872" rIns="205740" bIns="102872" numCol="1" spcCol="0" rtlCol="0" fromWordArt="0" anchor="ctr" anchorCtr="0" forceAA="0" compatLnSpc="1">
+          <a:bodyPr rot="0" spcFirstLastPara="0" vertOverflow="overflow" horzOverflow="overflow" vert="horz" wrap="square" lIns="102500" tIns="51252" rIns="102500" bIns="51252" numCol="1" spcCol="0" rtlCol="0" fromWordArt="0" anchor="ctr" anchorCtr="0" forceAA="0" compatLnSpc="1">
             <a:prstTxWarp prst="textNoShape">
               <a:avLst/>
             </a:prstTxWarp>
@@ -3111,7 +3107,7 @@
           <a:p>
             <a:pPr algn="ctr"/>
             <a:r>
-              <a:rPr lang="en-SG" sz="3149" dirty="0"/>
+              <a:rPr lang="en-SG" sz="1568" dirty="0"/>
               <a:t>User executes Email command</a:t>
             </a:r>
           </a:p>
@@ -3119,10 +3115,10 @@
       </p:sp>
       <p:cxnSp>
         <p:nvCxnSpPr>
-          <p:cNvPr id="12" name="Straight Arrow Connector 11">
-            <a:extLst>
-              <a:ext uri="{FF2B5EF4-FFF2-40B4-BE49-F238E27FC236}">
-                <a16:creationId xmlns:a16="http://schemas.microsoft.com/office/drawing/2014/main" id="{0FC01033-1A08-4216-A7D8-A6E0C2BD5E46}"/>
+          <p:cNvPr id="7" name="Straight Arrow Connector 6">
+            <a:extLst>
+              <a:ext uri="{FF2B5EF4-FFF2-40B4-BE49-F238E27FC236}">
+                <a16:creationId xmlns:a16="http://schemas.microsoft.com/office/drawing/2014/main" id="{FD1BA719-5DD4-4C85-99F9-754EF6A2C410}"/>
               </a:ext>
             </a:extLst>
           </p:cNvPr>
@@ -3133,8 +3129,8 @@
         </p:nvCxnSpPr>
         <p:spPr>
           <a:xfrm>
-            <a:off x="6857999" y="3593186"/>
-            <a:ext cx="0" cy="765169"/>
+            <a:off x="2847380" y="2898462"/>
+            <a:ext cx="406697" cy="0"/>
           </a:xfrm>
           <a:prstGeom prst="straightConnector1">
             <a:avLst/>
@@ -3163,10 +3159,10 @@
       </p:cxnSp>
       <p:sp>
         <p:nvSpPr>
-          <p:cNvPr id="13" name="Diamond 12">
-            <a:extLst>
-              <a:ext uri="{FF2B5EF4-FFF2-40B4-BE49-F238E27FC236}">
-                <a16:creationId xmlns:a16="http://schemas.microsoft.com/office/drawing/2014/main" id="{3F0FB10B-61FA-4C08-AFB8-103BEC1EC6DF}"/>
+          <p:cNvPr id="8" name="Diamond 7">
+            <a:extLst>
+              <a:ext uri="{FF2B5EF4-FFF2-40B4-BE49-F238E27FC236}">
+                <a16:creationId xmlns:a16="http://schemas.microsoft.com/office/drawing/2014/main" id="{76ACC0BB-36F9-44B8-967E-475D1639AADB}"/>
               </a:ext>
             </a:extLst>
           </p:cNvPr>
@@ -3175,8 +3171,8 @@
         </p:nvSpPr>
         <p:spPr>
           <a:xfrm>
-            <a:off x="6317137" y="4358352"/>
-            <a:ext cx="1081724" cy="1081724"/>
+            <a:off x="3254079" y="2624563"/>
+            <a:ext cx="538917" cy="538917"/>
           </a:xfrm>
           <a:prstGeom prst="diamond">
             <a:avLst/>
@@ -3197,7 +3193,7 @@
           </a:fontRef>
         </p:style>
         <p:txBody>
-          <a:bodyPr rot="0" spcFirstLastPara="0" vertOverflow="overflow" horzOverflow="overflow" vert="horz" wrap="square" lIns="205740" tIns="102872" rIns="205740" bIns="102872" numCol="1" spcCol="0" rtlCol="0" fromWordArt="0" anchor="ctr" anchorCtr="0" forceAA="0" compatLnSpc="1">
+          <a:bodyPr rot="0" spcFirstLastPara="0" vertOverflow="overflow" horzOverflow="overflow" vert="horz" wrap="square" lIns="102500" tIns="51252" rIns="102500" bIns="51252" numCol="1" spcCol="0" rtlCol="0" fromWordArt="0" anchor="ctr" anchorCtr="0" forceAA="0" compatLnSpc="1">
             <a:prstTxWarp prst="textNoShape">
               <a:avLst/>
             </a:prstTxWarp>
@@ -3206,29 +3202,28 @@
           <a:lstStyle/>
           <a:p>
             <a:pPr algn="ctr"/>
-            <a:endParaRPr lang="en-SG" sz="4052"/>
+            <a:endParaRPr lang="en-SG" sz="2018"/>
           </a:p>
         </p:txBody>
       </p:sp>
       <p:cxnSp>
         <p:nvCxnSpPr>
-          <p:cNvPr id="14" name="Straight Arrow Connector 13">
-            <a:extLst>
-              <a:ext uri="{FF2B5EF4-FFF2-40B4-BE49-F238E27FC236}">
-                <a16:creationId xmlns:a16="http://schemas.microsoft.com/office/drawing/2014/main" id="{0616BB2F-FEF6-4013-8C1D-278D79E04BA3}"/>
+          <p:cNvPr id="9" name="Straight Arrow Connector 8">
+            <a:extLst>
+              <a:ext uri="{FF2B5EF4-FFF2-40B4-BE49-F238E27FC236}">
+                <a16:creationId xmlns:a16="http://schemas.microsoft.com/office/drawing/2014/main" id="{74B6C61D-6E5C-431E-AEDD-662682951131}"/>
               </a:ext>
             </a:extLst>
           </p:cNvPr>
           <p:cNvCxnSpPr>
             <a:cxnSpLocks/>
-            <a:endCxn id="15" idx="0"/>
           </p:cNvCxnSpPr>
           <p:nvPr/>
         </p:nvCxnSpPr>
         <p:spPr>
-          <a:xfrm flipH="1">
-            <a:off x="6827517" y="5453633"/>
-            <a:ext cx="30482" cy="2479415"/>
+          <a:xfrm>
+            <a:off x="3792995" y="2894017"/>
+            <a:ext cx="1442197" cy="0"/>
           </a:xfrm>
           <a:prstGeom prst="straightConnector1">
             <a:avLst/>
@@ -3254,10 +3249,10 @@
       </p:cxnSp>
       <p:sp>
         <p:nvSpPr>
-          <p:cNvPr id="15" name="Diamond 14">
-            <a:extLst>
-              <a:ext uri="{FF2B5EF4-FFF2-40B4-BE49-F238E27FC236}">
-                <a16:creationId xmlns:a16="http://schemas.microsoft.com/office/drawing/2014/main" id="{5CFB1706-096A-4C09-9293-27246BBB79B6}"/>
+          <p:cNvPr id="10" name="Diamond 9">
+            <a:extLst>
+              <a:ext uri="{FF2B5EF4-FFF2-40B4-BE49-F238E27FC236}">
+                <a16:creationId xmlns:a16="http://schemas.microsoft.com/office/drawing/2014/main" id="{1E661C3F-1B72-4D94-A5DA-5541928D6D0E}"/>
               </a:ext>
             </a:extLst>
           </p:cNvPr>
@@ -3266,8 +3261,8 @@
         </p:nvSpPr>
         <p:spPr>
           <a:xfrm>
-            <a:off x="6286654" y="7933047"/>
-            <a:ext cx="1081724" cy="1081724"/>
+            <a:off x="5190344" y="2610410"/>
+            <a:ext cx="538917" cy="538917"/>
           </a:xfrm>
           <a:prstGeom prst="diamond">
             <a:avLst/>
@@ -3288,7 +3283,7 @@
           </a:fontRef>
         </p:style>
         <p:txBody>
-          <a:bodyPr rot="0" spcFirstLastPara="0" vertOverflow="overflow" horzOverflow="overflow" vert="horz" wrap="square" lIns="205740" tIns="102872" rIns="205740" bIns="102872" numCol="1" spcCol="0" rtlCol="0" fromWordArt="0" anchor="ctr" anchorCtr="0" forceAA="0" compatLnSpc="1">
+          <a:bodyPr rot="0" spcFirstLastPara="0" vertOverflow="overflow" horzOverflow="overflow" vert="horz" wrap="square" lIns="102500" tIns="51252" rIns="102500" bIns="51252" numCol="1" spcCol="0" rtlCol="0" fromWordArt="0" anchor="ctr" anchorCtr="0" forceAA="0" compatLnSpc="1">
             <a:prstTxWarp prst="textNoShape">
               <a:avLst/>
             </a:prstTxWarp>
@@ -3297,16 +3292,16 @@
           <a:lstStyle/>
           <a:p>
             <a:pPr algn="ctr"/>
-            <a:endParaRPr lang="en-SG" sz="4052" dirty="0"/>
-          </a:p>
-        </p:txBody>
-      </p:sp>
-      <p:sp>
-        <p:nvSpPr>
-          <p:cNvPr id="17" name="Rectangle: Rounded Corners 16">
-            <a:extLst>
-              <a:ext uri="{FF2B5EF4-FFF2-40B4-BE49-F238E27FC236}">
-                <a16:creationId xmlns:a16="http://schemas.microsoft.com/office/drawing/2014/main" id="{A02C5C63-42A3-43EF-A2B6-FE5EE29510EC}"/>
+            <a:endParaRPr lang="en-SG" sz="2018" dirty="0"/>
+          </a:p>
+        </p:txBody>
+      </p:sp>
+      <p:sp>
+        <p:nvSpPr>
+          <p:cNvPr id="11" name="Rectangle: Rounded Corners 10">
+            <a:extLst>
+              <a:ext uri="{FF2B5EF4-FFF2-40B4-BE49-F238E27FC236}">
+                <a16:creationId xmlns:a16="http://schemas.microsoft.com/office/drawing/2014/main" id="{BFB04ED5-13D7-43E5-AF70-1AB579FD49C4}"/>
               </a:ext>
             </a:extLst>
           </p:cNvPr>
@@ -3315,8 +3310,8 @@
         </p:nvSpPr>
         <p:spPr>
           <a:xfrm>
-            <a:off x="7123128" y="6037184"/>
-            <a:ext cx="3302200" cy="1298756"/>
+            <a:off x="4045027" y="1663026"/>
+            <a:ext cx="938128" cy="494705"/>
           </a:xfrm>
           <a:prstGeom prst="roundRect">
             <a:avLst/>
@@ -3337,7 +3332,7 @@
           </a:fontRef>
         </p:style>
         <p:txBody>
-          <a:bodyPr rot="0" spcFirstLastPara="0" vertOverflow="overflow" horzOverflow="overflow" vert="horz" wrap="square" lIns="205740" tIns="102872" rIns="205740" bIns="102872" numCol="1" spcCol="0" rtlCol="0" fromWordArt="0" anchor="ctr" anchorCtr="0" forceAA="0" compatLnSpc="1">
+          <a:bodyPr rot="0" spcFirstLastPara="0" vertOverflow="overflow" horzOverflow="overflow" vert="horz" wrap="square" lIns="102500" tIns="51252" rIns="102500" bIns="51252" numCol="1" spcCol="0" rtlCol="0" fromWordArt="0" anchor="ctr" anchorCtr="0" forceAA="0" compatLnSpc="1">
             <a:prstTxWarp prst="textNoShape">
               <a:avLst/>
             </a:prstTxWarp>
@@ -3347,7 +3342,7 @@
           <a:p>
             <a:pPr algn="ctr"/>
             <a:r>
-              <a:rPr lang="en-SG" sz="3599" dirty="0"/>
+              <a:rPr lang="en-SG" sz="1500" dirty="0"/>
               <a:t>List/Find/Filter</a:t>
             </a:r>
           </a:p>
@@ -3355,10 +3350,10 @@
       </p:sp>
       <p:cxnSp>
         <p:nvCxnSpPr>
-          <p:cNvPr id="18" name="Straight Arrow Connector 17">
-            <a:extLst>
-              <a:ext uri="{FF2B5EF4-FFF2-40B4-BE49-F238E27FC236}">
-                <a16:creationId xmlns:a16="http://schemas.microsoft.com/office/drawing/2014/main" id="{0F57E772-877A-4A28-911B-2E4FC211D2E5}"/>
+          <p:cNvPr id="12" name="Straight Arrow Connector 11">
+            <a:extLst>
+              <a:ext uri="{FF2B5EF4-FFF2-40B4-BE49-F238E27FC236}">
+                <a16:creationId xmlns:a16="http://schemas.microsoft.com/office/drawing/2014/main" id="{2C73EFBD-51CB-416A-8A58-7BBC13EDDA1A}"/>
               </a:ext>
             </a:extLst>
           </p:cNvPr>
@@ -3369,8 +3364,8 @@
         </p:nvCxnSpPr>
         <p:spPr>
           <a:xfrm>
-            <a:off x="8769141" y="4909153"/>
-            <a:ext cx="8238" cy="1128030"/>
+            <a:off x="3505200" y="1910372"/>
+            <a:ext cx="539827" cy="0"/>
           </a:xfrm>
           <a:prstGeom prst="straightConnector1">
             <a:avLst/>
@@ -3396,23 +3391,22 @@
       </p:cxnSp>
       <p:cxnSp>
         <p:nvCxnSpPr>
-          <p:cNvPr id="20" name="Straight Connector 19">
-            <a:extLst>
-              <a:ext uri="{FF2B5EF4-FFF2-40B4-BE49-F238E27FC236}">
-                <a16:creationId xmlns:a16="http://schemas.microsoft.com/office/drawing/2014/main" id="{0D7A9453-6509-4B71-8EAD-E0E95D09A9AF}"/>
+          <p:cNvPr id="13" name="Straight Connector 12">
+            <a:extLst>
+              <a:ext uri="{FF2B5EF4-FFF2-40B4-BE49-F238E27FC236}">
+                <a16:creationId xmlns:a16="http://schemas.microsoft.com/office/drawing/2014/main" id="{7366A6E9-3DF7-42AF-8EFC-25C186D8F9ED}"/>
               </a:ext>
             </a:extLst>
           </p:cNvPr>
           <p:cNvCxnSpPr>
             <a:cxnSpLocks/>
-            <a:stCxn id="13" idx="3"/>
           </p:cNvCxnSpPr>
           <p:nvPr/>
         </p:nvCxnSpPr>
         <p:spPr>
-          <a:xfrm>
-            <a:off x="7398859" y="4899217"/>
-            <a:ext cx="1378518" cy="9939"/>
+          <a:xfrm flipV="1">
+            <a:off x="3523533" y="1910375"/>
+            <a:ext cx="0" cy="744913"/>
           </a:xfrm>
           <a:prstGeom prst="line">
             <a:avLst/>
@@ -3436,10 +3430,10 @@
       </p:cxnSp>
       <p:sp>
         <p:nvSpPr>
-          <p:cNvPr id="37" name="Rectangle: Rounded Corners 36">
-            <a:extLst>
-              <a:ext uri="{FF2B5EF4-FFF2-40B4-BE49-F238E27FC236}">
-                <a16:creationId xmlns:a16="http://schemas.microsoft.com/office/drawing/2014/main" id="{0FCE2EE4-4739-4CC1-B8F8-E3F343438C4A}"/>
+          <p:cNvPr id="14" name="Rectangle: Rounded Corners 13">
+            <a:extLst>
+              <a:ext uri="{FF2B5EF4-FFF2-40B4-BE49-F238E27FC236}">
+                <a16:creationId xmlns:a16="http://schemas.microsoft.com/office/drawing/2014/main" id="{A25D46B3-1351-4D69-9D3E-AF7240440429}"/>
               </a:ext>
             </a:extLst>
           </p:cNvPr>
@@ -3448,8 +3442,8 @@
         </p:nvSpPr>
         <p:spPr>
           <a:xfrm>
-            <a:off x="5087703" y="9763085"/>
-            <a:ext cx="3479624" cy="1298756"/>
+            <a:off x="6135954" y="2566479"/>
+            <a:ext cx="1235088" cy="647043"/>
           </a:xfrm>
           <a:prstGeom prst="roundRect">
             <a:avLst/>
@@ -3470,7 +3464,7 @@
           </a:fontRef>
         </p:style>
         <p:txBody>
-          <a:bodyPr rot="0" spcFirstLastPara="0" vertOverflow="overflow" horzOverflow="overflow" vert="horz" wrap="square" lIns="205740" tIns="102872" rIns="205740" bIns="102872" numCol="1" spcCol="0" rtlCol="0" fromWordArt="0" anchor="ctr" anchorCtr="0" forceAA="0" compatLnSpc="1">
+          <a:bodyPr rot="0" spcFirstLastPara="0" vertOverflow="overflow" horzOverflow="overflow" vert="horz" wrap="square" lIns="102500" tIns="51252" rIns="102500" bIns="51252" numCol="1" spcCol="0" rtlCol="0" fromWordArt="0" anchor="ctr" anchorCtr="0" forceAA="0" compatLnSpc="1">
             <a:prstTxWarp prst="textNoShape">
               <a:avLst/>
             </a:prstTxWarp>
@@ -3480,7 +3474,7 @@
           <a:p>
             <a:pPr algn="ctr"/>
             <a:r>
-              <a:rPr lang="en-SG" sz="3599" dirty="0"/>
+              <a:rPr lang="en-SG" sz="1793" dirty="0"/>
               <a:t>Add recipients</a:t>
             </a:r>
           </a:p>
@@ -3488,10 +3482,10 @@
       </p:sp>
       <p:cxnSp>
         <p:nvCxnSpPr>
-          <p:cNvPr id="38" name="Straight Arrow Connector 37">
-            <a:extLst>
-              <a:ext uri="{FF2B5EF4-FFF2-40B4-BE49-F238E27FC236}">
-                <a16:creationId xmlns:a16="http://schemas.microsoft.com/office/drawing/2014/main" id="{24DA3427-1CE0-42D0-827C-18643533E653}"/>
+          <p:cNvPr id="15" name="Straight Arrow Connector 14">
+            <a:extLst>
+              <a:ext uri="{FF2B5EF4-FFF2-40B4-BE49-F238E27FC236}">
+                <a16:creationId xmlns:a16="http://schemas.microsoft.com/office/drawing/2014/main" id="{C1E5CD97-CB18-455D-9DD6-CD3EACBAFAA9}"/>
               </a:ext>
             </a:extLst>
           </p:cNvPr>
@@ -3502,8 +3496,8 @@
         </p:nvCxnSpPr>
         <p:spPr>
           <a:xfrm>
-            <a:off x="6827515" y="9014774"/>
-            <a:ext cx="0" cy="765169"/>
+            <a:off x="5729258" y="2881841"/>
+            <a:ext cx="411092" cy="0"/>
           </a:xfrm>
           <a:prstGeom prst="straightConnector1">
             <a:avLst/>
@@ -3530,12 +3524,136 @@
           </a:fontRef>
         </p:style>
       </p:cxnSp>
-      <p:sp>
-        <p:nvSpPr>
-          <p:cNvPr id="39" name="Diamond 38">
-            <a:extLst>
-              <a:ext uri="{FF2B5EF4-FFF2-40B4-BE49-F238E27FC236}">
-                <a16:creationId xmlns:a16="http://schemas.microsoft.com/office/drawing/2014/main" id="{CCC52F29-9BE8-49F4-8675-527A0A3D7637}"/>
+      <p:cxnSp>
+        <p:nvCxnSpPr>
+          <p:cNvPr id="28" name="Straight Arrow Connector 27">
+            <a:extLst>
+              <a:ext uri="{FF2B5EF4-FFF2-40B4-BE49-F238E27FC236}">
+                <a16:creationId xmlns:a16="http://schemas.microsoft.com/office/drawing/2014/main" id="{4A35110A-1735-4ECF-992C-959976648BAE}"/>
+              </a:ext>
+            </a:extLst>
+          </p:cNvPr>
+          <p:cNvCxnSpPr>
+            <a:cxnSpLocks/>
+          </p:cNvCxnSpPr>
+          <p:nvPr/>
+        </p:nvCxnSpPr>
+        <p:spPr>
+          <a:xfrm>
+            <a:off x="7371042" y="2894017"/>
+            <a:ext cx="411092" cy="0"/>
+          </a:xfrm>
+          <a:prstGeom prst="straightConnector1">
+            <a:avLst/>
+          </a:prstGeom>
+          <a:ln w="38100">
+            <a:solidFill>
+              <a:schemeClr val="accent1"/>
+            </a:solidFill>
+            <a:tailEnd type="triangle"/>
+          </a:ln>
+        </p:spPr>
+        <p:style>
+          <a:lnRef idx="1">
+            <a:schemeClr val="dk1"/>
+          </a:lnRef>
+          <a:fillRef idx="0">
+            <a:schemeClr val="dk1"/>
+          </a:fillRef>
+          <a:effectRef idx="0">
+            <a:schemeClr val="dk1"/>
+          </a:effectRef>
+          <a:fontRef idx="minor">
+            <a:schemeClr val="tx1"/>
+          </a:fontRef>
+        </p:style>
+      </p:cxnSp>
+      <p:cxnSp>
+        <p:nvCxnSpPr>
+          <p:cNvPr id="38" name="Straight Arrow Connector 37">
+            <a:extLst>
+              <a:ext uri="{FF2B5EF4-FFF2-40B4-BE49-F238E27FC236}">
+                <a16:creationId xmlns:a16="http://schemas.microsoft.com/office/drawing/2014/main" id="{B8627C57-0D4E-40F5-8CC5-A3D4FCCFCA06}"/>
+              </a:ext>
+            </a:extLst>
+          </p:cNvPr>
+          <p:cNvCxnSpPr>
+            <a:cxnSpLocks/>
+          </p:cNvCxnSpPr>
+          <p:nvPr/>
+        </p:nvCxnSpPr>
+        <p:spPr>
+          <a:xfrm>
+            <a:off x="5459798" y="1910377"/>
+            <a:ext cx="0" cy="700033"/>
+          </a:xfrm>
+          <a:prstGeom prst="straightConnector1">
+            <a:avLst/>
+          </a:prstGeom>
+          <a:ln w="38100">
+            <a:tailEnd type="triangle"/>
+          </a:ln>
+        </p:spPr>
+        <p:style>
+          <a:lnRef idx="1">
+            <a:schemeClr val="accent1"/>
+          </a:lnRef>
+          <a:fillRef idx="0">
+            <a:schemeClr val="accent1"/>
+          </a:fillRef>
+          <a:effectRef idx="0">
+            <a:schemeClr val="accent1"/>
+          </a:effectRef>
+          <a:fontRef idx="minor">
+            <a:schemeClr val="tx1"/>
+          </a:fontRef>
+        </p:style>
+      </p:cxnSp>
+      <p:cxnSp>
+        <p:nvCxnSpPr>
+          <p:cNvPr id="40" name="Straight Connector 39">
+            <a:extLst>
+              <a:ext uri="{FF2B5EF4-FFF2-40B4-BE49-F238E27FC236}">
+                <a16:creationId xmlns:a16="http://schemas.microsoft.com/office/drawing/2014/main" id="{3F49948B-02AE-4817-BDE9-27102F73AF3D}"/>
+              </a:ext>
+            </a:extLst>
+          </p:cNvPr>
+          <p:cNvCxnSpPr>
+            <a:cxnSpLocks/>
+          </p:cNvCxnSpPr>
+          <p:nvPr/>
+        </p:nvCxnSpPr>
+        <p:spPr>
+          <a:xfrm>
+            <a:off x="4983155" y="1910372"/>
+            <a:ext cx="498167" cy="0"/>
+          </a:xfrm>
+          <a:prstGeom prst="line">
+            <a:avLst/>
+          </a:prstGeom>
+          <a:ln w="38100"/>
+        </p:spPr>
+        <p:style>
+          <a:lnRef idx="1">
+            <a:schemeClr val="accent1"/>
+          </a:lnRef>
+          <a:fillRef idx="0">
+            <a:schemeClr val="accent1"/>
+          </a:fillRef>
+          <a:effectRef idx="0">
+            <a:schemeClr val="accent1"/>
+          </a:effectRef>
+          <a:fontRef idx="minor">
+            <a:schemeClr val="tx1"/>
+          </a:fontRef>
+        </p:style>
+      </p:cxnSp>
+      <p:sp>
+        <p:nvSpPr>
+          <p:cNvPr id="68" name="Diamond 67">
+            <a:extLst>
+              <a:ext uri="{FF2B5EF4-FFF2-40B4-BE49-F238E27FC236}">
+                <a16:creationId xmlns:a16="http://schemas.microsoft.com/office/drawing/2014/main" id="{73064290-12F5-40E4-8AD5-3CE991A29E45}"/>
               </a:ext>
             </a:extLst>
           </p:cNvPr>
@@ -3544,8 +3662,8 @@
         </p:nvSpPr>
         <p:spPr>
           <a:xfrm>
-            <a:off x="6320121" y="15688503"/>
-            <a:ext cx="1081724" cy="1081724"/>
+            <a:off x="7771417" y="2626800"/>
+            <a:ext cx="538917" cy="538917"/>
           </a:xfrm>
           <a:prstGeom prst="diamond">
             <a:avLst/>
@@ -3566,7 +3684,7 @@
           </a:fontRef>
         </p:style>
         <p:txBody>
-          <a:bodyPr rot="0" spcFirstLastPara="0" vertOverflow="overflow" horzOverflow="overflow" vert="horz" wrap="square" lIns="205740" tIns="102872" rIns="205740" bIns="102872" numCol="1" spcCol="0" rtlCol="0" fromWordArt="0" anchor="ctr" anchorCtr="0" forceAA="0" compatLnSpc="1">
+          <a:bodyPr rot="0" spcFirstLastPara="0" vertOverflow="overflow" horzOverflow="overflow" vert="horz" wrap="square" lIns="102500" tIns="51252" rIns="102500" bIns="51252" numCol="1" spcCol="0" rtlCol="0" fromWordArt="0" anchor="ctr" anchorCtr="0" forceAA="0" compatLnSpc="1">
             <a:prstTxWarp prst="textNoShape">
               <a:avLst/>
             </a:prstTxWarp>
@@ -3575,16 +3693,60 @@
           <a:lstStyle/>
           <a:p>
             <a:pPr algn="ctr"/>
-            <a:endParaRPr lang="en-SG" sz="4052"/>
-          </a:p>
-        </p:txBody>
-      </p:sp>
-      <p:sp>
-        <p:nvSpPr>
-          <p:cNvPr id="40" name="Diamond 39">
-            <a:extLst>
-              <a:ext uri="{FF2B5EF4-FFF2-40B4-BE49-F238E27FC236}">
-                <a16:creationId xmlns:a16="http://schemas.microsoft.com/office/drawing/2014/main" id="{7F6104E7-7883-4745-8F50-E64CB095588C}"/>
+            <a:endParaRPr lang="en-SG" sz="2018" dirty="0"/>
+          </a:p>
+        </p:txBody>
+      </p:sp>
+      <p:cxnSp>
+        <p:nvCxnSpPr>
+          <p:cNvPr id="70" name="Straight Arrow Connector 69">
+            <a:extLst>
+              <a:ext uri="{FF2B5EF4-FFF2-40B4-BE49-F238E27FC236}">
+                <a16:creationId xmlns:a16="http://schemas.microsoft.com/office/drawing/2014/main" id="{F07D9C6C-6334-4F38-83C0-FBCB20DC00B1}"/>
+              </a:ext>
+            </a:extLst>
+          </p:cNvPr>
+          <p:cNvCxnSpPr>
+            <a:cxnSpLocks/>
+          </p:cNvCxnSpPr>
+          <p:nvPr/>
+        </p:nvCxnSpPr>
+        <p:spPr>
+          <a:xfrm>
+            <a:off x="8314495" y="2898461"/>
+            <a:ext cx="411092" cy="0"/>
+          </a:xfrm>
+          <a:prstGeom prst="straightConnector1">
+            <a:avLst/>
+          </a:prstGeom>
+          <a:ln w="38100">
+            <a:solidFill>
+              <a:schemeClr val="accent1"/>
+            </a:solidFill>
+            <a:tailEnd type="triangle"/>
+          </a:ln>
+        </p:spPr>
+        <p:style>
+          <a:lnRef idx="1">
+            <a:schemeClr val="dk1"/>
+          </a:lnRef>
+          <a:fillRef idx="0">
+            <a:schemeClr val="dk1"/>
+          </a:fillRef>
+          <a:effectRef idx="0">
+            <a:schemeClr val="dk1"/>
+          </a:effectRef>
+          <a:fontRef idx="minor">
+            <a:schemeClr val="tx1"/>
+          </a:fontRef>
+        </p:style>
+      </p:cxnSp>
+      <p:sp>
+        <p:nvSpPr>
+          <p:cNvPr id="71" name="Rectangle: Rounded Corners 70">
+            <a:extLst>
+              <a:ext uri="{FF2B5EF4-FFF2-40B4-BE49-F238E27FC236}">
+                <a16:creationId xmlns:a16="http://schemas.microsoft.com/office/drawing/2014/main" id="{A339204E-FC9C-4D80-B0C7-7B4266C873DF}"/>
               </a:ext>
             </a:extLst>
           </p:cNvPr>
@@ -3593,10 +3755,10 @@
         </p:nvSpPr>
         <p:spPr>
           <a:xfrm>
-            <a:off x="6301895" y="19275555"/>
-            <a:ext cx="1081724" cy="1081724"/>
-          </a:xfrm>
-          <a:prstGeom prst="diamond">
+            <a:off x="8725587" y="2574942"/>
+            <a:ext cx="1235088" cy="647043"/>
+          </a:xfrm>
+          <a:prstGeom prst="roundRect">
             <a:avLst/>
           </a:prstGeom>
         </p:spPr>
@@ -3615,7 +3777,7 @@
           </a:fontRef>
         </p:style>
         <p:txBody>
-          <a:bodyPr rot="0" spcFirstLastPara="0" vertOverflow="overflow" horzOverflow="overflow" vert="horz" wrap="square" lIns="205740" tIns="102872" rIns="205740" bIns="102872" numCol="1" spcCol="0" rtlCol="0" fromWordArt="0" anchor="ctr" anchorCtr="0" forceAA="0" compatLnSpc="1">
+          <a:bodyPr rot="0" spcFirstLastPara="0" vertOverflow="overflow" horzOverflow="overflow" vert="horz" wrap="square" lIns="102500" tIns="51252" rIns="102500" bIns="51252" numCol="1" spcCol="0" rtlCol="0" fromWordArt="0" anchor="ctr" anchorCtr="0" forceAA="0" compatLnSpc="1">
             <a:prstTxWarp prst="textNoShape">
               <a:avLst/>
             </a:prstTxWarp>
@@ -3624,16 +3786,63 @@
           <a:lstStyle/>
           <a:p>
             <a:pPr algn="ctr"/>
-            <a:endParaRPr lang="en-SG" sz="4052"/>
-          </a:p>
-        </p:txBody>
-      </p:sp>
-      <p:sp>
-        <p:nvSpPr>
-          <p:cNvPr id="41" name="Rectangle: Rounded Corners 40">
-            <a:extLst>
-              <a:ext uri="{FF2B5EF4-FFF2-40B4-BE49-F238E27FC236}">
-                <a16:creationId xmlns:a16="http://schemas.microsoft.com/office/drawing/2014/main" id="{86227C92-EA6C-4BA6-9F85-EFB5BD81098F}"/>
+            <a:r>
+              <a:rPr lang="en-SG" sz="1793" dirty="0"/>
+              <a:t>Next</a:t>
+            </a:r>
+          </a:p>
+        </p:txBody>
+      </p:sp>
+      <p:cxnSp>
+        <p:nvCxnSpPr>
+          <p:cNvPr id="72" name="Straight Arrow Connector 71">
+            <a:extLst>
+              <a:ext uri="{FF2B5EF4-FFF2-40B4-BE49-F238E27FC236}">
+                <a16:creationId xmlns:a16="http://schemas.microsoft.com/office/drawing/2014/main" id="{30195A29-2C58-4C66-9350-9C44DCBCB682}"/>
+              </a:ext>
+            </a:extLst>
+          </p:cNvPr>
+          <p:cNvCxnSpPr>
+            <a:cxnSpLocks/>
+          </p:cNvCxnSpPr>
+          <p:nvPr/>
+        </p:nvCxnSpPr>
+        <p:spPr>
+          <a:xfrm>
+            <a:off x="9965072" y="2886284"/>
+            <a:ext cx="406697" cy="0"/>
+          </a:xfrm>
+          <a:prstGeom prst="straightConnector1">
+            <a:avLst/>
+          </a:prstGeom>
+          <a:ln w="38100">
+            <a:solidFill>
+              <a:schemeClr val="accent1"/>
+            </a:solidFill>
+            <a:tailEnd type="triangle"/>
+          </a:ln>
+        </p:spPr>
+        <p:style>
+          <a:lnRef idx="1">
+            <a:schemeClr val="dk1"/>
+          </a:lnRef>
+          <a:fillRef idx="0">
+            <a:schemeClr val="dk1"/>
+          </a:fillRef>
+          <a:effectRef idx="0">
+            <a:schemeClr val="dk1"/>
+          </a:effectRef>
+          <a:fontRef idx="minor">
+            <a:schemeClr val="tx1"/>
+          </a:fontRef>
+        </p:style>
+      </p:cxnSp>
+      <p:sp>
+        <p:nvSpPr>
+          <p:cNvPr id="73" name="Diamond 72">
+            <a:extLst>
+              <a:ext uri="{FF2B5EF4-FFF2-40B4-BE49-F238E27FC236}">
+                <a16:creationId xmlns:a16="http://schemas.microsoft.com/office/drawing/2014/main" id="{E2F38D50-DEDF-469E-BF3B-6BAFF610A662}"/>
               </a:ext>
             </a:extLst>
           </p:cNvPr>
@@ -3642,10 +3851,10 @@
         </p:nvSpPr>
         <p:spPr>
           <a:xfrm>
-            <a:off x="5087702" y="21098318"/>
-            <a:ext cx="3479624" cy="1298756"/>
-          </a:xfrm>
-          <a:prstGeom prst="roundRect">
+            <a:off x="10371770" y="2612385"/>
+            <a:ext cx="538917" cy="538917"/>
+          </a:xfrm>
+          <a:prstGeom prst="diamond">
             <a:avLst/>
           </a:prstGeom>
         </p:spPr>
@@ -3664,7 +3873,7 @@
           </a:fontRef>
         </p:style>
         <p:txBody>
-          <a:bodyPr rot="0" spcFirstLastPara="0" vertOverflow="overflow" horzOverflow="overflow" vert="horz" wrap="square" lIns="205740" tIns="102872" rIns="205740" bIns="102872" numCol="1" spcCol="0" rtlCol="0" fromWordArt="0" anchor="ctr" anchorCtr="0" forceAA="0" compatLnSpc="1">
+          <a:bodyPr rot="0" spcFirstLastPara="0" vertOverflow="overflow" horzOverflow="overflow" vert="horz" wrap="square" lIns="102500" tIns="51252" rIns="102500" bIns="51252" numCol="1" spcCol="0" rtlCol="0" fromWordArt="0" anchor="ctr" anchorCtr="0" forceAA="0" compatLnSpc="1">
             <a:prstTxWarp prst="textNoShape">
               <a:avLst/>
             </a:prstTxWarp>
@@ -3673,19 +3882,57 @@
           <a:lstStyle/>
           <a:p>
             <a:pPr algn="ctr"/>
-            <a:r>
-              <a:rPr lang="en-SG" sz="3599" dirty="0"/>
-              <a:t>Add contents</a:t>
-            </a:r>
-          </a:p>
-        </p:txBody>
-      </p:sp>
-      <p:sp>
-        <p:nvSpPr>
-          <p:cNvPr id="42" name="Rectangle: Rounded Corners 41">
-            <a:extLst>
-              <a:ext uri="{FF2B5EF4-FFF2-40B4-BE49-F238E27FC236}">
-                <a16:creationId xmlns:a16="http://schemas.microsoft.com/office/drawing/2014/main" id="{C7961BE4-EE63-415C-B32D-7B5CABC6B4CE}"/>
+            <a:endParaRPr lang="en-SG" sz="2018"/>
+          </a:p>
+        </p:txBody>
+      </p:sp>
+      <p:cxnSp>
+        <p:nvCxnSpPr>
+          <p:cNvPr id="74" name="Straight Arrow Connector 73">
+            <a:extLst>
+              <a:ext uri="{FF2B5EF4-FFF2-40B4-BE49-F238E27FC236}">
+                <a16:creationId xmlns:a16="http://schemas.microsoft.com/office/drawing/2014/main" id="{4ACC32D9-3949-4A6A-83EB-F6DFC63CAB96}"/>
+              </a:ext>
+            </a:extLst>
+          </p:cNvPr>
+          <p:cNvCxnSpPr>
+            <a:cxnSpLocks/>
+          </p:cNvCxnSpPr>
+          <p:nvPr/>
+        </p:nvCxnSpPr>
+        <p:spPr>
+          <a:xfrm>
+            <a:off x="10910687" y="2881841"/>
+            <a:ext cx="1442197" cy="0"/>
+          </a:xfrm>
+          <a:prstGeom prst="straightConnector1">
+            <a:avLst/>
+          </a:prstGeom>
+          <a:ln w="38100">
+            <a:tailEnd type="triangle"/>
+          </a:ln>
+        </p:spPr>
+        <p:style>
+          <a:lnRef idx="1">
+            <a:schemeClr val="accent1"/>
+          </a:lnRef>
+          <a:fillRef idx="0">
+            <a:schemeClr val="accent1"/>
+          </a:fillRef>
+          <a:effectRef idx="0">
+            <a:schemeClr val="accent1"/>
+          </a:effectRef>
+          <a:fontRef idx="minor">
+            <a:schemeClr val="tx1"/>
+          </a:fontRef>
+        </p:style>
+      </p:cxnSp>
+      <p:sp>
+        <p:nvSpPr>
+          <p:cNvPr id="75" name="Diamond 74">
+            <a:extLst>
+              <a:ext uri="{FF2B5EF4-FFF2-40B4-BE49-F238E27FC236}">
+                <a16:creationId xmlns:a16="http://schemas.microsoft.com/office/drawing/2014/main" id="{C5E19BAF-7902-4CBD-B93F-5CB5463668F2}"/>
               </a:ext>
             </a:extLst>
           </p:cNvPr>
@@ -3694,10 +3941,10 @@
         </p:nvSpPr>
         <p:spPr>
           <a:xfrm>
-            <a:off x="7123128" y="17372417"/>
-            <a:ext cx="3479624" cy="1298756"/>
-          </a:xfrm>
-          <a:prstGeom prst="roundRect">
+            <a:off x="12308035" y="2598232"/>
+            <a:ext cx="538917" cy="538917"/>
+          </a:xfrm>
+          <a:prstGeom prst="diamond">
             <a:avLst/>
           </a:prstGeom>
         </p:spPr>
@@ -3716,7 +3963,7 @@
           </a:fontRef>
         </p:style>
         <p:txBody>
-          <a:bodyPr rot="0" spcFirstLastPara="0" vertOverflow="overflow" horzOverflow="overflow" vert="horz" wrap="square" lIns="205740" tIns="102872" rIns="205740" bIns="102872" numCol="1" spcCol="0" rtlCol="0" fromWordArt="0" anchor="ctr" anchorCtr="0" forceAA="0" compatLnSpc="1">
+          <a:bodyPr rot="0" spcFirstLastPara="0" vertOverflow="overflow" horzOverflow="overflow" vert="horz" wrap="square" lIns="102500" tIns="51252" rIns="102500" bIns="51252" numCol="1" spcCol="0" rtlCol="0" fromWordArt="0" anchor="ctr" anchorCtr="0" forceAA="0" compatLnSpc="1">
             <a:prstTxWarp prst="textNoShape">
               <a:avLst/>
             </a:prstTxWarp>
@@ -3725,19 +3972,16 @@
           <a:lstStyle/>
           <a:p>
             <a:pPr algn="ctr"/>
-            <a:r>
-              <a:rPr lang="en-SG" sz="3599" dirty="0"/>
-              <a:t>List/Find/Filter</a:t>
-            </a:r>
-          </a:p>
-        </p:txBody>
-      </p:sp>
-      <p:sp>
-        <p:nvSpPr>
-          <p:cNvPr id="43" name="Diamond 42">
-            <a:extLst>
-              <a:ext uri="{FF2B5EF4-FFF2-40B4-BE49-F238E27FC236}">
-                <a16:creationId xmlns:a16="http://schemas.microsoft.com/office/drawing/2014/main" id="{ACBB8EC6-9CD5-45CE-A603-0B5EB0E60404}"/>
+            <a:endParaRPr lang="en-SG" sz="2018" dirty="0"/>
+          </a:p>
+        </p:txBody>
+      </p:sp>
+      <p:sp>
+        <p:nvSpPr>
+          <p:cNvPr id="76" name="Rectangle: Rounded Corners 75">
+            <a:extLst>
+              <a:ext uri="{FF2B5EF4-FFF2-40B4-BE49-F238E27FC236}">
+                <a16:creationId xmlns:a16="http://schemas.microsoft.com/office/drawing/2014/main" id="{2C5B751D-B838-4AF9-A28A-A4B6435BAC89}"/>
               </a:ext>
             </a:extLst>
           </p:cNvPr>
@@ -3746,10 +3990,10 @@
         </p:nvSpPr>
         <p:spPr>
           <a:xfrm>
-            <a:off x="6317137" y="11810568"/>
-            <a:ext cx="1081724" cy="1081724"/>
-          </a:xfrm>
-          <a:prstGeom prst="diamond">
+            <a:off x="11162719" y="1650848"/>
+            <a:ext cx="938128" cy="494705"/>
+          </a:xfrm>
+          <a:prstGeom prst="roundRect">
             <a:avLst/>
           </a:prstGeom>
         </p:spPr>
@@ -3768,7 +4012,7 @@
           </a:fontRef>
         </p:style>
         <p:txBody>
-          <a:bodyPr rot="0" spcFirstLastPara="0" vertOverflow="overflow" horzOverflow="overflow" vert="horz" wrap="square" lIns="205740" tIns="102872" rIns="205740" bIns="102872" numCol="1" spcCol="0" rtlCol="0" fromWordArt="0" anchor="ctr" anchorCtr="0" forceAA="0" compatLnSpc="1">
+          <a:bodyPr rot="0" spcFirstLastPara="0" vertOverflow="overflow" horzOverflow="overflow" vert="horz" wrap="square" lIns="102500" tIns="51252" rIns="102500" bIns="51252" numCol="1" spcCol="0" rtlCol="0" fromWordArt="0" anchor="ctr" anchorCtr="0" forceAA="0" compatLnSpc="1">
             <a:prstTxWarp prst="textNoShape">
               <a:avLst/>
             </a:prstTxWarp>
@@ -3777,16 +4021,99 @@
           <a:lstStyle/>
           <a:p>
             <a:pPr algn="ctr"/>
-            <a:endParaRPr lang="en-SG" sz="4052" dirty="0"/>
-          </a:p>
-        </p:txBody>
-      </p:sp>
-      <p:sp>
-        <p:nvSpPr>
-          <p:cNvPr id="44" name="Rectangle: Rounded Corners 43">
-            <a:extLst>
-              <a:ext uri="{FF2B5EF4-FFF2-40B4-BE49-F238E27FC236}">
-                <a16:creationId xmlns:a16="http://schemas.microsoft.com/office/drawing/2014/main" id="{518E0545-886D-42A2-B81A-FF11ECD7E1E7}"/>
+            <a:r>
+              <a:rPr lang="en-SG" sz="1500" dirty="0"/>
+              <a:t>List/Find/Filter</a:t>
+            </a:r>
+          </a:p>
+        </p:txBody>
+      </p:sp>
+      <p:cxnSp>
+        <p:nvCxnSpPr>
+          <p:cNvPr id="77" name="Straight Arrow Connector 76">
+            <a:extLst>
+              <a:ext uri="{FF2B5EF4-FFF2-40B4-BE49-F238E27FC236}">
+                <a16:creationId xmlns:a16="http://schemas.microsoft.com/office/drawing/2014/main" id="{FCA2226D-501E-4D5C-BCD1-A926A5C49792}"/>
+              </a:ext>
+            </a:extLst>
+          </p:cNvPr>
+          <p:cNvCxnSpPr>
+            <a:cxnSpLocks/>
+          </p:cNvCxnSpPr>
+          <p:nvPr/>
+        </p:nvCxnSpPr>
+        <p:spPr>
+          <a:xfrm>
+            <a:off x="10622892" y="1898196"/>
+            <a:ext cx="539827" cy="0"/>
+          </a:xfrm>
+          <a:prstGeom prst="straightConnector1">
+            <a:avLst/>
+          </a:prstGeom>
+          <a:ln w="38100">
+            <a:tailEnd type="triangle"/>
+          </a:ln>
+        </p:spPr>
+        <p:style>
+          <a:lnRef idx="1">
+            <a:schemeClr val="accent1"/>
+          </a:lnRef>
+          <a:fillRef idx="0">
+            <a:schemeClr val="accent1"/>
+          </a:fillRef>
+          <a:effectRef idx="0">
+            <a:schemeClr val="accent1"/>
+          </a:effectRef>
+          <a:fontRef idx="minor">
+            <a:schemeClr val="tx1"/>
+          </a:fontRef>
+        </p:style>
+      </p:cxnSp>
+      <p:cxnSp>
+        <p:nvCxnSpPr>
+          <p:cNvPr id="78" name="Straight Connector 77">
+            <a:extLst>
+              <a:ext uri="{FF2B5EF4-FFF2-40B4-BE49-F238E27FC236}">
+                <a16:creationId xmlns:a16="http://schemas.microsoft.com/office/drawing/2014/main" id="{1B697DEA-F6DE-4505-AFEA-7D8AB92E75D9}"/>
+              </a:ext>
+            </a:extLst>
+          </p:cNvPr>
+          <p:cNvCxnSpPr>
+            <a:cxnSpLocks/>
+          </p:cNvCxnSpPr>
+          <p:nvPr/>
+        </p:nvCxnSpPr>
+        <p:spPr>
+          <a:xfrm flipV="1">
+            <a:off x="10641224" y="1898197"/>
+            <a:ext cx="0" cy="744913"/>
+          </a:xfrm>
+          <a:prstGeom prst="line">
+            <a:avLst/>
+          </a:prstGeom>
+          <a:ln w="38100"/>
+        </p:spPr>
+        <p:style>
+          <a:lnRef idx="1">
+            <a:schemeClr val="accent1"/>
+          </a:lnRef>
+          <a:fillRef idx="0">
+            <a:schemeClr val="accent1"/>
+          </a:fillRef>
+          <a:effectRef idx="0">
+            <a:schemeClr val="accent1"/>
+          </a:effectRef>
+          <a:fontRef idx="minor">
+            <a:schemeClr val="tx1"/>
+          </a:fontRef>
+        </p:style>
+      </p:cxnSp>
+      <p:sp>
+        <p:nvSpPr>
+          <p:cNvPr id="79" name="Rectangle: Rounded Corners 78">
+            <a:extLst>
+              <a:ext uri="{FF2B5EF4-FFF2-40B4-BE49-F238E27FC236}">
+                <a16:creationId xmlns:a16="http://schemas.microsoft.com/office/drawing/2014/main" id="{E8CD1121-07E0-4BCA-9645-BB7028E84F28}"/>
               </a:ext>
             </a:extLst>
           </p:cNvPr>
@@ -3795,8 +4122,8 @@
         </p:nvSpPr>
         <p:spPr>
           <a:xfrm>
-            <a:off x="5087702" y="13641021"/>
-            <a:ext cx="3479624" cy="1298756"/>
+            <a:off x="13253645" y="2554300"/>
+            <a:ext cx="1235088" cy="647043"/>
           </a:xfrm>
           <a:prstGeom prst="roundRect">
             <a:avLst/>
@@ -3817,7 +4144,7 @@
           </a:fontRef>
         </p:style>
         <p:txBody>
-          <a:bodyPr rot="0" spcFirstLastPara="0" vertOverflow="overflow" horzOverflow="overflow" vert="horz" wrap="square" lIns="205740" tIns="102872" rIns="205740" bIns="102872" numCol="1" spcCol="0" rtlCol="0" fromWordArt="0" anchor="ctr" anchorCtr="0" forceAA="0" compatLnSpc="1">
+          <a:bodyPr rot="0" spcFirstLastPara="0" vertOverflow="overflow" horzOverflow="overflow" vert="horz" wrap="square" lIns="102500" tIns="51252" rIns="102500" bIns="51252" numCol="1" spcCol="0" rtlCol="0" fromWordArt="0" anchor="ctr" anchorCtr="0" forceAA="0" compatLnSpc="1">
             <a:prstTxWarp prst="textNoShape">
               <a:avLst/>
             </a:prstTxWarp>
@@ -3827,18 +4154,186 @@
           <a:p>
             <a:pPr algn="ctr"/>
             <a:r>
-              <a:rPr lang="en-SG" sz="3599" dirty="0"/>
-              <a:t>Next</a:t>
-            </a:r>
-          </a:p>
-        </p:txBody>
-      </p:sp>
-      <p:sp>
-        <p:nvSpPr>
-          <p:cNvPr id="45" name="Diamond 44">
-            <a:extLst>
-              <a:ext uri="{FF2B5EF4-FFF2-40B4-BE49-F238E27FC236}">
-                <a16:creationId xmlns:a16="http://schemas.microsoft.com/office/drawing/2014/main" id="{1E93FC49-7D7D-4961-B2BE-BBABC1F08EB2}"/>
+              <a:rPr lang="en-SG" sz="1793" dirty="0"/>
+              <a:t>Add Contents</a:t>
+            </a:r>
+          </a:p>
+        </p:txBody>
+      </p:sp>
+      <p:cxnSp>
+        <p:nvCxnSpPr>
+          <p:cNvPr id="80" name="Straight Arrow Connector 79">
+            <a:extLst>
+              <a:ext uri="{FF2B5EF4-FFF2-40B4-BE49-F238E27FC236}">
+                <a16:creationId xmlns:a16="http://schemas.microsoft.com/office/drawing/2014/main" id="{EA04E663-3DAE-43DE-B00D-CEF06E0AA9EF}"/>
+              </a:ext>
+            </a:extLst>
+          </p:cNvPr>
+          <p:cNvCxnSpPr>
+            <a:cxnSpLocks/>
+          </p:cNvCxnSpPr>
+          <p:nvPr/>
+        </p:nvCxnSpPr>
+        <p:spPr>
+          <a:xfrm>
+            <a:off x="12846948" y="2869662"/>
+            <a:ext cx="411092" cy="0"/>
+          </a:xfrm>
+          <a:prstGeom prst="straightConnector1">
+            <a:avLst/>
+          </a:prstGeom>
+          <a:ln w="38100">
+            <a:solidFill>
+              <a:schemeClr val="accent1"/>
+            </a:solidFill>
+            <a:tailEnd type="triangle"/>
+          </a:ln>
+        </p:spPr>
+        <p:style>
+          <a:lnRef idx="1">
+            <a:schemeClr val="dk1"/>
+          </a:lnRef>
+          <a:fillRef idx="0">
+            <a:schemeClr val="dk1"/>
+          </a:fillRef>
+          <a:effectRef idx="0">
+            <a:schemeClr val="dk1"/>
+          </a:effectRef>
+          <a:fontRef idx="minor">
+            <a:schemeClr val="tx1"/>
+          </a:fontRef>
+        </p:style>
+      </p:cxnSp>
+      <p:cxnSp>
+        <p:nvCxnSpPr>
+          <p:cNvPr id="81" name="Straight Arrow Connector 80">
+            <a:extLst>
+              <a:ext uri="{FF2B5EF4-FFF2-40B4-BE49-F238E27FC236}">
+                <a16:creationId xmlns:a16="http://schemas.microsoft.com/office/drawing/2014/main" id="{9CC68DC8-0640-4C1E-804F-3C64C6DF934D}"/>
+              </a:ext>
+            </a:extLst>
+          </p:cNvPr>
+          <p:cNvCxnSpPr>
+            <a:cxnSpLocks/>
+          </p:cNvCxnSpPr>
+          <p:nvPr/>
+        </p:nvCxnSpPr>
+        <p:spPr>
+          <a:xfrm>
+            <a:off x="12577489" y="1898199"/>
+            <a:ext cx="0" cy="700033"/>
+          </a:xfrm>
+          <a:prstGeom prst="straightConnector1">
+            <a:avLst/>
+          </a:prstGeom>
+          <a:ln w="38100">
+            <a:tailEnd type="triangle"/>
+          </a:ln>
+        </p:spPr>
+        <p:style>
+          <a:lnRef idx="1">
+            <a:schemeClr val="accent1"/>
+          </a:lnRef>
+          <a:fillRef idx="0">
+            <a:schemeClr val="accent1"/>
+          </a:fillRef>
+          <a:effectRef idx="0">
+            <a:schemeClr val="accent1"/>
+          </a:effectRef>
+          <a:fontRef idx="minor">
+            <a:schemeClr val="tx1"/>
+          </a:fontRef>
+        </p:style>
+      </p:cxnSp>
+      <p:cxnSp>
+        <p:nvCxnSpPr>
+          <p:cNvPr id="82" name="Straight Connector 81">
+            <a:extLst>
+              <a:ext uri="{FF2B5EF4-FFF2-40B4-BE49-F238E27FC236}">
+                <a16:creationId xmlns:a16="http://schemas.microsoft.com/office/drawing/2014/main" id="{330F36D0-4FD9-433B-AA99-38A51B302B64}"/>
+              </a:ext>
+            </a:extLst>
+          </p:cNvPr>
+          <p:cNvCxnSpPr>
+            <a:cxnSpLocks/>
+          </p:cNvCxnSpPr>
+          <p:nvPr/>
+        </p:nvCxnSpPr>
+        <p:spPr>
+          <a:xfrm>
+            <a:off x="12100845" y="1898196"/>
+            <a:ext cx="498167" cy="0"/>
+          </a:xfrm>
+          <a:prstGeom prst="line">
+            <a:avLst/>
+          </a:prstGeom>
+          <a:ln w="38100"/>
+        </p:spPr>
+        <p:style>
+          <a:lnRef idx="1">
+            <a:schemeClr val="accent1"/>
+          </a:lnRef>
+          <a:fillRef idx="0">
+            <a:schemeClr val="accent1"/>
+          </a:fillRef>
+          <a:effectRef idx="0">
+            <a:schemeClr val="accent1"/>
+          </a:effectRef>
+          <a:fontRef idx="minor">
+            <a:schemeClr val="tx1"/>
+          </a:fontRef>
+        </p:style>
+      </p:cxnSp>
+      <p:cxnSp>
+        <p:nvCxnSpPr>
+          <p:cNvPr id="83" name="Straight Arrow Connector 82">
+            <a:extLst>
+              <a:ext uri="{FF2B5EF4-FFF2-40B4-BE49-F238E27FC236}">
+                <a16:creationId xmlns:a16="http://schemas.microsoft.com/office/drawing/2014/main" id="{63B8A7B0-8098-45D4-8266-7EBB9F9D5352}"/>
+              </a:ext>
+            </a:extLst>
+          </p:cNvPr>
+          <p:cNvCxnSpPr>
+            <a:cxnSpLocks/>
+          </p:cNvCxnSpPr>
+          <p:nvPr/>
+        </p:nvCxnSpPr>
+        <p:spPr>
+          <a:xfrm>
+            <a:off x="14494953" y="2873377"/>
+            <a:ext cx="411092" cy="0"/>
+          </a:xfrm>
+          <a:prstGeom prst="straightConnector1">
+            <a:avLst/>
+          </a:prstGeom>
+          <a:ln w="38100">
+            <a:solidFill>
+              <a:schemeClr val="accent1"/>
+            </a:solidFill>
+            <a:tailEnd type="triangle"/>
+          </a:ln>
+        </p:spPr>
+        <p:style>
+          <a:lnRef idx="1">
+            <a:schemeClr val="dk1"/>
+          </a:lnRef>
+          <a:fillRef idx="0">
+            <a:schemeClr val="dk1"/>
+          </a:fillRef>
+          <a:effectRef idx="0">
+            <a:schemeClr val="dk1"/>
+          </a:effectRef>
+          <a:fontRef idx="minor">
+            <a:schemeClr val="tx1"/>
+          </a:fontRef>
+        </p:style>
+      </p:cxnSp>
+      <p:sp>
+        <p:nvSpPr>
+          <p:cNvPr id="84" name="Diamond 83">
+            <a:extLst>
+              <a:ext uri="{FF2B5EF4-FFF2-40B4-BE49-F238E27FC236}">
+                <a16:creationId xmlns:a16="http://schemas.microsoft.com/office/drawing/2014/main" id="{407D2090-E12D-4A24-84EE-10EF044A9783}"/>
               </a:ext>
             </a:extLst>
           </p:cNvPr>
@@ -3847,8 +4342,8 @@
         </p:nvSpPr>
         <p:spPr>
           <a:xfrm>
-            <a:off x="6286652" y="23138113"/>
-            <a:ext cx="1081724" cy="1081724"/>
+            <a:off x="14895329" y="2606160"/>
+            <a:ext cx="538917" cy="538917"/>
           </a:xfrm>
           <a:prstGeom prst="diamond">
             <a:avLst/>
@@ -3869,7 +4364,7 @@
           </a:fontRef>
         </p:style>
         <p:txBody>
-          <a:bodyPr rot="0" spcFirstLastPara="0" vertOverflow="overflow" horzOverflow="overflow" vert="horz" wrap="square" lIns="205740" tIns="102872" rIns="205740" bIns="102872" numCol="1" spcCol="0" rtlCol="0" fromWordArt="0" anchor="ctr" anchorCtr="0" forceAA="0" compatLnSpc="1">
+          <a:bodyPr rot="0" spcFirstLastPara="0" vertOverflow="overflow" horzOverflow="overflow" vert="horz" wrap="square" lIns="102500" tIns="51252" rIns="102500" bIns="51252" numCol="1" spcCol="0" rtlCol="0" fromWordArt="0" anchor="ctr" anchorCtr="0" forceAA="0" compatLnSpc="1">
             <a:prstTxWarp prst="textNoShape">
               <a:avLst/>
             </a:prstTxWarp>
@@ -3878,16 +4373,60 @@
           <a:lstStyle/>
           <a:p>
             <a:pPr algn="ctr"/>
-            <a:endParaRPr lang="en-SG" sz="4052"/>
-          </a:p>
-        </p:txBody>
-      </p:sp>
-      <p:sp>
-        <p:nvSpPr>
-          <p:cNvPr id="46" name="Rectangle: Rounded Corners 45">
-            <a:extLst>
-              <a:ext uri="{FF2B5EF4-FFF2-40B4-BE49-F238E27FC236}">
-                <a16:creationId xmlns:a16="http://schemas.microsoft.com/office/drawing/2014/main" id="{0711EC61-60BF-44CE-8EAD-F76B5F294CD3}"/>
+            <a:endParaRPr lang="en-SG" sz="2018" dirty="0"/>
+          </a:p>
+        </p:txBody>
+      </p:sp>
+      <p:cxnSp>
+        <p:nvCxnSpPr>
+          <p:cNvPr id="85" name="Straight Arrow Connector 84">
+            <a:extLst>
+              <a:ext uri="{FF2B5EF4-FFF2-40B4-BE49-F238E27FC236}">
+                <a16:creationId xmlns:a16="http://schemas.microsoft.com/office/drawing/2014/main" id="{82144A5C-0BCE-4C07-8464-300F50E7B2A0}"/>
+              </a:ext>
+            </a:extLst>
+          </p:cNvPr>
+          <p:cNvCxnSpPr>
+            <a:cxnSpLocks/>
+          </p:cNvCxnSpPr>
+          <p:nvPr/>
+        </p:nvCxnSpPr>
+        <p:spPr>
+          <a:xfrm>
+            <a:off x="15438407" y="2877819"/>
+            <a:ext cx="411092" cy="0"/>
+          </a:xfrm>
+          <a:prstGeom prst="straightConnector1">
+            <a:avLst/>
+          </a:prstGeom>
+          <a:ln w="38100">
+            <a:solidFill>
+              <a:schemeClr val="accent1"/>
+            </a:solidFill>
+            <a:tailEnd type="triangle"/>
+          </a:ln>
+        </p:spPr>
+        <p:style>
+          <a:lnRef idx="1">
+            <a:schemeClr val="dk1"/>
+          </a:lnRef>
+          <a:fillRef idx="0">
+            <a:schemeClr val="dk1"/>
+          </a:fillRef>
+          <a:effectRef idx="0">
+            <a:schemeClr val="dk1"/>
+          </a:effectRef>
+          <a:fontRef idx="minor">
+            <a:schemeClr val="tx1"/>
+          </a:fontRef>
+        </p:style>
+      </p:cxnSp>
+      <p:sp>
+        <p:nvSpPr>
+          <p:cNvPr id="86" name="Rectangle: Rounded Corners 85">
+            <a:extLst>
+              <a:ext uri="{FF2B5EF4-FFF2-40B4-BE49-F238E27FC236}">
+                <a16:creationId xmlns:a16="http://schemas.microsoft.com/office/drawing/2014/main" id="{7A2C6600-0BAC-4DCD-9EB6-BB31C3238070}"/>
               </a:ext>
             </a:extLst>
           </p:cNvPr>
@@ -3896,8 +4435,8 @@
         </p:nvSpPr>
         <p:spPr>
           <a:xfrm>
-            <a:off x="5087702" y="24960876"/>
-            <a:ext cx="3479624" cy="1298756"/>
+            <a:off x="15849499" y="2554300"/>
+            <a:ext cx="1235088" cy="647043"/>
           </a:xfrm>
           <a:prstGeom prst="roundRect">
             <a:avLst/>
@@ -3918,7 +4457,7 @@
           </a:fontRef>
         </p:style>
         <p:txBody>
-          <a:bodyPr rot="0" spcFirstLastPara="0" vertOverflow="overflow" horzOverflow="overflow" vert="horz" wrap="square" lIns="205740" tIns="102872" rIns="205740" bIns="102872" numCol="1" spcCol="0" rtlCol="0" fromWordArt="0" anchor="ctr" anchorCtr="0" forceAA="0" compatLnSpc="1">
+          <a:bodyPr rot="0" spcFirstLastPara="0" vertOverflow="overflow" horzOverflow="overflow" vert="horz" wrap="square" lIns="102500" tIns="51252" rIns="102500" bIns="51252" numCol="1" spcCol="0" rtlCol="0" fromWordArt="0" anchor="ctr" anchorCtr="0" forceAA="0" compatLnSpc="1">
             <a:prstTxWarp prst="textNoShape">
               <a:avLst/>
             </a:prstTxWarp>
@@ -3928,18 +4467,62 @@
           <a:p>
             <a:pPr algn="ctr"/>
             <a:r>
-              <a:rPr lang="en-SG" sz="3599" dirty="0"/>
+              <a:rPr lang="en-SG" sz="1793" dirty="0"/>
               <a:t>Next</a:t>
             </a:r>
           </a:p>
         </p:txBody>
       </p:sp>
-      <p:sp>
-        <p:nvSpPr>
-          <p:cNvPr id="47" name="Diamond 46">
-            <a:extLst>
-              <a:ext uri="{FF2B5EF4-FFF2-40B4-BE49-F238E27FC236}">
-                <a16:creationId xmlns:a16="http://schemas.microsoft.com/office/drawing/2014/main" id="{5CEC546E-0934-4AC9-8D5A-F09CFAA0C022}"/>
+      <p:cxnSp>
+        <p:nvCxnSpPr>
+          <p:cNvPr id="87" name="Straight Arrow Connector 86">
+            <a:extLst>
+              <a:ext uri="{FF2B5EF4-FFF2-40B4-BE49-F238E27FC236}">
+                <a16:creationId xmlns:a16="http://schemas.microsoft.com/office/drawing/2014/main" id="{EC9E30CF-9D71-4C3E-9B3A-B29BEC8FAF65}"/>
+              </a:ext>
+            </a:extLst>
+          </p:cNvPr>
+          <p:cNvCxnSpPr>
+            <a:cxnSpLocks/>
+          </p:cNvCxnSpPr>
+          <p:nvPr/>
+        </p:nvCxnSpPr>
+        <p:spPr>
+          <a:xfrm>
+            <a:off x="17088982" y="2906926"/>
+            <a:ext cx="406697" cy="0"/>
+          </a:xfrm>
+          <a:prstGeom prst="straightConnector1">
+            <a:avLst/>
+          </a:prstGeom>
+          <a:ln w="38100">
+            <a:solidFill>
+              <a:schemeClr val="accent1"/>
+            </a:solidFill>
+            <a:tailEnd type="triangle"/>
+          </a:ln>
+        </p:spPr>
+        <p:style>
+          <a:lnRef idx="1">
+            <a:schemeClr val="dk1"/>
+          </a:lnRef>
+          <a:fillRef idx="0">
+            <a:schemeClr val="dk1"/>
+          </a:fillRef>
+          <a:effectRef idx="0">
+            <a:schemeClr val="dk1"/>
+          </a:effectRef>
+          <a:fontRef idx="minor">
+            <a:schemeClr val="tx1"/>
+          </a:fontRef>
+        </p:style>
+      </p:cxnSp>
+      <p:sp>
+        <p:nvSpPr>
+          <p:cNvPr id="88" name="Diamond 87">
+            <a:extLst>
+              <a:ext uri="{FF2B5EF4-FFF2-40B4-BE49-F238E27FC236}">
+                <a16:creationId xmlns:a16="http://schemas.microsoft.com/office/drawing/2014/main" id="{E00D1822-5862-4CCA-9DF3-304C33545C92}"/>
               </a:ext>
             </a:extLst>
           </p:cNvPr>
@@ -3948,8 +4531,8 @@
         </p:nvSpPr>
         <p:spPr>
           <a:xfrm>
-            <a:off x="6286652" y="27000671"/>
-            <a:ext cx="1081724" cy="1081724"/>
+            <a:off x="17495680" y="2633027"/>
+            <a:ext cx="538917" cy="538917"/>
           </a:xfrm>
           <a:prstGeom prst="diamond">
             <a:avLst/>
@@ -3970,7 +4553,7 @@
           </a:fontRef>
         </p:style>
         <p:txBody>
-          <a:bodyPr rot="0" spcFirstLastPara="0" vertOverflow="overflow" horzOverflow="overflow" vert="horz" wrap="square" lIns="205740" tIns="102872" rIns="205740" bIns="102872" numCol="1" spcCol="0" rtlCol="0" fromWordArt="0" anchor="ctr" anchorCtr="0" forceAA="0" compatLnSpc="1">
+          <a:bodyPr rot="0" spcFirstLastPara="0" vertOverflow="overflow" horzOverflow="overflow" vert="horz" wrap="square" lIns="102500" tIns="51252" rIns="102500" bIns="51252" numCol="1" spcCol="0" rtlCol="0" fromWordArt="0" anchor="ctr" anchorCtr="0" forceAA="0" compatLnSpc="1">
             <a:prstTxWarp prst="textNoShape">
               <a:avLst/>
             </a:prstTxWarp>
@@ -3979,16 +4562,57 @@
           <a:lstStyle/>
           <a:p>
             <a:pPr algn="ctr"/>
-            <a:endParaRPr lang="en-SG" sz="4052"/>
-          </a:p>
-        </p:txBody>
-      </p:sp>
-      <p:sp>
-        <p:nvSpPr>
-          <p:cNvPr id="48" name="Diamond 47">
-            <a:extLst>
-              <a:ext uri="{FF2B5EF4-FFF2-40B4-BE49-F238E27FC236}">
-                <a16:creationId xmlns:a16="http://schemas.microsoft.com/office/drawing/2014/main" id="{B10E88C9-DCC3-4AA9-87C0-B353801837AC}"/>
+            <a:endParaRPr lang="en-SG" sz="2018"/>
+          </a:p>
+        </p:txBody>
+      </p:sp>
+      <p:cxnSp>
+        <p:nvCxnSpPr>
+          <p:cNvPr id="89" name="Straight Arrow Connector 88">
+            <a:extLst>
+              <a:ext uri="{FF2B5EF4-FFF2-40B4-BE49-F238E27FC236}">
+                <a16:creationId xmlns:a16="http://schemas.microsoft.com/office/drawing/2014/main" id="{1D9684F0-E372-402D-BE0A-98136FAD7F3D}"/>
+              </a:ext>
+            </a:extLst>
+          </p:cNvPr>
+          <p:cNvCxnSpPr>
+            <a:cxnSpLocks/>
+          </p:cNvCxnSpPr>
+          <p:nvPr/>
+        </p:nvCxnSpPr>
+        <p:spPr>
+          <a:xfrm>
+            <a:off x="18034597" y="2902481"/>
+            <a:ext cx="1442197" cy="0"/>
+          </a:xfrm>
+          <a:prstGeom prst="straightConnector1">
+            <a:avLst/>
+          </a:prstGeom>
+          <a:ln w="38100">
+            <a:tailEnd type="triangle"/>
+          </a:ln>
+        </p:spPr>
+        <p:style>
+          <a:lnRef idx="1">
+            <a:schemeClr val="accent1"/>
+          </a:lnRef>
+          <a:fillRef idx="0">
+            <a:schemeClr val="accent1"/>
+          </a:fillRef>
+          <a:effectRef idx="0">
+            <a:schemeClr val="accent1"/>
+          </a:effectRef>
+          <a:fontRef idx="minor">
+            <a:schemeClr val="tx1"/>
+          </a:fontRef>
+        </p:style>
+      </p:cxnSp>
+      <p:sp>
+        <p:nvSpPr>
+          <p:cNvPr id="90" name="Diamond 89">
+            <a:extLst>
+              <a:ext uri="{FF2B5EF4-FFF2-40B4-BE49-F238E27FC236}">
+                <a16:creationId xmlns:a16="http://schemas.microsoft.com/office/drawing/2014/main" id="{2AD2863C-5A53-4A17-A051-08C2CC2520A7}"/>
               </a:ext>
             </a:extLst>
           </p:cNvPr>
@@ -3997,8 +4621,8 @@
         </p:nvSpPr>
         <p:spPr>
           <a:xfrm>
-            <a:off x="6265614" y="30664924"/>
-            <a:ext cx="1081724" cy="1081724"/>
+            <a:off x="19431945" y="2618873"/>
+            <a:ext cx="538917" cy="538917"/>
           </a:xfrm>
           <a:prstGeom prst="diamond">
             <a:avLst/>
@@ -4019,7 +4643,7 @@
           </a:fontRef>
         </p:style>
         <p:txBody>
-          <a:bodyPr rot="0" spcFirstLastPara="0" vertOverflow="overflow" horzOverflow="overflow" vert="horz" wrap="square" lIns="205740" tIns="102872" rIns="205740" bIns="102872" numCol="1" spcCol="0" rtlCol="0" fromWordArt="0" anchor="ctr" anchorCtr="0" forceAA="0" compatLnSpc="1">
+          <a:bodyPr rot="0" spcFirstLastPara="0" vertOverflow="overflow" horzOverflow="overflow" vert="horz" wrap="square" lIns="102500" tIns="51252" rIns="102500" bIns="51252" numCol="1" spcCol="0" rtlCol="0" fromWordArt="0" anchor="ctr" anchorCtr="0" forceAA="0" compatLnSpc="1">
             <a:prstTxWarp prst="textNoShape">
               <a:avLst/>
             </a:prstTxWarp>
@@ -4028,16 +4652,16 @@
           <a:lstStyle/>
           <a:p>
             <a:pPr algn="ctr"/>
-            <a:endParaRPr lang="en-SG" sz="4052"/>
-          </a:p>
-        </p:txBody>
-      </p:sp>
-      <p:sp>
-        <p:nvSpPr>
-          <p:cNvPr id="49" name="Rectangle: Rounded Corners 48">
-            <a:extLst>
-              <a:ext uri="{FF2B5EF4-FFF2-40B4-BE49-F238E27FC236}">
-                <a16:creationId xmlns:a16="http://schemas.microsoft.com/office/drawing/2014/main" id="{D805C8D3-E7B6-4535-97D4-B81ED6DF2CE1}"/>
+            <a:endParaRPr lang="en-SG" sz="2018" dirty="0"/>
+          </a:p>
+        </p:txBody>
+      </p:sp>
+      <p:sp>
+        <p:nvSpPr>
+          <p:cNvPr id="91" name="Rectangle: Rounded Corners 90">
+            <a:extLst>
+              <a:ext uri="{FF2B5EF4-FFF2-40B4-BE49-F238E27FC236}">
+                <a16:creationId xmlns:a16="http://schemas.microsoft.com/office/drawing/2014/main" id="{20A4EF8D-791F-4E14-87E3-6E6C17EB6D91}"/>
               </a:ext>
             </a:extLst>
           </p:cNvPr>
@@ -4046,8 +4670,8 @@
         </p:nvSpPr>
         <p:spPr>
           <a:xfrm>
-            <a:off x="7123128" y="28707652"/>
-            <a:ext cx="3479624" cy="1298756"/>
+            <a:off x="18286629" y="1671489"/>
+            <a:ext cx="938128" cy="494705"/>
           </a:xfrm>
           <a:prstGeom prst="roundRect">
             <a:avLst/>
@@ -4068,7 +4692,7 @@
           </a:fontRef>
         </p:style>
         <p:txBody>
-          <a:bodyPr rot="0" spcFirstLastPara="0" vertOverflow="overflow" horzOverflow="overflow" vert="horz" wrap="square" lIns="205740" tIns="102872" rIns="205740" bIns="102872" numCol="1" spcCol="0" rtlCol="0" fromWordArt="0" anchor="ctr" anchorCtr="0" forceAA="0" compatLnSpc="1">
+          <a:bodyPr rot="0" spcFirstLastPara="0" vertOverflow="overflow" horzOverflow="overflow" vert="horz" wrap="square" lIns="102500" tIns="51252" rIns="102500" bIns="51252" numCol="1" spcCol="0" rtlCol="0" fromWordArt="0" anchor="ctr" anchorCtr="0" forceAA="0" compatLnSpc="1">
             <a:prstTxWarp prst="textNoShape">
               <a:avLst/>
             </a:prstTxWarp>
@@ -4078,18 +4702,98 @@
           <a:p>
             <a:pPr algn="ctr"/>
             <a:r>
-              <a:rPr lang="en-SG" sz="3599" dirty="0"/>
+              <a:rPr lang="en-SG" sz="1500" dirty="0"/>
               <a:t>Preview</a:t>
             </a:r>
           </a:p>
         </p:txBody>
       </p:sp>
-      <p:sp>
-        <p:nvSpPr>
-          <p:cNvPr id="50" name="Rectangle: Rounded Corners 49">
-            <a:extLst>
-              <a:ext uri="{FF2B5EF4-FFF2-40B4-BE49-F238E27FC236}">
-                <a16:creationId xmlns:a16="http://schemas.microsoft.com/office/drawing/2014/main" id="{30D3D585-E25D-47B1-B350-91105C7D5D5F}"/>
+      <p:cxnSp>
+        <p:nvCxnSpPr>
+          <p:cNvPr id="92" name="Straight Arrow Connector 91">
+            <a:extLst>
+              <a:ext uri="{FF2B5EF4-FFF2-40B4-BE49-F238E27FC236}">
+                <a16:creationId xmlns:a16="http://schemas.microsoft.com/office/drawing/2014/main" id="{0C33DBA0-54ED-4346-BE33-B910BAB57345}"/>
+              </a:ext>
+            </a:extLst>
+          </p:cNvPr>
+          <p:cNvCxnSpPr>
+            <a:cxnSpLocks/>
+          </p:cNvCxnSpPr>
+          <p:nvPr/>
+        </p:nvCxnSpPr>
+        <p:spPr>
+          <a:xfrm>
+            <a:off x="17746802" y="1918836"/>
+            <a:ext cx="539827" cy="0"/>
+          </a:xfrm>
+          <a:prstGeom prst="straightConnector1">
+            <a:avLst/>
+          </a:prstGeom>
+          <a:ln w="38100">
+            <a:tailEnd type="triangle"/>
+          </a:ln>
+        </p:spPr>
+        <p:style>
+          <a:lnRef idx="1">
+            <a:schemeClr val="accent1"/>
+          </a:lnRef>
+          <a:fillRef idx="0">
+            <a:schemeClr val="accent1"/>
+          </a:fillRef>
+          <a:effectRef idx="0">
+            <a:schemeClr val="accent1"/>
+          </a:effectRef>
+          <a:fontRef idx="minor">
+            <a:schemeClr val="tx1"/>
+          </a:fontRef>
+        </p:style>
+      </p:cxnSp>
+      <p:cxnSp>
+        <p:nvCxnSpPr>
+          <p:cNvPr id="93" name="Straight Connector 92">
+            <a:extLst>
+              <a:ext uri="{FF2B5EF4-FFF2-40B4-BE49-F238E27FC236}">
+                <a16:creationId xmlns:a16="http://schemas.microsoft.com/office/drawing/2014/main" id="{60D82AD0-6E00-435F-AF00-7036CE5FC145}"/>
+              </a:ext>
+            </a:extLst>
+          </p:cNvPr>
+          <p:cNvCxnSpPr>
+            <a:cxnSpLocks/>
+          </p:cNvCxnSpPr>
+          <p:nvPr/>
+        </p:nvCxnSpPr>
+        <p:spPr>
+          <a:xfrm flipV="1">
+            <a:off x="17765134" y="1918837"/>
+            <a:ext cx="0" cy="744913"/>
+          </a:xfrm>
+          <a:prstGeom prst="line">
+            <a:avLst/>
+          </a:prstGeom>
+          <a:ln w="38100"/>
+        </p:spPr>
+        <p:style>
+          <a:lnRef idx="1">
+            <a:schemeClr val="accent1"/>
+          </a:lnRef>
+          <a:fillRef idx="0">
+            <a:schemeClr val="accent1"/>
+          </a:fillRef>
+          <a:effectRef idx="0">
+            <a:schemeClr val="accent1"/>
+          </a:effectRef>
+          <a:fontRef idx="minor">
+            <a:schemeClr val="tx1"/>
+          </a:fontRef>
+        </p:style>
+      </p:cxnSp>
+      <p:sp>
+        <p:nvSpPr>
+          <p:cNvPr id="94" name="Rectangle: Rounded Corners 93">
+            <a:extLst>
+              <a:ext uri="{FF2B5EF4-FFF2-40B4-BE49-F238E27FC236}">
+                <a16:creationId xmlns:a16="http://schemas.microsoft.com/office/drawing/2014/main" id="{2E06E75B-D8D3-4B55-B018-45CA493DEF2F}"/>
               </a:ext>
             </a:extLst>
           </p:cNvPr>
@@ -4098,8 +4802,8 @@
         </p:nvSpPr>
         <p:spPr>
           <a:xfrm>
-            <a:off x="5087702" y="32487688"/>
-            <a:ext cx="3479624" cy="1298756"/>
+            <a:off x="20377555" y="2574942"/>
+            <a:ext cx="1235088" cy="647043"/>
           </a:xfrm>
           <a:prstGeom prst="roundRect">
             <a:avLst/>
@@ -4120,7 +4824,7 @@
           </a:fontRef>
         </p:style>
         <p:txBody>
-          <a:bodyPr rot="0" spcFirstLastPara="0" vertOverflow="overflow" horzOverflow="overflow" vert="horz" wrap="square" lIns="205740" tIns="102872" rIns="205740" bIns="102872" numCol="1" spcCol="0" rtlCol="0" fromWordArt="0" anchor="ctr" anchorCtr="0" forceAA="0" compatLnSpc="1">
+          <a:bodyPr rot="0" spcFirstLastPara="0" vertOverflow="overflow" horzOverflow="overflow" vert="horz" wrap="square" lIns="102500" tIns="51252" rIns="102500" bIns="51252" numCol="1" spcCol="0" rtlCol="0" fromWordArt="0" anchor="ctr" anchorCtr="0" forceAA="0" compatLnSpc="1">
             <a:prstTxWarp prst="textNoShape">
               <a:avLst/>
             </a:prstTxWarp>
@@ -4130,18 +4834,279 @@
           <a:p>
             <a:pPr algn="ctr"/>
             <a:r>
-              <a:rPr lang="en-SG" sz="3599" dirty="0"/>
+              <a:rPr lang="en-SG" sz="1793" dirty="0"/>
               <a:t>Send</a:t>
             </a:r>
           </a:p>
         </p:txBody>
       </p:sp>
+      <p:cxnSp>
+        <p:nvCxnSpPr>
+          <p:cNvPr id="95" name="Straight Arrow Connector 94">
+            <a:extLst>
+              <a:ext uri="{FF2B5EF4-FFF2-40B4-BE49-F238E27FC236}">
+                <a16:creationId xmlns:a16="http://schemas.microsoft.com/office/drawing/2014/main" id="{46E04714-B836-4DFE-83C0-059B5E7C5E85}"/>
+              </a:ext>
+            </a:extLst>
+          </p:cNvPr>
+          <p:cNvCxnSpPr>
+            <a:cxnSpLocks/>
+          </p:cNvCxnSpPr>
+          <p:nvPr/>
+        </p:nvCxnSpPr>
+        <p:spPr>
+          <a:xfrm>
+            <a:off x="19970860" y="2890304"/>
+            <a:ext cx="411092" cy="0"/>
+          </a:xfrm>
+          <a:prstGeom prst="straightConnector1">
+            <a:avLst/>
+          </a:prstGeom>
+          <a:ln w="38100">
+            <a:solidFill>
+              <a:schemeClr val="accent1"/>
+            </a:solidFill>
+            <a:tailEnd type="triangle"/>
+          </a:ln>
+        </p:spPr>
+        <p:style>
+          <a:lnRef idx="1">
+            <a:schemeClr val="dk1"/>
+          </a:lnRef>
+          <a:fillRef idx="0">
+            <a:schemeClr val="dk1"/>
+          </a:fillRef>
+          <a:effectRef idx="0">
+            <a:schemeClr val="dk1"/>
+          </a:effectRef>
+          <a:fontRef idx="minor">
+            <a:schemeClr val="tx1"/>
+          </a:fontRef>
+        </p:style>
+      </p:cxnSp>
+      <p:cxnSp>
+        <p:nvCxnSpPr>
+          <p:cNvPr id="96" name="Straight Arrow Connector 95">
+            <a:extLst>
+              <a:ext uri="{FF2B5EF4-FFF2-40B4-BE49-F238E27FC236}">
+                <a16:creationId xmlns:a16="http://schemas.microsoft.com/office/drawing/2014/main" id="{E7A4FCCC-5239-471F-9779-8901CF2542EA}"/>
+              </a:ext>
+            </a:extLst>
+          </p:cNvPr>
+          <p:cNvCxnSpPr>
+            <a:cxnSpLocks/>
+          </p:cNvCxnSpPr>
+          <p:nvPr/>
+        </p:nvCxnSpPr>
+        <p:spPr>
+          <a:xfrm>
+            <a:off x="19701399" y="1918840"/>
+            <a:ext cx="0" cy="700033"/>
+          </a:xfrm>
+          <a:prstGeom prst="straightConnector1">
+            <a:avLst/>
+          </a:prstGeom>
+          <a:ln w="38100">
+            <a:tailEnd type="triangle"/>
+          </a:ln>
+        </p:spPr>
+        <p:style>
+          <a:lnRef idx="1">
+            <a:schemeClr val="accent1"/>
+          </a:lnRef>
+          <a:fillRef idx="0">
+            <a:schemeClr val="accent1"/>
+          </a:fillRef>
+          <a:effectRef idx="0">
+            <a:schemeClr val="accent1"/>
+          </a:effectRef>
+          <a:fontRef idx="minor">
+            <a:schemeClr val="tx1"/>
+          </a:fontRef>
+        </p:style>
+      </p:cxnSp>
+      <p:cxnSp>
+        <p:nvCxnSpPr>
+          <p:cNvPr id="97" name="Straight Connector 96">
+            <a:extLst>
+              <a:ext uri="{FF2B5EF4-FFF2-40B4-BE49-F238E27FC236}">
+                <a16:creationId xmlns:a16="http://schemas.microsoft.com/office/drawing/2014/main" id="{4059AEDC-08FB-49B3-B31B-C5D2284B1370}"/>
+              </a:ext>
+            </a:extLst>
+          </p:cNvPr>
+          <p:cNvCxnSpPr>
+            <a:cxnSpLocks/>
+          </p:cNvCxnSpPr>
+          <p:nvPr/>
+        </p:nvCxnSpPr>
+        <p:spPr>
+          <a:xfrm>
+            <a:off x="19224757" y="1918836"/>
+            <a:ext cx="498167" cy="0"/>
+          </a:xfrm>
+          <a:prstGeom prst="line">
+            <a:avLst/>
+          </a:prstGeom>
+          <a:ln w="38100"/>
+        </p:spPr>
+        <p:style>
+          <a:lnRef idx="1">
+            <a:schemeClr val="accent1"/>
+          </a:lnRef>
+          <a:fillRef idx="0">
+            <a:schemeClr val="accent1"/>
+          </a:fillRef>
+          <a:effectRef idx="0">
+            <a:schemeClr val="accent1"/>
+          </a:effectRef>
+          <a:fontRef idx="minor">
+            <a:schemeClr val="tx1"/>
+          </a:fontRef>
+        </p:style>
+      </p:cxnSp>
+      <p:cxnSp>
+        <p:nvCxnSpPr>
+          <p:cNvPr id="98" name="Straight Arrow Connector 97">
+            <a:extLst>
+              <a:ext uri="{FF2B5EF4-FFF2-40B4-BE49-F238E27FC236}">
+                <a16:creationId xmlns:a16="http://schemas.microsoft.com/office/drawing/2014/main" id="{6A33C502-1DB8-42F3-BA72-AE765D87696E}"/>
+              </a:ext>
+            </a:extLst>
+          </p:cNvPr>
+          <p:cNvCxnSpPr>
+            <a:cxnSpLocks/>
+          </p:cNvCxnSpPr>
+          <p:nvPr/>
+        </p:nvCxnSpPr>
+        <p:spPr>
+          <a:xfrm>
+            <a:off x="21618863" y="2894017"/>
+            <a:ext cx="411092" cy="0"/>
+          </a:xfrm>
+          <a:prstGeom prst="straightConnector1">
+            <a:avLst/>
+          </a:prstGeom>
+          <a:ln w="38100">
+            <a:solidFill>
+              <a:schemeClr val="accent1"/>
+            </a:solidFill>
+            <a:tailEnd type="triangle"/>
+          </a:ln>
+        </p:spPr>
+        <p:style>
+          <a:lnRef idx="1">
+            <a:schemeClr val="dk1"/>
+          </a:lnRef>
+          <a:fillRef idx="0">
+            <a:schemeClr val="dk1"/>
+          </a:fillRef>
+          <a:effectRef idx="0">
+            <a:schemeClr val="dk1"/>
+          </a:effectRef>
+          <a:fontRef idx="minor">
+            <a:schemeClr val="tx1"/>
+          </a:fontRef>
+        </p:style>
+      </p:cxnSp>
+      <p:sp>
+        <p:nvSpPr>
+          <p:cNvPr id="99" name="Diamond 98">
+            <a:extLst>
+              <a:ext uri="{FF2B5EF4-FFF2-40B4-BE49-F238E27FC236}">
+                <a16:creationId xmlns:a16="http://schemas.microsoft.com/office/drawing/2014/main" id="{AAF81DDA-3D5D-40A4-80F7-8448435F4B59}"/>
+              </a:ext>
+            </a:extLst>
+          </p:cNvPr>
+          <p:cNvSpPr/>
+          <p:nvPr/>
+        </p:nvSpPr>
+        <p:spPr>
+          <a:xfrm>
+            <a:off x="22019240" y="2626800"/>
+            <a:ext cx="538917" cy="538917"/>
+          </a:xfrm>
+          <a:prstGeom prst="diamond">
+            <a:avLst/>
+          </a:prstGeom>
+        </p:spPr>
+        <p:style>
+          <a:lnRef idx="1">
+            <a:schemeClr val="accent6"/>
+          </a:lnRef>
+          <a:fillRef idx="2">
+            <a:schemeClr val="accent6"/>
+          </a:fillRef>
+          <a:effectRef idx="1">
+            <a:schemeClr val="accent6"/>
+          </a:effectRef>
+          <a:fontRef idx="minor">
+            <a:schemeClr val="dk1"/>
+          </a:fontRef>
+        </p:style>
+        <p:txBody>
+          <a:bodyPr rot="0" spcFirstLastPara="0" vertOverflow="overflow" horzOverflow="overflow" vert="horz" wrap="square" lIns="102500" tIns="51252" rIns="102500" bIns="51252" numCol="1" spcCol="0" rtlCol="0" fromWordArt="0" anchor="ctr" anchorCtr="0" forceAA="0" compatLnSpc="1">
+            <a:prstTxWarp prst="textNoShape">
+              <a:avLst/>
+            </a:prstTxWarp>
+            <a:noAutofit/>
+          </a:bodyPr>
+          <a:lstStyle/>
+          <a:p>
+            <a:pPr algn="ctr"/>
+            <a:endParaRPr lang="en-SG" sz="2018" dirty="0"/>
+          </a:p>
+        </p:txBody>
+      </p:sp>
+      <p:cxnSp>
+        <p:nvCxnSpPr>
+          <p:cNvPr id="100" name="Straight Arrow Connector 99">
+            <a:extLst>
+              <a:ext uri="{FF2B5EF4-FFF2-40B4-BE49-F238E27FC236}">
+                <a16:creationId xmlns:a16="http://schemas.microsoft.com/office/drawing/2014/main" id="{9E7ABDD2-B779-45A6-9A2D-BD6C025BD245}"/>
+              </a:ext>
+            </a:extLst>
+          </p:cNvPr>
+          <p:cNvCxnSpPr>
+            <a:cxnSpLocks/>
+          </p:cNvCxnSpPr>
+          <p:nvPr/>
+        </p:nvCxnSpPr>
+        <p:spPr>
+          <a:xfrm>
+            <a:off x="22562317" y="2898461"/>
+            <a:ext cx="411092" cy="0"/>
+          </a:xfrm>
+          <a:prstGeom prst="straightConnector1">
+            <a:avLst/>
+          </a:prstGeom>
+          <a:ln w="38100">
+            <a:solidFill>
+              <a:schemeClr val="accent1"/>
+            </a:solidFill>
+            <a:tailEnd type="triangle"/>
+          </a:ln>
+        </p:spPr>
+        <p:style>
+          <a:lnRef idx="1">
+            <a:schemeClr val="dk1"/>
+          </a:lnRef>
+          <a:fillRef idx="0">
+            <a:schemeClr val="dk1"/>
+          </a:fillRef>
+          <a:effectRef idx="0">
+            <a:schemeClr val="dk1"/>
+          </a:effectRef>
+          <a:fontRef idx="minor">
+            <a:schemeClr val="tx1"/>
+          </a:fontRef>
+        </p:style>
+      </p:cxnSp>
       <p:grpSp>
         <p:nvGrpSpPr>
-          <p:cNvPr id="51" name="Group 50">
-            <a:extLst>
-              <a:ext uri="{FF2B5EF4-FFF2-40B4-BE49-F238E27FC236}">
-                <a16:creationId xmlns:a16="http://schemas.microsoft.com/office/drawing/2014/main" id="{522D71BC-3F25-4A09-91EB-D505119C6AB0}"/>
+          <p:cNvPr id="102" name="Group 101">
+            <a:extLst>
+              <a:ext uri="{FF2B5EF4-FFF2-40B4-BE49-F238E27FC236}">
+                <a16:creationId xmlns:a16="http://schemas.microsoft.com/office/drawing/2014/main" id="{34805F41-22D1-4EF8-AB8F-81976C5A707B}"/>
               </a:ext>
             </a:extLst>
           </p:cNvPr>
@@ -4150,18 +5115,18 @@
         </p:nvGrpSpPr>
         <p:grpSpPr>
           <a:xfrm>
-            <a:off x="6592872" y="38536065"/>
-            <a:ext cx="530256" cy="530256"/>
+            <a:off x="24619199" y="2752422"/>
+            <a:ext cx="319158" cy="299538"/>
             <a:chOff x="8040730" y="5082186"/>
             <a:chExt cx="235669" cy="235669"/>
           </a:xfrm>
         </p:grpSpPr>
         <p:sp>
           <p:nvSpPr>
-            <p:cNvPr id="52" name="Oval 51">
+            <p:cNvPr id="103" name="Oval 102">
               <a:extLst>
                 <a:ext uri="{FF2B5EF4-FFF2-40B4-BE49-F238E27FC236}">
-                  <a16:creationId xmlns:a16="http://schemas.microsoft.com/office/drawing/2014/main" id="{F880ED15-2E8C-4FD6-8F03-3E7F52B1588D}"/>
+                  <a16:creationId xmlns:a16="http://schemas.microsoft.com/office/drawing/2014/main" id="{4A6803C7-5149-4315-A9E2-441501E3D44E}"/>
                 </a:ext>
               </a:extLst>
             </p:cNvPr>
@@ -4210,10 +5175,10 @@
         </p:sp>
         <p:sp>
           <p:nvSpPr>
-            <p:cNvPr id="53" name="Oval 52">
+            <p:cNvPr id="104" name="Oval 103">
               <a:extLst>
                 <a:ext uri="{FF2B5EF4-FFF2-40B4-BE49-F238E27FC236}">
-                  <a16:creationId xmlns:a16="http://schemas.microsoft.com/office/drawing/2014/main" id="{7DC046AB-1D10-42C3-B4ED-84B0A7853049}"/>
+                  <a16:creationId xmlns:a16="http://schemas.microsoft.com/office/drawing/2014/main" id="{52ED0F20-1C9D-40F4-853B-E3A159E13AF7}"/>
                 </a:ext>
               </a:extLst>
             </p:cNvPr>
@@ -4260,10 +5225,10 @@
       </p:grpSp>
       <p:sp>
         <p:nvSpPr>
-          <p:cNvPr id="54" name="Rectangle: Rounded Corners 53">
-            <a:extLst>
-              <a:ext uri="{FF2B5EF4-FFF2-40B4-BE49-F238E27FC236}">
-                <a16:creationId xmlns:a16="http://schemas.microsoft.com/office/drawing/2014/main" id="{86E8DF63-E461-4671-A1D3-9EA679ED7172}"/>
+          <p:cNvPr id="105" name="Rectangle: Rounded Corners 104">
+            <a:extLst>
+              <a:ext uri="{FF2B5EF4-FFF2-40B4-BE49-F238E27FC236}">
+                <a16:creationId xmlns:a16="http://schemas.microsoft.com/office/drawing/2014/main" id="{7A2C3698-607D-4A40-A9F8-1A7BAFF7D7BB}"/>
               </a:ext>
             </a:extLst>
           </p:cNvPr>
@@ -4272,8 +5237,8 @@
         </p:nvSpPr>
         <p:spPr>
           <a:xfrm>
-            <a:off x="5600014" y="36447596"/>
-            <a:ext cx="2515975" cy="1298756"/>
+            <a:off x="22973409" y="2566802"/>
+            <a:ext cx="1235088" cy="646718"/>
           </a:xfrm>
           <a:prstGeom prst="roundRect">
             <a:avLst/>
@@ -4304,67 +5269,18 @@
           <a:p>
             <a:pPr algn="ctr"/>
             <a:r>
-              <a:rPr lang="en-SG" sz="3149" dirty="0"/>
+              <a:rPr lang="en-SG" sz="1400" dirty="0"/>
               <a:t>Exit email command</a:t>
             </a:r>
-          </a:p>
-        </p:txBody>
-      </p:sp>
-      <p:sp>
-        <p:nvSpPr>
-          <p:cNvPr id="55" name="Diamond 54">
-            <a:extLst>
-              <a:ext uri="{FF2B5EF4-FFF2-40B4-BE49-F238E27FC236}">
-                <a16:creationId xmlns:a16="http://schemas.microsoft.com/office/drawing/2014/main" id="{7BE85768-CDBC-4AA3-941E-FE80F4FEA192}"/>
-              </a:ext>
-            </a:extLst>
-          </p:cNvPr>
-          <p:cNvSpPr/>
-          <p:nvPr/>
-        </p:nvSpPr>
-        <p:spPr>
-          <a:xfrm>
-            <a:off x="6317137" y="34576157"/>
-            <a:ext cx="1081724" cy="1081724"/>
-          </a:xfrm>
-          <a:prstGeom prst="diamond">
-            <a:avLst/>
-          </a:prstGeom>
-        </p:spPr>
-        <p:style>
-          <a:lnRef idx="1">
-            <a:schemeClr val="accent6"/>
-          </a:lnRef>
-          <a:fillRef idx="2">
-            <a:schemeClr val="accent6"/>
-          </a:fillRef>
-          <a:effectRef idx="1">
-            <a:schemeClr val="accent6"/>
-          </a:effectRef>
-          <a:fontRef idx="minor">
-            <a:schemeClr val="dk1"/>
-          </a:fontRef>
-        </p:style>
-        <p:txBody>
-          <a:bodyPr rot="0" spcFirstLastPara="0" vertOverflow="overflow" horzOverflow="overflow" vert="horz" wrap="square" lIns="205740" tIns="102872" rIns="205740" bIns="102872" numCol="1" spcCol="0" rtlCol="0" fromWordArt="0" anchor="ctr" anchorCtr="0" forceAA="0" compatLnSpc="1">
-            <a:prstTxWarp prst="textNoShape">
-              <a:avLst/>
-            </a:prstTxWarp>
-            <a:noAutofit/>
-          </a:bodyPr>
-          <a:lstStyle/>
-          <a:p>
-            <a:pPr algn="ctr"/>
-            <a:endParaRPr lang="en-SG" sz="4052"/>
           </a:p>
         </p:txBody>
       </p:sp>
       <p:cxnSp>
         <p:nvCxnSpPr>
-          <p:cNvPr id="56" name="Straight Arrow Connector 55">
-            <a:extLst>
-              <a:ext uri="{FF2B5EF4-FFF2-40B4-BE49-F238E27FC236}">
-                <a16:creationId xmlns:a16="http://schemas.microsoft.com/office/drawing/2014/main" id="{DDA6BA8F-14A2-482D-B3B7-1714B52B4987}"/>
+          <p:cNvPr id="106" name="Straight Arrow Connector 105">
+            <a:extLst>
+              <a:ext uri="{FF2B5EF4-FFF2-40B4-BE49-F238E27FC236}">
+                <a16:creationId xmlns:a16="http://schemas.microsoft.com/office/drawing/2014/main" id="{754BB22D-D8C1-4E2D-BB3A-03DAD5E54503}"/>
               </a:ext>
             </a:extLst>
           </p:cNvPr>
@@ -4374,128 +5290,9 @@
           <p:nvPr/>
         </p:nvCxnSpPr>
         <p:spPr>
-          <a:xfrm flipH="1" flipV="1">
-            <a:off x="7368379" y="8479556"/>
-            <a:ext cx="1392525" cy="11294"/>
-          </a:xfrm>
-          <a:prstGeom prst="straightConnector1">
-            <a:avLst/>
-          </a:prstGeom>
-          <a:ln w="38100">
-            <a:tailEnd type="triangle"/>
-          </a:ln>
-        </p:spPr>
-        <p:style>
-          <a:lnRef idx="1">
-            <a:schemeClr val="accent1"/>
-          </a:lnRef>
-          <a:fillRef idx="0">
-            <a:schemeClr val="accent1"/>
-          </a:fillRef>
-          <a:effectRef idx="0">
-            <a:schemeClr val="accent1"/>
-          </a:effectRef>
-          <a:fontRef idx="minor">
-            <a:schemeClr val="tx1"/>
-          </a:fontRef>
-        </p:style>
-      </p:cxnSp>
-      <p:cxnSp>
-        <p:nvCxnSpPr>
-          <p:cNvPr id="57" name="Straight Connector 56">
-            <a:extLst>
-              <a:ext uri="{FF2B5EF4-FFF2-40B4-BE49-F238E27FC236}">
-                <a16:creationId xmlns:a16="http://schemas.microsoft.com/office/drawing/2014/main" id="{D659C9DC-11D3-45B8-B538-D97B5D1FD635}"/>
-              </a:ext>
-            </a:extLst>
-          </p:cNvPr>
-          <p:cNvCxnSpPr>
-            <a:cxnSpLocks/>
-          </p:cNvCxnSpPr>
-          <p:nvPr/>
-        </p:nvCxnSpPr>
-        <p:spPr>
-          <a:xfrm flipH="1" flipV="1">
-            <a:off x="7871062" y="8120009"/>
-            <a:ext cx="22246" cy="1357"/>
-          </a:xfrm>
-          <a:prstGeom prst="line">
-            <a:avLst/>
-          </a:prstGeom>
-        </p:spPr>
-        <p:style>
-          <a:lnRef idx="1">
-            <a:schemeClr val="accent1"/>
-          </a:lnRef>
-          <a:fillRef idx="0">
-            <a:schemeClr val="accent1"/>
-          </a:fillRef>
-          <a:effectRef idx="0">
-            <a:schemeClr val="accent1"/>
-          </a:effectRef>
-          <a:fontRef idx="minor">
-            <a:schemeClr val="tx1"/>
-          </a:fontRef>
-        </p:style>
-      </p:cxnSp>
-      <p:cxnSp>
-        <p:nvCxnSpPr>
-          <p:cNvPr id="60" name="Straight Connector 59">
-            <a:extLst>
-              <a:ext uri="{FF2B5EF4-FFF2-40B4-BE49-F238E27FC236}">
-                <a16:creationId xmlns:a16="http://schemas.microsoft.com/office/drawing/2014/main" id="{12B10B75-A722-4F56-B717-826EF5553F72}"/>
-              </a:ext>
-            </a:extLst>
-          </p:cNvPr>
-          <p:cNvCxnSpPr>
-            <a:cxnSpLocks/>
-            <a:endCxn id="17" idx="2"/>
-          </p:cNvCxnSpPr>
-          <p:nvPr/>
-        </p:nvCxnSpPr>
-        <p:spPr>
-          <a:xfrm flipV="1">
-            <a:off x="8762142" y="7335939"/>
-            <a:ext cx="12089" cy="1152864"/>
-          </a:xfrm>
-          <a:prstGeom prst="line">
-            <a:avLst/>
-          </a:prstGeom>
-          <a:ln w="38100"/>
-        </p:spPr>
-        <p:style>
-          <a:lnRef idx="1">
-            <a:schemeClr val="accent1"/>
-          </a:lnRef>
-          <a:fillRef idx="0">
-            <a:schemeClr val="accent1"/>
-          </a:fillRef>
-          <a:effectRef idx="0">
-            <a:schemeClr val="accent1"/>
-          </a:effectRef>
-          <a:fontRef idx="minor">
-            <a:schemeClr val="tx1"/>
-          </a:fontRef>
-        </p:style>
-      </p:cxnSp>
-      <p:cxnSp>
-        <p:nvCxnSpPr>
-          <p:cNvPr id="63" name="Straight Arrow Connector 62">
-            <a:extLst>
-              <a:ext uri="{FF2B5EF4-FFF2-40B4-BE49-F238E27FC236}">
-                <a16:creationId xmlns:a16="http://schemas.microsoft.com/office/drawing/2014/main" id="{E657241D-CC8F-4353-94D1-17B322E45D55}"/>
-              </a:ext>
-            </a:extLst>
-          </p:cNvPr>
-          <p:cNvCxnSpPr>
-            <a:cxnSpLocks/>
-          </p:cNvCxnSpPr>
-          <p:nvPr/>
-        </p:nvCxnSpPr>
-        <p:spPr>
-          <a:xfrm>
-            <a:off x="6827053" y="11074043"/>
-            <a:ext cx="0" cy="765169"/>
+          <a:xfrm>
+            <a:off x="24208107" y="2894017"/>
+            <a:ext cx="411092" cy="0"/>
           </a:xfrm>
           <a:prstGeom prst="straightConnector1">
             <a:avLst/>
@@ -4524,10 +5321,10 @@
       </p:cxnSp>
       <p:cxnSp>
         <p:nvCxnSpPr>
-          <p:cNvPr id="64" name="Straight Arrow Connector 63">
-            <a:extLst>
-              <a:ext uri="{FF2B5EF4-FFF2-40B4-BE49-F238E27FC236}">
-                <a16:creationId xmlns:a16="http://schemas.microsoft.com/office/drawing/2014/main" id="{0FE5035E-1FBD-4878-BF7D-34782A27E4EE}"/>
+          <p:cNvPr id="114" name="Straight Connector 113">
+            <a:extLst>
+              <a:ext uri="{FF2B5EF4-FFF2-40B4-BE49-F238E27FC236}">
+                <a16:creationId xmlns:a16="http://schemas.microsoft.com/office/drawing/2014/main" id="{D3980046-1DEC-452B-8ABA-5D9964509B0D}"/>
               </a:ext>
             </a:extLst>
           </p:cNvPr>
@@ -4538,8 +5335,203 @@
         </p:nvCxnSpPr>
         <p:spPr>
           <a:xfrm flipH="1">
-            <a:off x="6827517" y="16796144"/>
-            <a:ext cx="30482" cy="2479415"/>
+            <a:off x="8026311" y="1263246"/>
+            <a:ext cx="7138473" cy="0"/>
+          </a:xfrm>
+          <a:prstGeom prst="line">
+            <a:avLst/>
+          </a:prstGeom>
+          <a:ln w="38100"/>
+        </p:spPr>
+        <p:style>
+          <a:lnRef idx="1">
+            <a:schemeClr val="accent1"/>
+          </a:lnRef>
+          <a:fillRef idx="0">
+            <a:schemeClr val="accent1"/>
+          </a:fillRef>
+          <a:effectRef idx="0">
+            <a:schemeClr val="accent1"/>
+          </a:effectRef>
+          <a:fontRef idx="minor">
+            <a:schemeClr val="tx1"/>
+          </a:fontRef>
+        </p:style>
+      </p:cxnSp>
+      <p:cxnSp>
+        <p:nvCxnSpPr>
+          <p:cNvPr id="116" name="Straight Connector 115">
+            <a:extLst>
+              <a:ext uri="{FF2B5EF4-FFF2-40B4-BE49-F238E27FC236}">
+                <a16:creationId xmlns:a16="http://schemas.microsoft.com/office/drawing/2014/main" id="{4B9EE677-C6B5-4B08-888B-981F9337EF36}"/>
+              </a:ext>
+            </a:extLst>
+          </p:cNvPr>
+          <p:cNvCxnSpPr>
+            <a:cxnSpLocks/>
+          </p:cNvCxnSpPr>
+          <p:nvPr/>
+        </p:nvCxnSpPr>
+        <p:spPr>
+          <a:xfrm>
+            <a:off x="10509959" y="1262560"/>
+            <a:ext cx="0" cy="1510793"/>
+          </a:xfrm>
+          <a:prstGeom prst="line">
+            <a:avLst/>
+          </a:prstGeom>
+          <a:ln w="38100"/>
+        </p:spPr>
+        <p:style>
+          <a:lnRef idx="1">
+            <a:schemeClr val="accent1"/>
+          </a:lnRef>
+          <a:fillRef idx="0">
+            <a:schemeClr val="accent1"/>
+          </a:fillRef>
+          <a:effectRef idx="0">
+            <a:schemeClr val="accent1"/>
+          </a:effectRef>
+          <a:fontRef idx="minor">
+            <a:schemeClr val="tx1"/>
+          </a:fontRef>
+        </p:style>
+      </p:cxnSp>
+      <p:cxnSp>
+        <p:nvCxnSpPr>
+          <p:cNvPr id="117" name="Straight Connector 116">
+            <a:extLst>
+              <a:ext uri="{FF2B5EF4-FFF2-40B4-BE49-F238E27FC236}">
+                <a16:creationId xmlns:a16="http://schemas.microsoft.com/office/drawing/2014/main" id="{754500AC-2475-4D75-9ECF-F2A21713B1B0}"/>
+              </a:ext>
+            </a:extLst>
+          </p:cNvPr>
+          <p:cNvCxnSpPr>
+            <a:cxnSpLocks/>
+          </p:cNvCxnSpPr>
+          <p:nvPr/>
+        </p:nvCxnSpPr>
+        <p:spPr>
+          <a:xfrm>
+            <a:off x="12706576" y="1262560"/>
+            <a:ext cx="0" cy="1489862"/>
+          </a:xfrm>
+          <a:prstGeom prst="line">
+            <a:avLst/>
+          </a:prstGeom>
+          <a:ln w="38100"/>
+        </p:spPr>
+        <p:style>
+          <a:lnRef idx="1">
+            <a:schemeClr val="accent1"/>
+          </a:lnRef>
+          <a:fillRef idx="0">
+            <a:schemeClr val="accent1"/>
+          </a:fillRef>
+          <a:effectRef idx="0">
+            <a:schemeClr val="accent1"/>
+          </a:effectRef>
+          <a:fontRef idx="minor">
+            <a:schemeClr val="tx1"/>
+          </a:fontRef>
+        </p:style>
+      </p:cxnSp>
+      <p:cxnSp>
+        <p:nvCxnSpPr>
+          <p:cNvPr id="121" name="Straight Connector 120">
+            <a:extLst>
+              <a:ext uri="{FF2B5EF4-FFF2-40B4-BE49-F238E27FC236}">
+                <a16:creationId xmlns:a16="http://schemas.microsoft.com/office/drawing/2014/main" id="{439FB9AE-6CF9-4A29-B9D5-F4621C3D9CA3}"/>
+              </a:ext>
+            </a:extLst>
+          </p:cNvPr>
+          <p:cNvCxnSpPr>
+            <a:cxnSpLocks/>
+          </p:cNvCxnSpPr>
+          <p:nvPr/>
+        </p:nvCxnSpPr>
+        <p:spPr>
+          <a:xfrm>
+            <a:off x="15164783" y="1248563"/>
+            <a:ext cx="0" cy="1357597"/>
+          </a:xfrm>
+          <a:prstGeom prst="line">
+            <a:avLst/>
+          </a:prstGeom>
+          <a:ln w="38100"/>
+        </p:spPr>
+        <p:style>
+          <a:lnRef idx="1">
+            <a:schemeClr val="accent1"/>
+          </a:lnRef>
+          <a:fillRef idx="0">
+            <a:schemeClr val="accent1"/>
+          </a:fillRef>
+          <a:effectRef idx="0">
+            <a:schemeClr val="accent1"/>
+          </a:effectRef>
+          <a:fontRef idx="minor">
+            <a:schemeClr val="tx1"/>
+          </a:fontRef>
+        </p:style>
+      </p:cxnSp>
+      <p:cxnSp>
+        <p:nvCxnSpPr>
+          <p:cNvPr id="123" name="Straight Connector 122">
+            <a:extLst>
+              <a:ext uri="{FF2B5EF4-FFF2-40B4-BE49-F238E27FC236}">
+                <a16:creationId xmlns:a16="http://schemas.microsoft.com/office/drawing/2014/main" id="{E8562A68-4060-4554-9DAC-5D1CD3D8204B}"/>
+              </a:ext>
+            </a:extLst>
+          </p:cNvPr>
+          <p:cNvCxnSpPr>
+            <a:cxnSpLocks/>
+          </p:cNvCxnSpPr>
+          <p:nvPr/>
+        </p:nvCxnSpPr>
+        <p:spPr>
+          <a:xfrm flipH="1">
+            <a:off x="15297695" y="1262557"/>
+            <a:ext cx="4550848" cy="0"/>
+          </a:xfrm>
+          <a:prstGeom prst="line">
+            <a:avLst/>
+          </a:prstGeom>
+          <a:ln w="38100"/>
+        </p:spPr>
+        <p:style>
+          <a:lnRef idx="1">
+            <a:schemeClr val="accent1"/>
+          </a:lnRef>
+          <a:fillRef idx="0">
+            <a:schemeClr val="accent1"/>
+          </a:fillRef>
+          <a:effectRef idx="0">
+            <a:schemeClr val="accent1"/>
+          </a:effectRef>
+          <a:fontRef idx="minor">
+            <a:schemeClr val="tx1"/>
+          </a:fontRef>
+        </p:style>
+      </p:cxnSp>
+      <p:cxnSp>
+        <p:nvCxnSpPr>
+          <p:cNvPr id="126" name="Straight Arrow Connector 125">
+            <a:extLst>
+              <a:ext uri="{FF2B5EF4-FFF2-40B4-BE49-F238E27FC236}">
+                <a16:creationId xmlns:a16="http://schemas.microsoft.com/office/drawing/2014/main" id="{337CD67A-3262-4CBF-8B02-3C456EA612CF}"/>
+              </a:ext>
+            </a:extLst>
+          </p:cNvPr>
+          <p:cNvCxnSpPr>
+            <a:cxnSpLocks/>
+          </p:cNvCxnSpPr>
+          <p:nvPr/>
+        </p:nvCxnSpPr>
+        <p:spPr>
+          <a:xfrm>
+            <a:off x="8026312" y="1248559"/>
+            <a:ext cx="11982" cy="1392750"/>
           </a:xfrm>
           <a:prstGeom prst="straightConnector1">
             <a:avLst/>
@@ -4565,10 +5557,10 @@
       </p:cxnSp>
       <p:cxnSp>
         <p:nvCxnSpPr>
-          <p:cNvPr id="65" name="Straight Arrow Connector 64">
-            <a:extLst>
-              <a:ext uri="{FF2B5EF4-FFF2-40B4-BE49-F238E27FC236}">
-                <a16:creationId xmlns:a16="http://schemas.microsoft.com/office/drawing/2014/main" id="{07A92363-9729-4475-9934-413E63277ADD}"/>
+          <p:cNvPr id="133" name="Straight Arrow Connector 132">
+            <a:extLst>
+              <a:ext uri="{FF2B5EF4-FFF2-40B4-BE49-F238E27FC236}">
+                <a16:creationId xmlns:a16="http://schemas.microsoft.com/office/drawing/2014/main" id="{FD18B858-241E-4094-89C7-E41145683F27}"/>
               </a:ext>
             </a:extLst>
           </p:cNvPr>
@@ -4579,28 +5571,25 @@
         </p:nvCxnSpPr>
         <p:spPr>
           <a:xfrm>
-            <a:off x="6864007" y="12875855"/>
-            <a:ext cx="0" cy="765169"/>
+            <a:off x="15319831" y="1262562"/>
+            <a:ext cx="0" cy="1503817"/>
           </a:xfrm>
           <a:prstGeom prst="straightConnector1">
             <a:avLst/>
           </a:prstGeom>
           <a:ln w="38100">
-            <a:solidFill>
-              <a:schemeClr val="accent1"/>
-            </a:solidFill>
             <a:tailEnd type="triangle"/>
           </a:ln>
         </p:spPr>
         <p:style>
           <a:lnRef idx="1">
-            <a:schemeClr val="dk1"/>
+            <a:schemeClr val="accent1"/>
           </a:lnRef>
           <a:fillRef idx="0">
-            <a:schemeClr val="dk1"/>
+            <a:schemeClr val="accent1"/>
           </a:fillRef>
           <a:effectRef idx="0">
-            <a:schemeClr val="dk1"/>
+            <a:schemeClr val="accent1"/>
           </a:effectRef>
           <a:fontRef idx="minor">
             <a:schemeClr val="tx1"/>
@@ -4609,10 +5598,10 @@
       </p:cxnSp>
       <p:cxnSp>
         <p:nvCxnSpPr>
-          <p:cNvPr id="66" name="Straight Arrow Connector 65">
-            <a:extLst>
-              <a:ext uri="{FF2B5EF4-FFF2-40B4-BE49-F238E27FC236}">
-                <a16:creationId xmlns:a16="http://schemas.microsoft.com/office/drawing/2014/main" id="{6F0AE3A9-52B0-443D-9BA2-F497A8E85C26}"/>
+          <p:cNvPr id="137" name="Straight Connector 136">
+            <a:extLst>
+              <a:ext uri="{FF2B5EF4-FFF2-40B4-BE49-F238E27FC236}">
+                <a16:creationId xmlns:a16="http://schemas.microsoft.com/office/drawing/2014/main" id="{DDFE116D-F419-4FE6-ADC4-242590356980}"/>
               </a:ext>
             </a:extLst>
           </p:cNvPr>
@@ -4623,28 +5612,23 @@
         </p:nvCxnSpPr>
         <p:spPr>
           <a:xfrm>
-            <a:off x="6860983" y="14923339"/>
-            <a:ext cx="0" cy="765169"/>
-          </a:xfrm>
-          <a:prstGeom prst="straightConnector1">
-            <a:avLst/>
-          </a:prstGeom>
-          <a:ln w="38100">
-            <a:solidFill>
-              <a:schemeClr val="accent1"/>
-            </a:solidFill>
-            <a:tailEnd type="triangle"/>
-          </a:ln>
-        </p:spPr>
-        <p:style>
-          <a:lnRef idx="1">
-            <a:schemeClr val="dk1"/>
+            <a:off x="17633663" y="1262560"/>
+            <a:ext cx="0" cy="1507572"/>
+          </a:xfrm>
+          <a:prstGeom prst="line">
+            <a:avLst/>
+          </a:prstGeom>
+          <a:ln w="38100"/>
+        </p:spPr>
+        <p:style>
+          <a:lnRef idx="1">
+            <a:schemeClr val="accent1"/>
           </a:lnRef>
           <a:fillRef idx="0">
-            <a:schemeClr val="dk1"/>
+            <a:schemeClr val="accent1"/>
           </a:fillRef>
           <a:effectRef idx="0">
-            <a:schemeClr val="dk1"/>
+            <a:schemeClr val="accent1"/>
           </a:effectRef>
           <a:fontRef idx="minor">
             <a:schemeClr val="tx1"/>
@@ -4653,10 +5637,10 @@
       </p:cxnSp>
       <p:cxnSp>
         <p:nvCxnSpPr>
-          <p:cNvPr id="67" name="Straight Arrow Connector 66">
-            <a:extLst>
-              <a:ext uri="{FF2B5EF4-FFF2-40B4-BE49-F238E27FC236}">
-                <a16:creationId xmlns:a16="http://schemas.microsoft.com/office/drawing/2014/main" id="{87893FA7-5342-40DE-AD36-28FFF943E49B}"/>
+          <p:cNvPr id="139" name="Straight Connector 138">
+            <a:extLst>
+              <a:ext uri="{FF2B5EF4-FFF2-40B4-BE49-F238E27FC236}">
+                <a16:creationId xmlns:a16="http://schemas.microsoft.com/office/drawing/2014/main" id="{CD28D62F-3666-46AA-AE82-EECD0EEE6ADE}"/>
               </a:ext>
             </a:extLst>
           </p:cNvPr>
@@ -4667,28 +5651,23 @@
         </p:nvCxnSpPr>
         <p:spPr>
           <a:xfrm>
-            <a:off x="6836958" y="20357283"/>
-            <a:ext cx="0" cy="765169"/>
-          </a:xfrm>
-          <a:prstGeom prst="straightConnector1">
-            <a:avLst/>
-          </a:prstGeom>
-          <a:ln w="38100">
-            <a:solidFill>
-              <a:schemeClr val="accent1"/>
-            </a:solidFill>
-            <a:tailEnd type="triangle"/>
-          </a:ln>
-        </p:spPr>
-        <p:style>
-          <a:lnRef idx="1">
-            <a:schemeClr val="dk1"/>
+            <a:off x="19848543" y="1253705"/>
+            <a:ext cx="0" cy="1507572"/>
+          </a:xfrm>
+          <a:prstGeom prst="line">
+            <a:avLst/>
+          </a:prstGeom>
+          <a:ln w="38100"/>
+        </p:spPr>
+        <p:style>
+          <a:lnRef idx="1">
+            <a:schemeClr val="accent1"/>
           </a:lnRef>
           <a:fillRef idx="0">
-            <a:schemeClr val="dk1"/>
+            <a:schemeClr val="accent1"/>
           </a:fillRef>
           <a:effectRef idx="0">
-            <a:schemeClr val="dk1"/>
+            <a:schemeClr val="accent1"/>
           </a:effectRef>
           <a:fontRef idx="minor">
             <a:schemeClr val="tx1"/>
@@ -4697,23 +5676,61 @@
       </p:cxnSp>
       <p:cxnSp>
         <p:nvCxnSpPr>
-          <p:cNvPr id="68" name="Straight Arrow Connector 67">
-            <a:extLst>
-              <a:ext uri="{FF2B5EF4-FFF2-40B4-BE49-F238E27FC236}">
-                <a16:creationId xmlns:a16="http://schemas.microsoft.com/office/drawing/2014/main" id="{F2C76A41-BD41-49C7-BAD6-247FD9B3F000}"/>
+          <p:cNvPr id="141" name="Straight Connector 140">
+            <a:extLst>
+              <a:ext uri="{FF2B5EF4-FFF2-40B4-BE49-F238E27FC236}">
+                <a16:creationId xmlns:a16="http://schemas.microsoft.com/office/drawing/2014/main" id="{1B4E7C37-F250-4B40-9628-94C4AD341AE1}"/>
               </a:ext>
             </a:extLst>
           </p:cNvPr>
           <p:cNvCxnSpPr>
             <a:cxnSpLocks/>
-            <a:endCxn id="48" idx="0"/>
           </p:cNvCxnSpPr>
           <p:nvPr/>
         </p:nvCxnSpPr>
         <p:spPr>
           <a:xfrm flipH="1">
-            <a:off x="6806476" y="28126505"/>
-            <a:ext cx="15242" cy="2538418"/>
+            <a:off x="3523537" y="4494126"/>
+            <a:ext cx="18771898" cy="0"/>
+          </a:xfrm>
+          <a:prstGeom prst="line">
+            <a:avLst/>
+          </a:prstGeom>
+          <a:ln w="38100"/>
+        </p:spPr>
+        <p:style>
+          <a:lnRef idx="1">
+            <a:schemeClr val="accent1"/>
+          </a:lnRef>
+          <a:fillRef idx="0">
+            <a:schemeClr val="accent1"/>
+          </a:fillRef>
+          <a:effectRef idx="0">
+            <a:schemeClr val="accent1"/>
+          </a:effectRef>
+          <a:fontRef idx="minor">
+            <a:schemeClr val="tx1"/>
+          </a:fontRef>
+        </p:style>
+      </p:cxnSp>
+      <p:cxnSp>
+        <p:nvCxnSpPr>
+          <p:cNvPr id="142" name="Straight Arrow Connector 141">
+            <a:extLst>
+              <a:ext uri="{FF2B5EF4-FFF2-40B4-BE49-F238E27FC236}">
+                <a16:creationId xmlns:a16="http://schemas.microsoft.com/office/drawing/2014/main" id="{F0663F2E-A282-4D8A-8E5E-C66BC316BE12}"/>
+              </a:ext>
+            </a:extLst>
+          </p:cNvPr>
+          <p:cNvCxnSpPr>
+            <a:cxnSpLocks/>
+          </p:cNvCxnSpPr>
+          <p:nvPr/>
+        </p:nvCxnSpPr>
+        <p:spPr>
+          <a:xfrm flipV="1">
+            <a:off x="22287034" y="3133546"/>
+            <a:ext cx="5990" cy="1360580"/>
           </a:xfrm>
           <a:prstGeom prst="straightConnector1">
             <a:avLst/>
@@ -4739,10 +5756,10 @@
       </p:cxnSp>
       <p:cxnSp>
         <p:nvCxnSpPr>
-          <p:cNvPr id="69" name="Straight Arrow Connector 68">
-            <a:extLst>
-              <a:ext uri="{FF2B5EF4-FFF2-40B4-BE49-F238E27FC236}">
-                <a16:creationId xmlns:a16="http://schemas.microsoft.com/office/drawing/2014/main" id="{0DE11369-7CE5-4E57-A624-F1EE210AA936}"/>
+          <p:cNvPr id="147" name="Straight Connector 146">
+            <a:extLst>
+              <a:ext uri="{FF2B5EF4-FFF2-40B4-BE49-F238E27FC236}">
+                <a16:creationId xmlns:a16="http://schemas.microsoft.com/office/drawing/2014/main" id="{6CE5C8A0-D80E-4F3F-8D34-BC6A8E2BADEB}"/>
               </a:ext>
             </a:extLst>
           </p:cNvPr>
@@ -4753,28 +5770,23 @@
         </p:nvCxnSpPr>
         <p:spPr>
           <a:xfrm>
-            <a:off x="6824208" y="22397078"/>
-            <a:ext cx="0" cy="765169"/>
-          </a:xfrm>
-          <a:prstGeom prst="straightConnector1">
-            <a:avLst/>
-          </a:prstGeom>
-          <a:ln w="38100">
-            <a:solidFill>
-              <a:schemeClr val="accent1"/>
-            </a:solidFill>
-            <a:tailEnd type="triangle"/>
-          </a:ln>
-        </p:spPr>
-        <p:style>
-          <a:lnRef idx="1">
-            <a:schemeClr val="dk1"/>
+            <a:off x="3523533" y="3133546"/>
+            <a:ext cx="4230" cy="1360580"/>
+          </a:xfrm>
+          <a:prstGeom prst="line">
+            <a:avLst/>
+          </a:prstGeom>
+          <a:ln w="38100"/>
+        </p:spPr>
+        <p:style>
+          <a:lnRef idx="1">
+            <a:schemeClr val="accent1"/>
           </a:lnRef>
           <a:fillRef idx="0">
-            <a:schemeClr val="dk1"/>
+            <a:schemeClr val="accent1"/>
           </a:fillRef>
           <a:effectRef idx="0">
-            <a:schemeClr val="dk1"/>
+            <a:schemeClr val="accent1"/>
           </a:effectRef>
           <a:fontRef idx="minor">
             <a:schemeClr val="tx1"/>
@@ -4783,10 +5795,10 @@
       </p:cxnSp>
       <p:cxnSp>
         <p:nvCxnSpPr>
-          <p:cNvPr id="70" name="Straight Arrow Connector 69">
-            <a:extLst>
-              <a:ext uri="{FF2B5EF4-FFF2-40B4-BE49-F238E27FC236}">
-                <a16:creationId xmlns:a16="http://schemas.microsoft.com/office/drawing/2014/main" id="{151DD578-15CC-4173-9059-9475E809927D}"/>
+          <p:cNvPr id="152" name="Straight Connector 151">
+            <a:extLst>
+              <a:ext uri="{FF2B5EF4-FFF2-40B4-BE49-F238E27FC236}">
+                <a16:creationId xmlns:a16="http://schemas.microsoft.com/office/drawing/2014/main" id="{633C5CB2-3172-49CE-A3AF-0CCA08348FCD}"/>
               </a:ext>
             </a:extLst>
           </p:cNvPr>
@@ -4796,29 +5808,24 @@
           <p:nvPr/>
         </p:nvCxnSpPr>
         <p:spPr>
-          <a:xfrm>
-            <a:off x="6823333" y="24195712"/>
-            <a:ext cx="0" cy="765169"/>
-          </a:xfrm>
-          <a:prstGeom prst="straightConnector1">
-            <a:avLst/>
-          </a:prstGeom>
-          <a:ln w="38100">
-            <a:solidFill>
-              <a:schemeClr val="accent1"/>
-            </a:solidFill>
-            <a:tailEnd type="triangle"/>
-          </a:ln>
-        </p:spPr>
-        <p:style>
-          <a:lnRef idx="1">
-            <a:schemeClr val="dk1"/>
+          <a:xfrm flipH="1">
+            <a:off x="5459345" y="3151433"/>
+            <a:ext cx="2217" cy="1336338"/>
+          </a:xfrm>
+          <a:prstGeom prst="line">
+            <a:avLst/>
+          </a:prstGeom>
+          <a:ln w="38100"/>
+        </p:spPr>
+        <p:style>
+          <a:lnRef idx="1">
+            <a:schemeClr val="accent1"/>
           </a:lnRef>
           <a:fillRef idx="0">
-            <a:schemeClr val="dk1"/>
+            <a:schemeClr val="accent1"/>
           </a:fillRef>
           <a:effectRef idx="0">
-            <a:schemeClr val="dk1"/>
+            <a:schemeClr val="accent1"/>
           </a:effectRef>
           <a:fontRef idx="minor">
             <a:schemeClr val="tx1"/>
@@ -4827,10 +5834,10 @@
       </p:cxnSp>
       <p:cxnSp>
         <p:nvCxnSpPr>
-          <p:cNvPr id="71" name="Straight Arrow Connector 70">
-            <a:extLst>
-              <a:ext uri="{FF2B5EF4-FFF2-40B4-BE49-F238E27FC236}">
-                <a16:creationId xmlns:a16="http://schemas.microsoft.com/office/drawing/2014/main" id="{B785393A-9F4B-452E-9811-D30A7922C421}"/>
+          <p:cNvPr id="156" name="Straight Connector 155">
+            <a:extLst>
+              <a:ext uri="{FF2B5EF4-FFF2-40B4-BE49-F238E27FC236}">
+                <a16:creationId xmlns:a16="http://schemas.microsoft.com/office/drawing/2014/main" id="{5CD38C00-7AFF-40F3-9359-9256F3829E29}"/>
               </a:ext>
             </a:extLst>
           </p:cNvPr>
@@ -4840,29 +5847,24 @@
           <p:nvPr/>
         </p:nvCxnSpPr>
         <p:spPr>
-          <a:xfrm>
-            <a:off x="6821718" y="26259637"/>
-            <a:ext cx="0" cy="765169"/>
-          </a:xfrm>
-          <a:prstGeom prst="straightConnector1">
-            <a:avLst/>
-          </a:prstGeom>
-          <a:ln w="38100">
-            <a:solidFill>
-              <a:schemeClr val="accent1"/>
-            </a:solidFill>
-            <a:tailEnd type="triangle"/>
-          </a:ln>
-        </p:spPr>
-        <p:style>
-          <a:lnRef idx="1">
-            <a:schemeClr val="dk1"/>
+          <a:xfrm flipH="1">
+            <a:off x="8038657" y="3157790"/>
+            <a:ext cx="2217" cy="1336338"/>
+          </a:xfrm>
+          <a:prstGeom prst="line">
+            <a:avLst/>
+          </a:prstGeom>
+          <a:ln w="38100"/>
+        </p:spPr>
+        <p:style>
+          <a:lnRef idx="1">
+            <a:schemeClr val="accent1"/>
           </a:lnRef>
           <a:fillRef idx="0">
-            <a:schemeClr val="dk1"/>
+            <a:schemeClr val="accent1"/>
           </a:fillRef>
           <a:effectRef idx="0">
-            <a:schemeClr val="dk1"/>
+            <a:schemeClr val="accent1"/>
           </a:effectRef>
           <a:fontRef idx="minor">
             <a:schemeClr val="tx1"/>
@@ -4871,10 +5873,10 @@
       </p:cxnSp>
       <p:cxnSp>
         <p:nvCxnSpPr>
-          <p:cNvPr id="72" name="Straight Arrow Connector 71">
-            <a:extLst>
-              <a:ext uri="{FF2B5EF4-FFF2-40B4-BE49-F238E27FC236}">
-                <a16:creationId xmlns:a16="http://schemas.microsoft.com/office/drawing/2014/main" id="{FC576399-7E50-45BE-BD09-DEE5541D2B7A}"/>
+          <p:cNvPr id="157" name="Straight Connector 156">
+            <a:extLst>
+              <a:ext uri="{FF2B5EF4-FFF2-40B4-BE49-F238E27FC236}">
+                <a16:creationId xmlns:a16="http://schemas.microsoft.com/office/drawing/2014/main" id="{080C4996-D266-495F-8B80-14B11E297A34}"/>
               </a:ext>
             </a:extLst>
           </p:cNvPr>
@@ -4884,29 +5886,24 @@
           <p:nvPr/>
         </p:nvCxnSpPr>
         <p:spPr>
-          <a:xfrm>
-            <a:off x="6801523" y="31746653"/>
-            <a:ext cx="0" cy="765169"/>
-          </a:xfrm>
-          <a:prstGeom prst="straightConnector1">
-            <a:avLst/>
-          </a:prstGeom>
-          <a:ln w="38100">
-            <a:solidFill>
-              <a:schemeClr val="accent1"/>
-            </a:solidFill>
-            <a:tailEnd type="triangle"/>
-          </a:ln>
-        </p:spPr>
-        <p:style>
-          <a:lnRef idx="1">
-            <a:schemeClr val="dk1"/>
+          <a:xfrm flipH="1">
+            <a:off x="10638830" y="3145668"/>
+            <a:ext cx="2217" cy="1336338"/>
+          </a:xfrm>
+          <a:prstGeom prst="line">
+            <a:avLst/>
+          </a:prstGeom>
+          <a:ln w="38100"/>
+        </p:spPr>
+        <p:style>
+          <a:lnRef idx="1">
+            <a:schemeClr val="accent1"/>
           </a:lnRef>
           <a:fillRef idx="0">
-            <a:schemeClr val="dk1"/>
+            <a:schemeClr val="accent1"/>
           </a:fillRef>
           <a:effectRef idx="0">
-            <a:schemeClr val="dk1"/>
+            <a:schemeClr val="accent1"/>
           </a:effectRef>
           <a:fontRef idx="minor">
             <a:schemeClr val="tx1"/>
@@ -4915,10 +5912,10 @@
       </p:cxnSp>
       <p:cxnSp>
         <p:nvCxnSpPr>
-          <p:cNvPr id="73" name="Straight Arrow Connector 72">
-            <a:extLst>
-              <a:ext uri="{FF2B5EF4-FFF2-40B4-BE49-F238E27FC236}">
-                <a16:creationId xmlns:a16="http://schemas.microsoft.com/office/drawing/2014/main" id="{DEE92C7C-C98D-4928-9887-F73E35AD7FBE}"/>
+          <p:cNvPr id="158" name="Straight Connector 157">
+            <a:extLst>
+              <a:ext uri="{FF2B5EF4-FFF2-40B4-BE49-F238E27FC236}">
+                <a16:creationId xmlns:a16="http://schemas.microsoft.com/office/drawing/2014/main" id="{F935B37C-8932-41D0-BE82-4972CC33C4E4}"/>
               </a:ext>
             </a:extLst>
           </p:cNvPr>
@@ -4928,29 +5925,24 @@
           <p:nvPr/>
         </p:nvCxnSpPr>
         <p:spPr>
-          <a:xfrm>
-            <a:off x="6860983" y="33810992"/>
-            <a:ext cx="0" cy="765169"/>
-          </a:xfrm>
-          <a:prstGeom prst="straightConnector1">
-            <a:avLst/>
-          </a:prstGeom>
-          <a:ln w="38100">
-            <a:solidFill>
-              <a:schemeClr val="accent1"/>
-            </a:solidFill>
-            <a:tailEnd type="triangle"/>
-          </a:ln>
-        </p:spPr>
-        <p:style>
-          <a:lnRef idx="1">
-            <a:schemeClr val="dk1"/>
+          <a:xfrm flipH="1">
+            <a:off x="12569939" y="3131458"/>
+            <a:ext cx="2217" cy="1336338"/>
+          </a:xfrm>
+          <a:prstGeom prst="line">
+            <a:avLst/>
+          </a:prstGeom>
+          <a:ln w="38100"/>
+        </p:spPr>
+        <p:style>
+          <a:lnRef idx="1">
+            <a:schemeClr val="accent1"/>
           </a:lnRef>
           <a:fillRef idx="0">
-            <a:schemeClr val="dk1"/>
+            <a:schemeClr val="accent1"/>
           </a:fillRef>
           <a:effectRef idx="0">
-            <a:schemeClr val="dk1"/>
+            <a:schemeClr val="accent1"/>
           </a:effectRef>
           <a:fontRef idx="minor">
             <a:schemeClr val="tx1"/>
@@ -4959,10 +5951,10 @@
       </p:cxnSp>
       <p:cxnSp>
         <p:nvCxnSpPr>
-          <p:cNvPr id="74" name="Straight Arrow Connector 73">
-            <a:extLst>
-              <a:ext uri="{FF2B5EF4-FFF2-40B4-BE49-F238E27FC236}">
-                <a16:creationId xmlns:a16="http://schemas.microsoft.com/office/drawing/2014/main" id="{6E70E303-0D92-4F30-87B4-A6E75265D7AC}"/>
+          <p:cNvPr id="159" name="Straight Connector 158">
+            <a:extLst>
+              <a:ext uri="{FF2B5EF4-FFF2-40B4-BE49-F238E27FC236}">
+                <a16:creationId xmlns:a16="http://schemas.microsoft.com/office/drawing/2014/main" id="{AF4C046A-DDEE-493F-8190-B555CF3D2D70}"/>
               </a:ext>
             </a:extLst>
           </p:cNvPr>
@@ -4972,29 +5964,24 @@
           <p:nvPr/>
         </p:nvCxnSpPr>
         <p:spPr>
-          <a:xfrm>
-            <a:off x="6860983" y="35657886"/>
-            <a:ext cx="0" cy="765169"/>
-          </a:xfrm>
-          <a:prstGeom prst="straightConnector1">
-            <a:avLst/>
-          </a:prstGeom>
-          <a:ln w="38100">
-            <a:solidFill>
-              <a:schemeClr val="accent1"/>
-            </a:solidFill>
-            <a:tailEnd type="triangle"/>
-          </a:ln>
-        </p:spPr>
-        <p:style>
-          <a:lnRef idx="1">
-            <a:schemeClr val="dk1"/>
+          <a:xfrm flipH="1">
+            <a:off x="15168007" y="3131458"/>
+            <a:ext cx="2217" cy="1336338"/>
+          </a:xfrm>
+          <a:prstGeom prst="line">
+            <a:avLst/>
+          </a:prstGeom>
+          <a:ln w="38100"/>
+        </p:spPr>
+        <p:style>
+          <a:lnRef idx="1">
+            <a:schemeClr val="accent1"/>
           </a:lnRef>
           <a:fillRef idx="0">
-            <a:schemeClr val="dk1"/>
+            <a:schemeClr val="accent1"/>
           </a:fillRef>
           <a:effectRef idx="0">
-            <a:schemeClr val="dk1"/>
+            <a:schemeClr val="accent1"/>
           </a:effectRef>
           <a:fontRef idx="minor">
             <a:schemeClr val="tx1"/>
@@ -5003,10 +5990,10 @@
       </p:cxnSp>
       <p:cxnSp>
         <p:nvCxnSpPr>
-          <p:cNvPr id="75" name="Straight Arrow Connector 74">
-            <a:extLst>
-              <a:ext uri="{FF2B5EF4-FFF2-40B4-BE49-F238E27FC236}">
-                <a16:creationId xmlns:a16="http://schemas.microsoft.com/office/drawing/2014/main" id="{04AFEE82-7718-4298-8790-1B576F222558}"/>
+          <p:cNvPr id="160" name="Straight Connector 159">
+            <a:extLst>
+              <a:ext uri="{FF2B5EF4-FFF2-40B4-BE49-F238E27FC236}">
+                <a16:creationId xmlns:a16="http://schemas.microsoft.com/office/drawing/2014/main" id="{0A238912-0880-4473-B9B3-D63849FA44FF}"/>
               </a:ext>
             </a:extLst>
           </p:cNvPr>
@@ -5016,29 +6003,24 @@
           <p:nvPr/>
         </p:nvCxnSpPr>
         <p:spPr>
-          <a:xfrm>
-            <a:off x="6860983" y="37746355"/>
-            <a:ext cx="0" cy="765169"/>
-          </a:xfrm>
-          <a:prstGeom prst="straightConnector1">
-            <a:avLst/>
-          </a:prstGeom>
-          <a:ln w="38100">
-            <a:solidFill>
-              <a:schemeClr val="accent1"/>
-            </a:solidFill>
-            <a:tailEnd type="triangle"/>
-          </a:ln>
-        </p:spPr>
-        <p:style>
-          <a:lnRef idx="1">
-            <a:schemeClr val="dk1"/>
+          <a:xfrm flipH="1">
+            <a:off x="17756817" y="3178102"/>
+            <a:ext cx="2217" cy="1336338"/>
+          </a:xfrm>
+          <a:prstGeom prst="line">
+            <a:avLst/>
+          </a:prstGeom>
+          <a:ln w="38100"/>
+        </p:spPr>
+        <p:style>
+          <a:lnRef idx="1">
+            <a:schemeClr val="accent1"/>
           </a:lnRef>
           <a:fillRef idx="0">
-            <a:schemeClr val="dk1"/>
+            <a:schemeClr val="accent1"/>
           </a:fillRef>
           <a:effectRef idx="0">
-            <a:schemeClr val="dk1"/>
+            <a:schemeClr val="accent1"/>
           </a:effectRef>
           <a:fontRef idx="minor">
             <a:schemeClr val="tx1"/>
@@ -5047,10 +6029,10 @@
       </p:cxnSp>
       <p:cxnSp>
         <p:nvCxnSpPr>
-          <p:cNvPr id="76" name="Straight Arrow Connector 75">
-            <a:extLst>
-              <a:ext uri="{FF2B5EF4-FFF2-40B4-BE49-F238E27FC236}">
-                <a16:creationId xmlns:a16="http://schemas.microsoft.com/office/drawing/2014/main" id="{3D29E734-3F27-4E76-80E1-E419FB9F5B0F}"/>
+          <p:cNvPr id="161" name="Straight Connector 160">
+            <a:extLst>
+              <a:ext uri="{FF2B5EF4-FFF2-40B4-BE49-F238E27FC236}">
+                <a16:creationId xmlns:a16="http://schemas.microsoft.com/office/drawing/2014/main" id="{0D7447E9-59B3-47A8-A5B4-270DC255DE47}"/>
               </a:ext>
             </a:extLst>
           </p:cNvPr>
@@ -5060,16 +6042,14 @@
           <p:nvPr/>
         </p:nvCxnSpPr>
         <p:spPr>
-          <a:xfrm>
-            <a:off x="8818815" y="16244389"/>
-            <a:ext cx="8238" cy="1128030"/>
-          </a:xfrm>
-          <a:prstGeom prst="straightConnector1">
-            <a:avLst/>
-          </a:prstGeom>
-          <a:ln w="38100">
-            <a:tailEnd type="triangle"/>
-          </a:ln>
+          <a:xfrm flipH="1">
+            <a:off x="19700292" y="3166765"/>
+            <a:ext cx="2217" cy="1336338"/>
+          </a:xfrm>
+          <a:prstGeom prst="line">
+            <a:avLst/>
+          </a:prstGeom>
+          <a:ln w="38100"/>
         </p:spPr>
         <p:style>
           <a:lnRef idx="1">
@@ -5086,645 +6066,12 @@
           </a:fontRef>
         </p:style>
       </p:cxnSp>
-      <p:cxnSp>
-        <p:nvCxnSpPr>
-          <p:cNvPr id="77" name="Straight Connector 76">
-            <a:extLst>
-              <a:ext uri="{FF2B5EF4-FFF2-40B4-BE49-F238E27FC236}">
-                <a16:creationId xmlns:a16="http://schemas.microsoft.com/office/drawing/2014/main" id="{F06C5DF2-CD09-4C55-8538-BC421C370644}"/>
-              </a:ext>
-            </a:extLst>
-          </p:cNvPr>
-          <p:cNvCxnSpPr>
-            <a:cxnSpLocks/>
-            <a:stCxn id="39" idx="3"/>
-          </p:cNvCxnSpPr>
-          <p:nvPr/>
-        </p:nvCxnSpPr>
-        <p:spPr>
-          <a:xfrm>
-            <a:off x="7401848" y="16229370"/>
-            <a:ext cx="1425207" cy="15021"/>
-          </a:xfrm>
-          <a:prstGeom prst="line">
-            <a:avLst/>
-          </a:prstGeom>
-          <a:ln w="38100"/>
-        </p:spPr>
-        <p:style>
-          <a:lnRef idx="1">
-            <a:schemeClr val="accent1"/>
-          </a:lnRef>
-          <a:fillRef idx="0">
-            <a:schemeClr val="accent1"/>
-          </a:fillRef>
-          <a:effectRef idx="0">
-            <a:schemeClr val="accent1"/>
-          </a:effectRef>
-          <a:fontRef idx="minor">
-            <a:schemeClr val="tx1"/>
-          </a:fontRef>
-        </p:style>
-      </p:cxnSp>
-      <p:cxnSp>
-        <p:nvCxnSpPr>
-          <p:cNvPr id="78" name="Straight Arrow Connector 77">
-            <a:extLst>
-              <a:ext uri="{FF2B5EF4-FFF2-40B4-BE49-F238E27FC236}">
-                <a16:creationId xmlns:a16="http://schemas.microsoft.com/office/drawing/2014/main" id="{CE2E49D0-E2BB-45FD-8931-AC2BFC81739F}"/>
-              </a:ext>
-            </a:extLst>
-          </p:cNvPr>
-          <p:cNvCxnSpPr>
-            <a:cxnSpLocks/>
-          </p:cNvCxnSpPr>
-          <p:nvPr/>
-        </p:nvCxnSpPr>
-        <p:spPr>
-          <a:xfrm flipH="1" flipV="1">
-            <a:off x="7418052" y="19814790"/>
-            <a:ext cx="1392525" cy="11294"/>
-          </a:xfrm>
-          <a:prstGeom prst="straightConnector1">
-            <a:avLst/>
-          </a:prstGeom>
-          <a:ln w="38100">
-            <a:tailEnd type="triangle"/>
-          </a:ln>
-        </p:spPr>
-        <p:style>
-          <a:lnRef idx="1">
-            <a:schemeClr val="accent1"/>
-          </a:lnRef>
-          <a:fillRef idx="0">
-            <a:schemeClr val="accent1"/>
-          </a:fillRef>
-          <a:effectRef idx="0">
-            <a:schemeClr val="accent1"/>
-          </a:effectRef>
-          <a:fontRef idx="minor">
-            <a:schemeClr val="tx1"/>
-          </a:fontRef>
-        </p:style>
-      </p:cxnSp>
-      <p:cxnSp>
-        <p:nvCxnSpPr>
-          <p:cNvPr id="79" name="Straight Connector 78">
-            <a:extLst>
-              <a:ext uri="{FF2B5EF4-FFF2-40B4-BE49-F238E27FC236}">
-                <a16:creationId xmlns:a16="http://schemas.microsoft.com/office/drawing/2014/main" id="{54BDBCBC-AEE8-493E-85F2-659616F0C75D}"/>
-              </a:ext>
-            </a:extLst>
-          </p:cNvPr>
-          <p:cNvCxnSpPr>
-            <a:cxnSpLocks/>
-          </p:cNvCxnSpPr>
-          <p:nvPr/>
-        </p:nvCxnSpPr>
-        <p:spPr>
-          <a:xfrm flipV="1">
-            <a:off x="8811816" y="18671172"/>
-            <a:ext cx="12089" cy="1152864"/>
-          </a:xfrm>
-          <a:prstGeom prst="line">
-            <a:avLst/>
-          </a:prstGeom>
-          <a:ln w="38100"/>
-        </p:spPr>
-        <p:style>
-          <a:lnRef idx="1">
-            <a:schemeClr val="accent1"/>
-          </a:lnRef>
-          <a:fillRef idx="0">
-            <a:schemeClr val="accent1"/>
-          </a:fillRef>
-          <a:effectRef idx="0">
-            <a:schemeClr val="accent1"/>
-          </a:effectRef>
-          <a:fontRef idx="minor">
-            <a:schemeClr val="tx1"/>
-          </a:fontRef>
-        </p:style>
-      </p:cxnSp>
-      <p:cxnSp>
-        <p:nvCxnSpPr>
-          <p:cNvPr id="80" name="Straight Arrow Connector 79">
-            <a:extLst>
-              <a:ext uri="{FF2B5EF4-FFF2-40B4-BE49-F238E27FC236}">
-                <a16:creationId xmlns:a16="http://schemas.microsoft.com/office/drawing/2014/main" id="{8B85C472-3D46-46D2-B44E-121ABE0FF10B}"/>
-              </a:ext>
-            </a:extLst>
-          </p:cNvPr>
-          <p:cNvCxnSpPr>
-            <a:cxnSpLocks/>
-          </p:cNvCxnSpPr>
-          <p:nvPr/>
-        </p:nvCxnSpPr>
-        <p:spPr>
-          <a:xfrm>
-            <a:off x="8784384" y="27602702"/>
-            <a:ext cx="8238" cy="1128030"/>
-          </a:xfrm>
-          <a:prstGeom prst="straightConnector1">
-            <a:avLst/>
-          </a:prstGeom>
-          <a:ln w="38100">
-            <a:tailEnd type="triangle"/>
-          </a:ln>
-        </p:spPr>
-        <p:style>
-          <a:lnRef idx="1">
-            <a:schemeClr val="accent1"/>
-          </a:lnRef>
-          <a:fillRef idx="0">
-            <a:schemeClr val="accent1"/>
-          </a:fillRef>
-          <a:effectRef idx="0">
-            <a:schemeClr val="accent1"/>
-          </a:effectRef>
-          <a:fontRef idx="minor">
-            <a:schemeClr val="tx1"/>
-          </a:fontRef>
-        </p:style>
-      </p:cxnSp>
-      <p:cxnSp>
-        <p:nvCxnSpPr>
-          <p:cNvPr id="81" name="Straight Connector 80">
-            <a:extLst>
-              <a:ext uri="{FF2B5EF4-FFF2-40B4-BE49-F238E27FC236}">
-                <a16:creationId xmlns:a16="http://schemas.microsoft.com/office/drawing/2014/main" id="{07BF3883-EAF8-40D6-B700-C33D4C22D1B4}"/>
-              </a:ext>
-            </a:extLst>
-          </p:cNvPr>
-          <p:cNvCxnSpPr>
-            <a:cxnSpLocks/>
-          </p:cNvCxnSpPr>
-          <p:nvPr/>
-        </p:nvCxnSpPr>
-        <p:spPr>
-          <a:xfrm>
-            <a:off x="7414104" y="27592769"/>
-            <a:ext cx="1378518" cy="9939"/>
-          </a:xfrm>
-          <a:prstGeom prst="line">
-            <a:avLst/>
-          </a:prstGeom>
-          <a:ln w="38100"/>
-        </p:spPr>
-        <p:style>
-          <a:lnRef idx="1">
-            <a:schemeClr val="accent1"/>
-          </a:lnRef>
-          <a:fillRef idx="0">
-            <a:schemeClr val="accent1"/>
-          </a:fillRef>
-          <a:effectRef idx="0">
-            <a:schemeClr val="accent1"/>
-          </a:effectRef>
-          <a:fontRef idx="minor">
-            <a:schemeClr val="tx1"/>
-          </a:fontRef>
-        </p:style>
-      </p:cxnSp>
-      <p:cxnSp>
-        <p:nvCxnSpPr>
-          <p:cNvPr id="82" name="Straight Arrow Connector 81">
-            <a:extLst>
-              <a:ext uri="{FF2B5EF4-FFF2-40B4-BE49-F238E27FC236}">
-                <a16:creationId xmlns:a16="http://schemas.microsoft.com/office/drawing/2014/main" id="{09083A3C-1472-43E6-9C82-77EA861FC36F}"/>
-              </a:ext>
-            </a:extLst>
-          </p:cNvPr>
-          <p:cNvCxnSpPr>
-            <a:cxnSpLocks/>
-          </p:cNvCxnSpPr>
-          <p:nvPr/>
-        </p:nvCxnSpPr>
-        <p:spPr>
-          <a:xfrm flipH="1" flipV="1">
-            <a:off x="7383622" y="31173107"/>
-            <a:ext cx="1392525" cy="11294"/>
-          </a:xfrm>
-          <a:prstGeom prst="straightConnector1">
-            <a:avLst/>
-          </a:prstGeom>
-          <a:ln w="38100">
-            <a:tailEnd type="triangle"/>
-          </a:ln>
-        </p:spPr>
-        <p:style>
-          <a:lnRef idx="1">
-            <a:schemeClr val="accent1"/>
-          </a:lnRef>
-          <a:fillRef idx="0">
-            <a:schemeClr val="accent1"/>
-          </a:fillRef>
-          <a:effectRef idx="0">
-            <a:schemeClr val="accent1"/>
-          </a:effectRef>
-          <a:fontRef idx="minor">
-            <a:schemeClr val="tx1"/>
-          </a:fontRef>
-        </p:style>
-      </p:cxnSp>
-      <p:cxnSp>
-        <p:nvCxnSpPr>
-          <p:cNvPr id="83" name="Straight Connector 82">
-            <a:extLst>
-              <a:ext uri="{FF2B5EF4-FFF2-40B4-BE49-F238E27FC236}">
-                <a16:creationId xmlns:a16="http://schemas.microsoft.com/office/drawing/2014/main" id="{C7DB0309-2157-44EB-9B89-10819B764779}"/>
-              </a:ext>
-            </a:extLst>
-          </p:cNvPr>
-          <p:cNvCxnSpPr>
-            <a:cxnSpLocks/>
-          </p:cNvCxnSpPr>
-          <p:nvPr/>
-        </p:nvCxnSpPr>
-        <p:spPr>
-          <a:xfrm flipV="1">
-            <a:off x="8777387" y="30029489"/>
-            <a:ext cx="12089" cy="1152864"/>
-          </a:xfrm>
-          <a:prstGeom prst="line">
-            <a:avLst/>
-          </a:prstGeom>
-          <a:ln w="38100"/>
-        </p:spPr>
-        <p:style>
-          <a:lnRef idx="1">
-            <a:schemeClr val="accent1"/>
-          </a:lnRef>
-          <a:fillRef idx="0">
-            <a:schemeClr val="accent1"/>
-          </a:fillRef>
-          <a:effectRef idx="0">
-            <a:schemeClr val="accent1"/>
-          </a:effectRef>
-          <a:fontRef idx="minor">
-            <a:schemeClr val="tx1"/>
-          </a:fontRef>
-        </p:style>
-      </p:cxnSp>
-      <p:cxnSp>
-        <p:nvCxnSpPr>
-          <p:cNvPr id="90" name="Straight Arrow Connector 89">
-            <a:extLst>
-              <a:ext uri="{FF2B5EF4-FFF2-40B4-BE49-F238E27FC236}">
-                <a16:creationId xmlns:a16="http://schemas.microsoft.com/office/drawing/2014/main" id="{151528F6-72D3-4676-8889-C2A6CA6363E5}"/>
-              </a:ext>
-            </a:extLst>
-          </p:cNvPr>
-          <p:cNvCxnSpPr>
-            <a:cxnSpLocks/>
-            <a:endCxn id="43" idx="3"/>
-          </p:cNvCxnSpPr>
-          <p:nvPr/>
-        </p:nvCxnSpPr>
-        <p:spPr>
-          <a:xfrm flipH="1">
-            <a:off x="7398863" y="12351430"/>
-            <a:ext cx="3620833" cy="0"/>
-          </a:xfrm>
-          <a:prstGeom prst="straightConnector1">
-            <a:avLst/>
-          </a:prstGeom>
-          <a:ln w="38100">
-            <a:solidFill>
-              <a:schemeClr val="accent1"/>
-            </a:solidFill>
-            <a:tailEnd type="triangle"/>
-          </a:ln>
-        </p:spPr>
-        <p:style>
-          <a:lnRef idx="1">
-            <a:schemeClr val="accent1"/>
-          </a:lnRef>
-          <a:fillRef idx="0">
-            <a:schemeClr val="accent1"/>
-          </a:fillRef>
-          <a:effectRef idx="0">
-            <a:schemeClr val="accent1"/>
-          </a:effectRef>
-          <a:fontRef idx="minor">
-            <a:schemeClr val="tx1"/>
-          </a:fontRef>
-        </p:style>
-      </p:cxnSp>
-      <p:cxnSp>
-        <p:nvCxnSpPr>
-          <p:cNvPr id="93" name="Straight Arrow Connector 92">
-            <a:extLst>
-              <a:ext uri="{FF2B5EF4-FFF2-40B4-BE49-F238E27FC236}">
-                <a16:creationId xmlns:a16="http://schemas.microsoft.com/office/drawing/2014/main" id="{ED66E4FC-334F-41B4-AE16-E5AA447C49CD}"/>
-              </a:ext>
-            </a:extLst>
-          </p:cNvPr>
-          <p:cNvCxnSpPr>
-            <a:cxnSpLocks/>
-          </p:cNvCxnSpPr>
-          <p:nvPr/>
-        </p:nvCxnSpPr>
-        <p:spPr>
-          <a:xfrm flipH="1">
-            <a:off x="7347341" y="23678975"/>
-            <a:ext cx="3620833" cy="0"/>
-          </a:xfrm>
-          <a:prstGeom prst="straightConnector1">
-            <a:avLst/>
-          </a:prstGeom>
-          <a:ln w="38100">
-            <a:tailEnd type="triangle"/>
-          </a:ln>
-        </p:spPr>
-        <p:style>
-          <a:lnRef idx="1">
-            <a:schemeClr val="accent1"/>
-          </a:lnRef>
-          <a:fillRef idx="0">
-            <a:schemeClr val="accent1"/>
-          </a:fillRef>
-          <a:effectRef idx="0">
-            <a:schemeClr val="accent1"/>
-          </a:effectRef>
-          <a:fontRef idx="minor">
-            <a:schemeClr val="tx1"/>
-          </a:fontRef>
-        </p:style>
-      </p:cxnSp>
-      <p:cxnSp>
-        <p:nvCxnSpPr>
-          <p:cNvPr id="95" name="Straight Connector 94">
-            <a:extLst>
-              <a:ext uri="{FF2B5EF4-FFF2-40B4-BE49-F238E27FC236}">
-                <a16:creationId xmlns:a16="http://schemas.microsoft.com/office/drawing/2014/main" id="{49739028-B549-4CC5-8E2E-AEED41F50528}"/>
-              </a:ext>
-            </a:extLst>
-          </p:cNvPr>
-          <p:cNvCxnSpPr>
-            <a:cxnSpLocks/>
-          </p:cNvCxnSpPr>
-          <p:nvPr/>
-        </p:nvCxnSpPr>
-        <p:spPr>
-          <a:xfrm>
-            <a:off x="10998651" y="12336190"/>
-            <a:ext cx="55472" cy="11060102"/>
-          </a:xfrm>
-          <a:prstGeom prst="line">
-            <a:avLst/>
-          </a:prstGeom>
-          <a:ln w="38100"/>
-        </p:spPr>
-        <p:style>
-          <a:lnRef idx="1">
-            <a:schemeClr val="accent1"/>
-          </a:lnRef>
-          <a:fillRef idx="0">
-            <a:schemeClr val="accent1"/>
-          </a:fillRef>
-          <a:effectRef idx="0">
-            <a:schemeClr val="accent1"/>
-          </a:effectRef>
-          <a:fontRef idx="minor">
-            <a:schemeClr val="tx1"/>
-          </a:fontRef>
-        </p:style>
-      </p:cxnSp>
-      <p:cxnSp>
-        <p:nvCxnSpPr>
-          <p:cNvPr id="97" name="Straight Connector 96">
-            <a:extLst>
-              <a:ext uri="{FF2B5EF4-FFF2-40B4-BE49-F238E27FC236}">
-                <a16:creationId xmlns:a16="http://schemas.microsoft.com/office/drawing/2014/main" id="{A95E06D7-085F-414E-A9BC-1D776304C0E3}"/>
-              </a:ext>
-            </a:extLst>
-          </p:cNvPr>
-          <p:cNvCxnSpPr>
-            <a:cxnSpLocks/>
-          </p:cNvCxnSpPr>
-          <p:nvPr/>
-        </p:nvCxnSpPr>
-        <p:spPr>
-          <a:xfrm>
-            <a:off x="10987079" y="23678976"/>
-            <a:ext cx="39311" cy="7756064"/>
-          </a:xfrm>
-          <a:prstGeom prst="line">
-            <a:avLst/>
-          </a:prstGeom>
-          <a:ln w="38100"/>
-        </p:spPr>
-        <p:style>
-          <a:lnRef idx="1">
-            <a:schemeClr val="accent1"/>
-          </a:lnRef>
-          <a:fillRef idx="0">
-            <a:schemeClr val="accent1"/>
-          </a:fillRef>
-          <a:effectRef idx="0">
-            <a:schemeClr val="accent1"/>
-          </a:effectRef>
-          <a:fontRef idx="minor">
-            <a:schemeClr val="tx1"/>
-          </a:fontRef>
-        </p:style>
-      </p:cxnSp>
-      <p:cxnSp>
-        <p:nvCxnSpPr>
-          <p:cNvPr id="99" name="Straight Connector 98">
-            <a:extLst>
-              <a:ext uri="{FF2B5EF4-FFF2-40B4-BE49-F238E27FC236}">
-                <a16:creationId xmlns:a16="http://schemas.microsoft.com/office/drawing/2014/main" id="{F0406469-93B6-4FBB-917D-D7C43C187D76}"/>
-              </a:ext>
-            </a:extLst>
-          </p:cNvPr>
-          <p:cNvCxnSpPr/>
-          <p:nvPr/>
-        </p:nvCxnSpPr>
-        <p:spPr>
-          <a:xfrm>
-            <a:off x="7123131" y="15920720"/>
-            <a:ext cx="3845043" cy="0"/>
-          </a:xfrm>
-          <a:prstGeom prst="line">
-            <a:avLst/>
-          </a:prstGeom>
-          <a:ln w="38100"/>
-        </p:spPr>
-        <p:style>
-          <a:lnRef idx="1">
-            <a:schemeClr val="accent1"/>
-          </a:lnRef>
-          <a:fillRef idx="0">
-            <a:schemeClr val="accent1"/>
-          </a:fillRef>
-          <a:effectRef idx="0">
-            <a:schemeClr val="accent1"/>
-          </a:effectRef>
-          <a:fontRef idx="minor">
-            <a:schemeClr val="tx1"/>
-          </a:fontRef>
-        </p:style>
-      </p:cxnSp>
-      <p:cxnSp>
-        <p:nvCxnSpPr>
-          <p:cNvPr id="100" name="Straight Connector 99">
-            <a:extLst>
-              <a:ext uri="{FF2B5EF4-FFF2-40B4-BE49-F238E27FC236}">
-                <a16:creationId xmlns:a16="http://schemas.microsoft.com/office/drawing/2014/main" id="{BA6FC141-4161-4A88-AF00-9D40DA1A1742}"/>
-              </a:ext>
-            </a:extLst>
-          </p:cNvPr>
-          <p:cNvCxnSpPr/>
-          <p:nvPr/>
-        </p:nvCxnSpPr>
-        <p:spPr>
-          <a:xfrm>
-            <a:off x="7215293" y="20025360"/>
-            <a:ext cx="3845043" cy="0"/>
-          </a:xfrm>
-          <a:prstGeom prst="line">
-            <a:avLst/>
-          </a:prstGeom>
-          <a:ln w="38100"/>
-        </p:spPr>
-        <p:style>
-          <a:lnRef idx="1">
-            <a:schemeClr val="accent1"/>
-          </a:lnRef>
-          <a:fillRef idx="0">
-            <a:schemeClr val="accent1"/>
-          </a:fillRef>
-          <a:effectRef idx="0">
-            <a:schemeClr val="accent1"/>
-          </a:effectRef>
-          <a:fontRef idx="minor">
-            <a:schemeClr val="tx1"/>
-          </a:fontRef>
-        </p:style>
-      </p:cxnSp>
-      <p:cxnSp>
-        <p:nvCxnSpPr>
-          <p:cNvPr id="101" name="Straight Connector 100">
-            <a:extLst>
-              <a:ext uri="{FF2B5EF4-FFF2-40B4-BE49-F238E27FC236}">
-                <a16:creationId xmlns:a16="http://schemas.microsoft.com/office/drawing/2014/main" id="{08FFCB6B-CB6F-4B14-B413-C73B8086045A}"/>
-              </a:ext>
-            </a:extLst>
-          </p:cNvPr>
-          <p:cNvCxnSpPr/>
-          <p:nvPr/>
-        </p:nvCxnSpPr>
-        <p:spPr>
-          <a:xfrm>
-            <a:off x="7163079" y="27310080"/>
-            <a:ext cx="3845043" cy="0"/>
-          </a:xfrm>
-          <a:prstGeom prst="line">
-            <a:avLst/>
-          </a:prstGeom>
-          <a:ln w="38100"/>
-        </p:spPr>
-        <p:style>
-          <a:lnRef idx="1">
-            <a:schemeClr val="accent1"/>
-          </a:lnRef>
-          <a:fillRef idx="0">
-            <a:schemeClr val="accent1"/>
-          </a:fillRef>
-          <a:effectRef idx="0">
-            <a:schemeClr val="accent1"/>
-          </a:effectRef>
-          <a:fontRef idx="minor">
-            <a:schemeClr val="tx1"/>
-          </a:fontRef>
-        </p:style>
-      </p:cxnSp>
-      <p:cxnSp>
-        <p:nvCxnSpPr>
-          <p:cNvPr id="102" name="Straight Connector 101">
-            <a:extLst>
-              <a:ext uri="{FF2B5EF4-FFF2-40B4-BE49-F238E27FC236}">
-                <a16:creationId xmlns:a16="http://schemas.microsoft.com/office/drawing/2014/main" id="{44AEDBD9-B861-4B51-9E2B-D442353A4E0E}"/>
-              </a:ext>
-            </a:extLst>
-          </p:cNvPr>
-          <p:cNvCxnSpPr/>
-          <p:nvPr/>
-        </p:nvCxnSpPr>
-        <p:spPr>
-          <a:xfrm>
-            <a:off x="7174653" y="31435040"/>
-            <a:ext cx="3845043" cy="0"/>
-          </a:xfrm>
-          <a:prstGeom prst="line">
-            <a:avLst/>
-          </a:prstGeom>
-          <a:ln w="38100">
-            <a:solidFill>
-              <a:schemeClr val="accent1"/>
-            </a:solidFill>
-          </a:ln>
-        </p:spPr>
-        <p:style>
-          <a:lnRef idx="1">
-            <a:schemeClr val="accent1"/>
-          </a:lnRef>
-          <a:fillRef idx="0">
-            <a:schemeClr val="accent1"/>
-          </a:fillRef>
-          <a:effectRef idx="0">
-            <a:schemeClr val="accent1"/>
-          </a:effectRef>
-          <a:fontRef idx="minor">
-            <a:schemeClr val="tx1"/>
-          </a:fontRef>
-        </p:style>
-      </p:cxnSp>
-      <p:cxnSp>
-        <p:nvCxnSpPr>
-          <p:cNvPr id="112" name="Straight Connector 111">
-            <a:extLst>
-              <a:ext uri="{FF2B5EF4-FFF2-40B4-BE49-F238E27FC236}">
-                <a16:creationId xmlns:a16="http://schemas.microsoft.com/office/drawing/2014/main" id="{72A11F9F-2641-4EC1-BF9A-DFA51698DAD2}"/>
-              </a:ext>
-            </a:extLst>
-          </p:cNvPr>
-          <p:cNvCxnSpPr/>
-          <p:nvPr/>
-        </p:nvCxnSpPr>
-        <p:spPr>
-          <a:xfrm flipV="1">
-            <a:off x="7089342" y="23367372"/>
-            <a:ext cx="3972231" cy="18985"/>
-          </a:xfrm>
-          <a:prstGeom prst="line">
-            <a:avLst/>
-          </a:prstGeom>
-          <a:ln w="38100"/>
-        </p:spPr>
-        <p:style>
-          <a:lnRef idx="1">
-            <a:schemeClr val="accent1"/>
-          </a:lnRef>
-          <a:fillRef idx="0">
-            <a:schemeClr val="accent1"/>
-          </a:fillRef>
-          <a:effectRef idx="0">
-            <a:schemeClr val="accent1"/>
-          </a:effectRef>
-          <a:fontRef idx="minor">
-            <a:schemeClr val="tx1"/>
-          </a:fontRef>
-        </p:style>
-      </p:cxnSp>
-      <p:sp>
-        <p:nvSpPr>
-          <p:cNvPr id="119" name="TextBox 118">
-            <a:extLst>
-              <a:ext uri="{FF2B5EF4-FFF2-40B4-BE49-F238E27FC236}">
-                <a16:creationId xmlns:a16="http://schemas.microsoft.com/office/drawing/2014/main" id="{8F14695A-D0F9-4BEC-90F8-71A02581AD11}"/>
+      <p:sp>
+        <p:nvSpPr>
+          <p:cNvPr id="162" name="TextBox 161">
+            <a:extLst>
+              <a:ext uri="{FF2B5EF4-FFF2-40B4-BE49-F238E27FC236}">
+                <a16:creationId xmlns:a16="http://schemas.microsoft.com/office/drawing/2014/main" id="{C0E269CD-80AC-4F47-8480-7ECA7511EB68}"/>
               </a:ext>
             </a:extLst>
           </p:cNvPr>
@@ -5733,8 +6080,8 @@
         </p:nvSpPr>
         <p:spPr>
           <a:xfrm>
-            <a:off x="11626751" y="12336191"/>
-            <a:ext cx="861774" cy="11050164"/>
+            <a:off x="8026309" y="244375"/>
+            <a:ext cx="11822230" cy="707886"/>
           </a:xfrm>
           <a:prstGeom prst="rect">
             <a:avLst/>
@@ -5742,25 +6089,25 @@
           <a:noFill/>
         </p:spPr>
         <p:txBody>
-          <a:bodyPr vert="vert" wrap="square" rtlCol="0">
+          <a:bodyPr wrap="square" rtlCol="0">
             <a:spAutoFit/>
           </a:bodyPr>
           <a:lstStyle/>
           <a:p>
             <a:pPr algn="ctr"/>
             <a:r>
-              <a:rPr lang="en-US" sz="4400" dirty="0"/>
-              <a:t>[back command entered by user]</a:t>
-            </a:r>
-          </a:p>
-        </p:txBody>
-      </p:sp>
-      <p:sp>
-        <p:nvSpPr>
-          <p:cNvPr id="120" name="TextBox 119">
-            <a:extLst>
-              <a:ext uri="{FF2B5EF4-FFF2-40B4-BE49-F238E27FC236}">
-                <a16:creationId xmlns:a16="http://schemas.microsoft.com/office/drawing/2014/main" id="{0F6B226B-482D-46BF-96C1-C3E4900FE8A6}"/>
+              <a:rPr lang="en-US" sz="4000" dirty="0"/>
+              <a:t>[user executes the back command]</a:t>
+            </a:r>
+          </a:p>
+        </p:txBody>
+      </p:sp>
+      <p:sp>
+        <p:nvSpPr>
+          <p:cNvPr id="163" name="TextBox 162">
+            <a:extLst>
+              <a:ext uri="{FF2B5EF4-FFF2-40B4-BE49-F238E27FC236}">
+                <a16:creationId xmlns:a16="http://schemas.microsoft.com/office/drawing/2014/main" id="{5F9EEF10-D566-4E77-809F-608E74DDA3C9}"/>
               </a:ext>
             </a:extLst>
           </p:cNvPr>
@@ -5769,8 +6116,8 @@
         </p:nvSpPr>
         <p:spPr>
           <a:xfrm>
-            <a:off x="10991709" y="23676822"/>
-            <a:ext cx="1538883" cy="7756064"/>
+            <a:off x="3496803" y="4516259"/>
+            <a:ext cx="18790232" cy="769441"/>
           </a:xfrm>
           <a:prstGeom prst="rect">
             <a:avLst/>
@@ -5778,7 +6125,7 @@
           <a:noFill/>
         </p:spPr>
         <p:txBody>
-          <a:bodyPr vert="vert" wrap="square" rtlCol="0">
+          <a:bodyPr wrap="square" rtlCol="0">
             <a:spAutoFit/>
           </a:bodyPr>
           <a:lstStyle/>
@@ -5786,428 +6133,7 @@
             <a:pPr algn="ctr"/>
             <a:r>
               <a:rPr lang="en-US" sz="4400" dirty="0"/>
-              <a:t>[back command entered by user]</a:t>
-            </a:r>
-          </a:p>
-          <a:p>
-            <a:endParaRPr lang="en-US" sz="4400" dirty="0"/>
-          </a:p>
-        </p:txBody>
-      </p:sp>
-      <p:cxnSp>
-        <p:nvCxnSpPr>
-          <p:cNvPr id="124" name="Straight Connector 123">
-            <a:extLst>
-              <a:ext uri="{FF2B5EF4-FFF2-40B4-BE49-F238E27FC236}">
-                <a16:creationId xmlns:a16="http://schemas.microsoft.com/office/drawing/2014/main" id="{F258E95A-3688-4872-9C4E-4C0A5EE2798C}"/>
-              </a:ext>
-            </a:extLst>
-          </p:cNvPr>
-          <p:cNvCxnSpPr>
-            <a:cxnSpLocks/>
-          </p:cNvCxnSpPr>
-          <p:nvPr/>
-        </p:nvCxnSpPr>
-        <p:spPr>
-          <a:xfrm flipH="1" flipV="1">
-            <a:off x="3035148" y="31214929"/>
-            <a:ext cx="3230468" cy="1"/>
-          </a:xfrm>
-          <a:prstGeom prst="line">
-            <a:avLst/>
-          </a:prstGeom>
-          <a:ln w="38100"/>
-        </p:spPr>
-        <p:style>
-          <a:lnRef idx="1">
-            <a:schemeClr val="accent1"/>
-          </a:lnRef>
-          <a:fillRef idx="0">
-            <a:schemeClr val="accent1"/>
-          </a:fillRef>
-          <a:effectRef idx="0">
-            <a:schemeClr val="accent1"/>
-          </a:effectRef>
-          <a:fontRef idx="minor">
-            <a:schemeClr val="tx1"/>
-          </a:fontRef>
-        </p:style>
-      </p:cxnSp>
-      <p:cxnSp>
-        <p:nvCxnSpPr>
-          <p:cNvPr id="126" name="Straight Connector 125">
-            <a:extLst>
-              <a:ext uri="{FF2B5EF4-FFF2-40B4-BE49-F238E27FC236}">
-                <a16:creationId xmlns:a16="http://schemas.microsoft.com/office/drawing/2014/main" id="{118D2D70-DB4E-4679-8E97-C58658A220CD}"/>
-              </a:ext>
-            </a:extLst>
-          </p:cNvPr>
-          <p:cNvCxnSpPr>
-            <a:cxnSpLocks/>
-          </p:cNvCxnSpPr>
-          <p:nvPr/>
-        </p:nvCxnSpPr>
-        <p:spPr>
-          <a:xfrm flipH="1" flipV="1">
-            <a:off x="2972995" y="27541536"/>
-            <a:ext cx="3344145" cy="1"/>
-          </a:xfrm>
-          <a:prstGeom prst="line">
-            <a:avLst/>
-          </a:prstGeom>
-          <a:ln w="38100"/>
-        </p:spPr>
-        <p:style>
-          <a:lnRef idx="1">
-            <a:schemeClr val="accent1"/>
-          </a:lnRef>
-          <a:fillRef idx="0">
-            <a:schemeClr val="accent1"/>
-          </a:fillRef>
-          <a:effectRef idx="0">
-            <a:schemeClr val="accent1"/>
-          </a:effectRef>
-          <a:fontRef idx="minor">
-            <a:schemeClr val="tx1"/>
-          </a:fontRef>
-        </p:style>
-      </p:cxnSp>
-      <p:cxnSp>
-        <p:nvCxnSpPr>
-          <p:cNvPr id="127" name="Straight Connector 126">
-            <a:extLst>
-              <a:ext uri="{FF2B5EF4-FFF2-40B4-BE49-F238E27FC236}">
-                <a16:creationId xmlns:a16="http://schemas.microsoft.com/office/drawing/2014/main" id="{F3219D2B-09F1-4232-A74C-C5F486FD98E2}"/>
-              </a:ext>
-            </a:extLst>
-          </p:cNvPr>
-          <p:cNvCxnSpPr>
-            <a:cxnSpLocks/>
-          </p:cNvCxnSpPr>
-          <p:nvPr/>
-        </p:nvCxnSpPr>
-        <p:spPr>
-          <a:xfrm flipH="1" flipV="1">
-            <a:off x="3019906" y="23691669"/>
-            <a:ext cx="3266749" cy="1"/>
-          </a:xfrm>
-          <a:prstGeom prst="line">
-            <a:avLst/>
-          </a:prstGeom>
-          <a:ln w="38100"/>
-        </p:spPr>
-        <p:style>
-          <a:lnRef idx="1">
-            <a:schemeClr val="accent1"/>
-          </a:lnRef>
-          <a:fillRef idx="0">
-            <a:schemeClr val="accent1"/>
-          </a:fillRef>
-          <a:effectRef idx="0">
-            <a:schemeClr val="accent1"/>
-          </a:effectRef>
-          <a:fontRef idx="minor">
-            <a:schemeClr val="tx1"/>
-          </a:fontRef>
-        </p:style>
-      </p:cxnSp>
-      <p:cxnSp>
-        <p:nvCxnSpPr>
-          <p:cNvPr id="128" name="Straight Connector 127">
-            <a:extLst>
-              <a:ext uri="{FF2B5EF4-FFF2-40B4-BE49-F238E27FC236}">
-                <a16:creationId xmlns:a16="http://schemas.microsoft.com/office/drawing/2014/main" id="{824DCD90-ACBD-4055-B345-AEF76F72470C}"/>
-              </a:ext>
-            </a:extLst>
-          </p:cNvPr>
-          <p:cNvCxnSpPr/>
-          <p:nvPr/>
-        </p:nvCxnSpPr>
-        <p:spPr>
-          <a:xfrm flipH="1" flipV="1">
-            <a:off x="2941321" y="19819471"/>
-            <a:ext cx="3375816" cy="9139"/>
-          </a:xfrm>
-          <a:prstGeom prst="line">
-            <a:avLst/>
-          </a:prstGeom>
-          <a:ln w="38100"/>
-        </p:spPr>
-        <p:style>
-          <a:lnRef idx="1">
-            <a:schemeClr val="accent1"/>
-          </a:lnRef>
-          <a:fillRef idx="0">
-            <a:schemeClr val="accent1"/>
-          </a:fillRef>
-          <a:effectRef idx="0">
-            <a:schemeClr val="accent1"/>
-          </a:effectRef>
-          <a:fontRef idx="minor">
-            <a:schemeClr val="tx1"/>
-          </a:fontRef>
-        </p:style>
-      </p:cxnSp>
-      <p:cxnSp>
-        <p:nvCxnSpPr>
-          <p:cNvPr id="129" name="Straight Connector 128">
-            <a:extLst>
-              <a:ext uri="{FF2B5EF4-FFF2-40B4-BE49-F238E27FC236}">
-                <a16:creationId xmlns:a16="http://schemas.microsoft.com/office/drawing/2014/main" id="{E70C418C-A47A-4A0D-A75A-34A2F26FD5EC}"/>
-              </a:ext>
-            </a:extLst>
-          </p:cNvPr>
-          <p:cNvCxnSpPr/>
-          <p:nvPr/>
-        </p:nvCxnSpPr>
-        <p:spPr>
-          <a:xfrm flipH="1" flipV="1">
-            <a:off x="2962473" y="16224943"/>
-            <a:ext cx="3375816" cy="9139"/>
-          </a:xfrm>
-          <a:prstGeom prst="line">
-            <a:avLst/>
-          </a:prstGeom>
-          <a:ln w="38100"/>
-        </p:spPr>
-        <p:style>
-          <a:lnRef idx="1">
-            <a:schemeClr val="accent1"/>
-          </a:lnRef>
-          <a:fillRef idx="0">
-            <a:schemeClr val="accent1"/>
-          </a:fillRef>
-          <a:effectRef idx="0">
-            <a:schemeClr val="accent1"/>
-          </a:effectRef>
-          <a:fontRef idx="minor">
-            <a:schemeClr val="tx1"/>
-          </a:fontRef>
-        </p:style>
-      </p:cxnSp>
-      <p:cxnSp>
-        <p:nvCxnSpPr>
-          <p:cNvPr id="130" name="Straight Connector 129">
-            <a:extLst>
-              <a:ext uri="{FF2B5EF4-FFF2-40B4-BE49-F238E27FC236}">
-                <a16:creationId xmlns:a16="http://schemas.microsoft.com/office/drawing/2014/main" id="{76D9401E-09A4-44D2-B278-FB0CDACF3D27}"/>
-              </a:ext>
-            </a:extLst>
-          </p:cNvPr>
-          <p:cNvCxnSpPr/>
-          <p:nvPr/>
-        </p:nvCxnSpPr>
-        <p:spPr>
-          <a:xfrm flipH="1" flipV="1">
-            <a:off x="2941321" y="12353470"/>
-            <a:ext cx="3375816" cy="9139"/>
-          </a:xfrm>
-          <a:prstGeom prst="line">
-            <a:avLst/>
-          </a:prstGeom>
-          <a:ln w="38100"/>
-        </p:spPr>
-        <p:style>
-          <a:lnRef idx="1">
-            <a:schemeClr val="accent1"/>
-          </a:lnRef>
-          <a:fillRef idx="0">
-            <a:schemeClr val="accent1"/>
-          </a:fillRef>
-          <a:effectRef idx="0">
-            <a:schemeClr val="accent1"/>
-          </a:effectRef>
-          <a:fontRef idx="minor">
-            <a:schemeClr val="tx1"/>
-          </a:fontRef>
-        </p:style>
-      </p:cxnSp>
-      <p:cxnSp>
-        <p:nvCxnSpPr>
-          <p:cNvPr id="131" name="Straight Connector 130">
-            <a:extLst>
-              <a:ext uri="{FF2B5EF4-FFF2-40B4-BE49-F238E27FC236}">
-                <a16:creationId xmlns:a16="http://schemas.microsoft.com/office/drawing/2014/main" id="{3A92A98E-5A9A-49DA-B3C0-67756C087304}"/>
-              </a:ext>
-            </a:extLst>
-          </p:cNvPr>
-          <p:cNvCxnSpPr/>
-          <p:nvPr/>
-        </p:nvCxnSpPr>
-        <p:spPr>
-          <a:xfrm flipH="1" flipV="1">
-            <a:off x="2926080" y="8468785"/>
-            <a:ext cx="3375816" cy="9139"/>
-          </a:xfrm>
-          <a:prstGeom prst="line">
-            <a:avLst/>
-          </a:prstGeom>
-          <a:ln w="38100"/>
-        </p:spPr>
-        <p:style>
-          <a:lnRef idx="1">
-            <a:schemeClr val="accent1"/>
-          </a:lnRef>
-          <a:fillRef idx="0">
-            <a:schemeClr val="accent1"/>
-          </a:fillRef>
-          <a:effectRef idx="0">
-            <a:schemeClr val="accent1"/>
-          </a:effectRef>
-          <a:fontRef idx="minor">
-            <a:schemeClr val="tx1"/>
-          </a:fontRef>
-        </p:style>
-      </p:cxnSp>
-      <p:cxnSp>
-        <p:nvCxnSpPr>
-          <p:cNvPr id="132" name="Straight Connector 131">
-            <a:extLst>
-              <a:ext uri="{FF2B5EF4-FFF2-40B4-BE49-F238E27FC236}">
-                <a16:creationId xmlns:a16="http://schemas.microsoft.com/office/drawing/2014/main" id="{E5261190-110D-4EA4-A800-AA22A04C5512}"/>
-              </a:ext>
-            </a:extLst>
-          </p:cNvPr>
-          <p:cNvCxnSpPr/>
-          <p:nvPr/>
-        </p:nvCxnSpPr>
-        <p:spPr>
-          <a:xfrm flipH="1" flipV="1">
-            <a:off x="2926080" y="4904586"/>
-            <a:ext cx="3375816" cy="9139"/>
-          </a:xfrm>
-          <a:prstGeom prst="line">
-            <a:avLst/>
-          </a:prstGeom>
-          <a:ln w="38100"/>
-        </p:spPr>
-        <p:style>
-          <a:lnRef idx="1">
-            <a:schemeClr val="accent1"/>
-          </a:lnRef>
-          <a:fillRef idx="0">
-            <a:schemeClr val="accent1"/>
-          </a:fillRef>
-          <a:effectRef idx="0">
-            <a:schemeClr val="accent1"/>
-          </a:effectRef>
-          <a:fontRef idx="minor">
-            <a:schemeClr val="tx1"/>
-          </a:fontRef>
-        </p:style>
-      </p:cxnSp>
-      <p:cxnSp>
-        <p:nvCxnSpPr>
-          <p:cNvPr id="133" name="Straight Connector 132">
-            <a:extLst>
-              <a:ext uri="{FF2B5EF4-FFF2-40B4-BE49-F238E27FC236}">
-                <a16:creationId xmlns:a16="http://schemas.microsoft.com/office/drawing/2014/main" id="{327042C1-25B1-4898-A35A-15480E4ACD6E}"/>
-              </a:ext>
-            </a:extLst>
-          </p:cNvPr>
-          <p:cNvCxnSpPr>
-            <a:cxnSpLocks/>
-          </p:cNvCxnSpPr>
-          <p:nvPr/>
-        </p:nvCxnSpPr>
-        <p:spPr>
-          <a:xfrm>
-            <a:off x="2910838" y="4913722"/>
-            <a:ext cx="124310" cy="30203298"/>
-          </a:xfrm>
-          <a:prstGeom prst="line">
-            <a:avLst/>
-          </a:prstGeom>
-          <a:ln w="38100"/>
-        </p:spPr>
-        <p:style>
-          <a:lnRef idx="1">
-            <a:schemeClr val="accent1"/>
-          </a:lnRef>
-          <a:fillRef idx="0">
-            <a:schemeClr val="accent1"/>
-          </a:fillRef>
-          <a:effectRef idx="0">
-            <a:schemeClr val="accent1"/>
-          </a:effectRef>
-          <a:fontRef idx="minor">
-            <a:schemeClr val="tx1"/>
-          </a:fontRef>
-        </p:style>
-      </p:cxnSp>
-      <p:cxnSp>
-        <p:nvCxnSpPr>
-          <p:cNvPr id="138" name="Straight Arrow Connector 137">
-            <a:extLst>
-              <a:ext uri="{FF2B5EF4-FFF2-40B4-BE49-F238E27FC236}">
-                <a16:creationId xmlns:a16="http://schemas.microsoft.com/office/drawing/2014/main" id="{BB943641-B847-4764-9389-9E62D7FD2C74}"/>
-              </a:ext>
-            </a:extLst>
-          </p:cNvPr>
-          <p:cNvCxnSpPr>
-            <a:cxnSpLocks/>
-          </p:cNvCxnSpPr>
-          <p:nvPr/>
-        </p:nvCxnSpPr>
-        <p:spPr>
-          <a:xfrm>
-            <a:off x="3035147" y="35117019"/>
-            <a:ext cx="3303142" cy="0"/>
-          </a:xfrm>
-          <a:prstGeom prst="straightConnector1">
-            <a:avLst/>
-          </a:prstGeom>
-          <a:ln w="38100">
-            <a:tailEnd type="triangle"/>
-          </a:ln>
-        </p:spPr>
-        <p:style>
-          <a:lnRef idx="1">
-            <a:schemeClr val="accent1"/>
-          </a:lnRef>
-          <a:fillRef idx="0">
-            <a:schemeClr val="accent1"/>
-          </a:fillRef>
-          <a:effectRef idx="0">
-            <a:schemeClr val="accent1"/>
-          </a:effectRef>
-          <a:fontRef idx="minor">
-            <a:schemeClr val="tx1"/>
-          </a:fontRef>
-        </p:style>
-      </p:cxnSp>
-      <p:sp>
-        <p:nvSpPr>
-          <p:cNvPr id="144" name="TextBox 143">
-            <a:extLst>
-              <a:ext uri="{FF2B5EF4-FFF2-40B4-BE49-F238E27FC236}">
-                <a16:creationId xmlns:a16="http://schemas.microsoft.com/office/drawing/2014/main" id="{2970272C-50F0-4FBD-94B2-1D420819BDA8}"/>
-              </a:ext>
-            </a:extLst>
-          </p:cNvPr>
-          <p:cNvSpPr txBox="1"/>
-          <p:nvPr/>
-        </p:nvSpPr>
-        <p:spPr>
-          <a:xfrm>
-            <a:off x="1649622" y="4899215"/>
-            <a:ext cx="1107996" cy="30217960"/>
-          </a:xfrm>
-          <a:prstGeom prst="rect">
-            <a:avLst/>
-          </a:prstGeom>
-          <a:noFill/>
-        </p:spPr>
-        <p:txBody>
-          <a:bodyPr vert="vert270" wrap="square" rtlCol="0">
-            <a:spAutoFit/>
-          </a:bodyPr>
-          <a:lstStyle/>
-          <a:p>
-            <a:pPr algn="ctr"/>
-            <a:r>
-              <a:rPr lang="en-US" sz="6000" dirty="0"/>
-              <a:t>[cancel command entered by user]</a:t>
+              <a:t>[user executes the cancel command]</a:t>
             </a:r>
           </a:p>
         </p:txBody>
@@ -6215,7 +6141,7 @@
     </p:spTree>
     <p:extLst>
       <p:ext uri="{BB962C8B-B14F-4D97-AF65-F5344CB8AC3E}">
-        <p14:creationId xmlns:p14="http://schemas.microsoft.com/office/powerpoint/2010/main" val="223549919"/>
+        <p14:creationId xmlns:p14="http://schemas.microsoft.com/office/powerpoint/2010/main" val="3382297959"/>
       </p:ext>
     </p:extLst>
   </p:cSld>
